--- a/ppt/Phase 2.pptx
+++ b/ppt/Phase 2.pptx
@@ -10,15 +10,14 @@
   </p:notesMasterIdLst>
   <p:sldIdLst>
     <p:sldId id="256" r:id="rId4"/>
-    <p:sldId id="267" r:id="rId6"/>
-    <p:sldId id="259" r:id="rId7"/>
-    <p:sldId id="260" r:id="rId8"/>
-    <p:sldId id="261" r:id="rId9"/>
-    <p:sldId id="274" r:id="rId10"/>
-    <p:sldId id="275" r:id="rId11"/>
-    <p:sldId id="266" r:id="rId12"/>
-    <p:sldId id="265" r:id="rId13"/>
-    <p:sldId id="258" r:id="rId14"/>
+    <p:sldId id="259" r:id="rId6"/>
+    <p:sldId id="260" r:id="rId7"/>
+    <p:sldId id="261" r:id="rId8"/>
+    <p:sldId id="274" r:id="rId9"/>
+    <p:sldId id="275" r:id="rId10"/>
+    <p:sldId id="266" r:id="rId11"/>
+    <p:sldId id="265" r:id="rId12"/>
+    <p:sldId id="258" r:id="rId13"/>
   </p:sldIdLst>
   <p:sldSz cx="12192000" cy="6858000"/>
   <p:notesSz cx="6858000" cy="9144000"/>
@@ -26891,7 +26890,7 @@
         <p:spPr>
           <a:xfrm>
             <a:off x="6832521" y="4756036"/>
-            <a:ext cx="5161633" cy="929485"/>
+            <a:ext cx="5161633" cy="897255"/>
           </a:xfrm>
           <a:prstGeom prst="rect">
             <a:avLst/>
@@ -27011,7 +27010,7 @@
                 <a:cs typeface="Times New Roman" panose="02020603050405020304"/>
                 <a:sym typeface="Times New Roman" panose="02020603050405020304"/>
               </a:rPr>
-              <a:t>Designation: Assistant Professor</a:t>
+              <a:t>Designation: Professor</a:t>
             </a:r>
             <a:endParaRPr sz="1600" b="1" i="0" u="none" strike="noStrike" cap="none" dirty="0">
               <a:solidFill>
@@ -27033,7 +27032,2426 @@
 </p:sld>
 </file>
 
-<file path=ppt/slides/slide10.xml><?xml version="1.0" encoding="utf-8"?>
+<file path=ppt/slides/slide2.xml><?xml version="1.0" encoding="utf-8"?>
+<p:sld xmlns:a="http://schemas.openxmlformats.org/drawingml/2006/main" xmlns:r="http://schemas.openxmlformats.org/officeDocument/2006/relationships" xmlns:p="http://schemas.openxmlformats.org/presentationml/2006/main">
+  <p:cSld>
+    <p:spTree>
+      <p:nvGrpSpPr>
+        <p:cNvPr id="1" name="Shape 198"/>
+        <p:cNvGrpSpPr/>
+        <p:nvPr/>
+      </p:nvGrpSpPr>
+      <p:grpSpPr>
+        <a:xfrm>
+          <a:off x="0" y="0"/>
+          <a:ext cx="0" cy="0"/>
+          <a:chOff x="0" y="0"/>
+          <a:chExt cx="0" cy="0"/>
+        </a:xfrm>
+      </p:grpSpPr>
+      <p:sp>
+        <p:nvSpPr>
+          <p:cNvPr id="4" name="Rectangles 3"/>
+          <p:cNvSpPr/>
+          <p:nvPr/>
+        </p:nvSpPr>
+        <p:spPr>
+          <a:xfrm>
+            <a:off x="2347595" y="1432560"/>
+            <a:ext cx="7507605" cy="5288915"/>
+          </a:xfrm>
+          <a:prstGeom prst="rect">
+            <a:avLst/>
+          </a:prstGeom>
+        </p:spPr>
+        <p:style>
+          <a:lnRef idx="2">
+            <a:schemeClr val="accent1">
+              <a:shade val="50000"/>
+            </a:schemeClr>
+          </a:lnRef>
+          <a:fillRef idx="1">
+            <a:schemeClr val="accent1"/>
+          </a:fillRef>
+          <a:effectRef idx="0">
+            <a:schemeClr val="accent1"/>
+          </a:effectRef>
+          <a:fontRef idx="minor">
+            <a:schemeClr val="lt1"/>
+          </a:fontRef>
+        </p:style>
+        <p:txBody>
+          <a:bodyPr rtlCol="0" anchor="ctr"/>
+          <a:p>
+            <a:pPr algn="ctr"/>
+            <a:endParaRPr lang="en-US"/>
+          </a:p>
+        </p:txBody>
+      </p:sp>
+      <p:sp>
+        <p:nvSpPr>
+          <p:cNvPr id="199" name="Google Shape;199;p2"/>
+          <p:cNvSpPr txBox="1">
+            <a:spLocks noGrp="1"/>
+          </p:cNvSpPr>
+          <p:nvPr>
+            <p:ph type="title"/>
+          </p:nvPr>
+        </p:nvSpPr>
+        <p:spPr>
+          <a:xfrm>
+            <a:off x="847531" y="136525"/>
+            <a:ext cx="8646459" cy="1279527"/>
+          </a:xfrm>
+          <a:prstGeom prst="rect">
+            <a:avLst/>
+          </a:prstGeom>
+          <a:noFill/>
+          <a:ln w="9525" cap="flat" cmpd="sng">
+            <a:solidFill>
+              <a:srgbClr val="0C0C0C"/>
+            </a:solidFill>
+            <a:prstDash val="solid"/>
+            <a:round/>
+            <a:headEnd type="none" w="sm" len="sm"/>
+            <a:tailEnd type="none" w="sm" len="sm"/>
+          </a:ln>
+        </p:spPr>
+        <p:txBody>
+          <a:bodyPr spcFirstLastPara="1" wrap="square" lIns="91425" tIns="45700" rIns="91425" bIns="45700" anchor="ctr" anchorCtr="0">
+            <a:normAutofit/>
+          </a:bodyPr>
+          <a:lstStyle/>
+          <a:p>
+            <a:pPr marL="0" lvl="0" indent="0" algn="l" rtl="0">
+              <a:lnSpc>
+                <a:spcPct val="90000"/>
+              </a:lnSpc>
+              <a:spcBef>
+                <a:spcPts val="0"/>
+              </a:spcBef>
+              <a:spcAft>
+                <a:spcPts val="0"/>
+              </a:spcAft>
+              <a:buClr>
+                <a:srgbClr val="C00000"/>
+              </a:buClr>
+              <a:buSzPts val="4000"/>
+              <a:buFont typeface="Times New Roman" panose="02020603050405020304"/>
+              <a:buNone/>
+            </a:pPr>
+            <a:r>
+              <a:rPr lang="en-US" sz="4000" dirty="0">
+                <a:solidFill>
+                  <a:srgbClr val="C00000"/>
+                </a:solidFill>
+                <a:latin typeface="Times New Roman Regular" panose="02020603050405020304" charset="0"/>
+                <a:cs typeface="Times New Roman Regular" panose="02020603050405020304" charset="0"/>
+                <a:sym typeface="+mn-ea"/>
+              </a:rPr>
+              <a:t>Block Diagram</a:t>
+            </a:r>
+            <a:endParaRPr lang="en-US" sz="4000" b="1" dirty="0">
+              <a:solidFill>
+                <a:srgbClr val="C00000"/>
+              </a:solidFill>
+              <a:latin typeface="Times New Roman Regular" panose="02020603050405020304" charset="0"/>
+              <a:ea typeface="Times New Roman" panose="02020603050405020304"/>
+              <a:cs typeface="Times New Roman Regular" panose="02020603050405020304" charset="0"/>
+              <a:sym typeface="+mn-ea"/>
+            </a:endParaRPr>
+          </a:p>
+        </p:txBody>
+      </p:sp>
+      <p:sp>
+        <p:nvSpPr>
+          <p:cNvPr id="200" name="Google Shape;200;p2"/>
+          <p:cNvSpPr txBox="1">
+            <a:spLocks noGrp="1"/>
+          </p:cNvSpPr>
+          <p:nvPr>
+            <p:ph type="sldNum" idx="12"/>
+          </p:nvPr>
+        </p:nvSpPr>
+        <p:spPr>
+          <a:xfrm>
+            <a:off x="8610600" y="6356350"/>
+            <a:ext cx="2743200" cy="365125"/>
+          </a:xfrm>
+          <a:prstGeom prst="rect">
+            <a:avLst/>
+          </a:prstGeom>
+          <a:noFill/>
+          <a:ln>
+            <a:noFill/>
+          </a:ln>
+        </p:spPr>
+        <p:txBody>
+          <a:bodyPr spcFirstLastPara="1" wrap="square" lIns="91425" tIns="45700" rIns="91425" bIns="45700" anchor="ctr" anchorCtr="0">
+            <a:noAutofit/>
+          </a:bodyPr>
+          <a:lstStyle/>
+          <a:p>
+            <a:pPr marL="0" lvl="0" indent="0" algn="r" rtl="0">
+              <a:spcBef>
+                <a:spcPts val="0"/>
+              </a:spcBef>
+              <a:spcAft>
+                <a:spcPts val="0"/>
+              </a:spcAft>
+              <a:buNone/>
+            </a:pPr>
+            <a:fld id="{00000000-1234-1234-1234-123412341234}" type="slidenum">
+              <a:rPr lang="en-US">
+                <a:latin typeface="Arial" panose="020B0604020202020204"/>
+                <a:ea typeface="Arial" panose="020B0604020202020204"/>
+                <a:cs typeface="Arial" panose="020B0604020202020204"/>
+                <a:sym typeface="Arial" panose="020B0604020202020204"/>
+              </a:rPr>
+            </a:fld>
+            <a:endParaRPr>
+              <a:latin typeface="Arial" panose="020B0604020202020204"/>
+              <a:ea typeface="Arial" panose="020B0604020202020204"/>
+              <a:cs typeface="Arial" panose="020B0604020202020204"/>
+              <a:sym typeface="Arial" panose="020B0604020202020204"/>
+            </a:endParaRPr>
+          </a:p>
+        </p:txBody>
+      </p:sp>
+      <p:pic>
+        <p:nvPicPr>
+          <p:cNvPr id="5" name="Picture 4" descr="Made Setup-2"/>
+          <p:cNvPicPr>
+            <a:picLocks noChangeAspect="1"/>
+          </p:cNvPicPr>
+          <p:nvPr/>
+        </p:nvPicPr>
+        <p:blipFill>
+          <a:blip r:embed="rId1"/>
+          <a:stretch>
+            <a:fillRect/>
+          </a:stretch>
+        </p:blipFill>
+        <p:spPr>
+          <a:xfrm>
+            <a:off x="2412365" y="1483360"/>
+            <a:ext cx="7366635" cy="5187315"/>
+          </a:xfrm>
+          <a:prstGeom prst="rect">
+            <a:avLst/>
+          </a:prstGeom>
+        </p:spPr>
+      </p:pic>
+    </p:spTree>
+  </p:cSld>
+  <p:clrMapOvr>
+    <a:masterClrMapping/>
+  </p:clrMapOvr>
+</p:sld>
+</file>
+
+<file path=ppt/slides/slide3.xml><?xml version="1.0" encoding="utf-8"?>
+<p:sld xmlns:a="http://schemas.openxmlformats.org/drawingml/2006/main" xmlns:r="http://schemas.openxmlformats.org/officeDocument/2006/relationships" xmlns:p="http://schemas.openxmlformats.org/presentationml/2006/main">
+  <p:cSld>
+    <p:spTree>
+      <p:nvGrpSpPr>
+        <p:cNvPr id="1" name="Shape 198"/>
+        <p:cNvGrpSpPr/>
+        <p:nvPr/>
+      </p:nvGrpSpPr>
+      <p:grpSpPr>
+        <a:xfrm>
+          <a:off x="0" y="0"/>
+          <a:ext cx="0" cy="0"/>
+          <a:chOff x="0" y="0"/>
+          <a:chExt cx="0" cy="0"/>
+        </a:xfrm>
+      </p:grpSpPr>
+      <p:sp>
+        <p:nvSpPr>
+          <p:cNvPr id="199" name="Google Shape;199;p2"/>
+          <p:cNvSpPr txBox="1">
+            <a:spLocks noGrp="1"/>
+          </p:cNvSpPr>
+          <p:nvPr>
+            <p:ph type="title"/>
+          </p:nvPr>
+        </p:nvSpPr>
+        <p:spPr>
+          <a:xfrm>
+            <a:off x="847531" y="136525"/>
+            <a:ext cx="8646459" cy="1279527"/>
+          </a:xfrm>
+          <a:prstGeom prst="rect">
+            <a:avLst/>
+          </a:prstGeom>
+          <a:noFill/>
+          <a:ln w="9525" cap="flat" cmpd="sng">
+            <a:solidFill>
+              <a:srgbClr val="0C0C0C"/>
+            </a:solidFill>
+            <a:prstDash val="solid"/>
+            <a:round/>
+            <a:headEnd type="none" w="sm" len="sm"/>
+            <a:tailEnd type="none" w="sm" len="sm"/>
+          </a:ln>
+        </p:spPr>
+        <p:txBody>
+          <a:bodyPr spcFirstLastPara="1" wrap="square" lIns="91425" tIns="45700" rIns="91425" bIns="45700" anchor="ctr" anchorCtr="0">
+            <a:normAutofit/>
+          </a:bodyPr>
+          <a:lstStyle/>
+          <a:p>
+            <a:pPr>
+              <a:buClr>
+                <a:srgbClr val="C00000"/>
+              </a:buClr>
+              <a:buSzPts val="4000"/>
+            </a:pPr>
+            <a:r>
+              <a:rPr lang="en-US" sz="4000" dirty="0">
+                <a:solidFill>
+                  <a:srgbClr val="C00000"/>
+                </a:solidFill>
+                <a:latin typeface="Times New Roman Regular" panose="02020603050405020304" charset="0"/>
+                <a:cs typeface="Times New Roman Regular" panose="02020603050405020304" charset="0"/>
+                <a:sym typeface="+mn-ea"/>
+              </a:rPr>
+              <a:t>Experimental setup and Design</a:t>
+            </a:r>
+            <a:endParaRPr lang="en-US" sz="4000" b="1" dirty="0">
+              <a:solidFill>
+                <a:srgbClr val="C00000"/>
+              </a:solidFill>
+              <a:latin typeface="Times New Roman Regular" panose="02020603050405020304" charset="0"/>
+              <a:ea typeface="Times New Roman" panose="02020603050405020304"/>
+              <a:cs typeface="Times New Roman Regular" panose="02020603050405020304" charset="0"/>
+              <a:sym typeface="+mn-ea"/>
+            </a:endParaRPr>
+          </a:p>
+        </p:txBody>
+      </p:sp>
+      <p:sp>
+        <p:nvSpPr>
+          <p:cNvPr id="200" name="Google Shape;200;p2"/>
+          <p:cNvSpPr txBox="1">
+            <a:spLocks noGrp="1"/>
+          </p:cNvSpPr>
+          <p:nvPr>
+            <p:ph type="sldNum" idx="12"/>
+          </p:nvPr>
+        </p:nvSpPr>
+        <p:spPr>
+          <a:xfrm>
+            <a:off x="8610600" y="6356350"/>
+            <a:ext cx="2743200" cy="365125"/>
+          </a:xfrm>
+          <a:prstGeom prst="rect">
+            <a:avLst/>
+          </a:prstGeom>
+          <a:noFill/>
+          <a:ln>
+            <a:noFill/>
+          </a:ln>
+        </p:spPr>
+        <p:txBody>
+          <a:bodyPr spcFirstLastPara="1" wrap="square" lIns="91425" tIns="45700" rIns="91425" bIns="45700" anchor="ctr" anchorCtr="0">
+            <a:noAutofit/>
+          </a:bodyPr>
+          <a:lstStyle/>
+          <a:p>
+            <a:pPr marL="0" lvl="0" indent="0" algn="r" rtl="0">
+              <a:spcBef>
+                <a:spcPts val="0"/>
+              </a:spcBef>
+              <a:spcAft>
+                <a:spcPts val="0"/>
+              </a:spcAft>
+              <a:buNone/>
+            </a:pPr>
+            <a:fld id="{00000000-1234-1234-1234-123412341234}" type="slidenum">
+              <a:rPr lang="en-US">
+                <a:latin typeface="Arial" panose="020B0604020202020204"/>
+                <a:ea typeface="Arial" panose="020B0604020202020204"/>
+                <a:cs typeface="Arial" panose="020B0604020202020204"/>
+                <a:sym typeface="Arial" panose="020B0604020202020204"/>
+              </a:rPr>
+            </a:fld>
+            <a:endParaRPr>
+              <a:latin typeface="Arial" panose="020B0604020202020204"/>
+              <a:ea typeface="Arial" panose="020B0604020202020204"/>
+              <a:cs typeface="Arial" panose="020B0604020202020204"/>
+              <a:sym typeface="Arial" panose="020B0604020202020204"/>
+            </a:endParaRPr>
+          </a:p>
+        </p:txBody>
+      </p:sp>
+      <p:sp>
+        <p:nvSpPr>
+          <p:cNvPr id="3" name="Rectangle 1"/>
+          <p:cNvSpPr>
+            <a:spLocks noGrp="1" noChangeArrowheads="1"/>
+          </p:cNvSpPr>
+          <p:nvPr>
+            <p:ph type="body" idx="1"/>
+          </p:nvPr>
+        </p:nvSpPr>
+        <p:spPr bwMode="auto">
+          <a:xfrm>
+            <a:off x="481263" y="1450257"/>
+            <a:ext cx="10983662" cy="4627245"/>
+          </a:xfrm>
+          <a:prstGeom prst="rect">
+            <a:avLst/>
+          </a:prstGeom>
+          <a:noFill/>
+          <a:ln>
+            <a:noFill/>
+          </a:ln>
+          <a:effectLst/>
+          <a:extLst>
+            <a:ext uri="{909E8E84-426E-40DD-AFC4-6F175D3DCCD1}">
+              <a14:hiddenFill xmlns:a14="http://schemas.microsoft.com/office/drawing/2010/main">
+                <a:solidFill>
+                  <a:schemeClr val="accent1"/>
+                </a:solidFill>
+              </a14:hiddenFill>
+            </a:ext>
+            <a:ext uri="{91240B29-F687-4F45-9708-019B960494DF}">
+              <a14:hiddenLine xmlns:a14="http://schemas.microsoft.com/office/drawing/2010/main" w="9525">
+                <a:solidFill>
+                  <a:schemeClr val="tx1"/>
+                </a:solidFill>
+                <a:miter lim="800000"/>
+                <a:headEnd/>
+                <a:tailEnd/>
+              </a14:hiddenLine>
+            </a:ext>
+            <a:ext uri="{AF507438-7753-43E0-B8FC-AC1667EBCBE1}">
+              <a14:hiddenEffects xmlns:a14="http://schemas.microsoft.com/office/drawing/2010/main">
+                <a:effectLst>
+                  <a:outerShdw dist="35921" dir="2700000" algn="ctr" rotWithShape="0">
+                    <a:schemeClr val="bg2"/>
+                  </a:outerShdw>
+                </a:effectLst>
+              </a14:hiddenEffects>
+            </a:ext>
+          </a:extLst>
+        </p:spPr>
+        <p:txBody>
+          <a:bodyPr vert="horz" wrap="square" lIns="91440" tIns="45720" rIns="91440" bIns="45720" numCol="1" anchor="ctr" anchorCtr="0" compatLnSpc="1">
+            <a:spAutoFit/>
+          </a:bodyPr>
+          <a:lstStyle/>
+          <a:p>
+            <a:pPr marR="0" lvl="0" indent="-457200" algn="l" defTabSz="914400" rtl="0" eaLnBrk="0" fontAlgn="base" latinLnBrk="0" hangingPunct="0">
+              <a:lnSpc>
+                <a:spcPct val="130000"/>
+              </a:lnSpc>
+              <a:spcBef>
+                <a:spcPct val="0"/>
+              </a:spcBef>
+              <a:spcAft>
+                <a:spcPct val="0"/>
+              </a:spcAft>
+              <a:buClrTx/>
+              <a:buSzTx/>
+              <a:buFont typeface="Arial" panose="020B0604020202020204" pitchFamily="34" charset="0"/>
+              <a:buAutoNum type="arabicPeriod"/>
+            </a:pPr>
+            <a:r>
+              <a:rPr kumimoji="0" sz="2200" b="1" i="0" u="none" strike="noStrike" cap="none" normalizeH="0" baseline="0" dirty="0">
+                <a:latin typeface="Times New Roman Bold" panose="02020603050405020304" charset="0"/>
+                <a:cs typeface="Times New Roman Bold" panose="02020603050405020304" charset="0"/>
+              </a:rPr>
+              <a:t>Prototyping:</a:t>
+            </a:r>
+            <a:endParaRPr kumimoji="0" sz="2200" b="1" i="0" u="none" strike="noStrike" cap="none" normalizeH="0" baseline="0" dirty="0">
+              <a:latin typeface="Times New Roman Bold" panose="02020603050405020304" charset="0"/>
+              <a:cs typeface="Times New Roman Bold" panose="02020603050405020304" charset="0"/>
+            </a:endParaRPr>
+          </a:p>
+          <a:p>
+            <a:pPr marL="800100" marR="0" lvl="1" algn="l" defTabSz="914400" rtl="0" eaLnBrk="0" fontAlgn="base" latinLnBrk="0" hangingPunct="0">
+              <a:lnSpc>
+                <a:spcPct val="100000"/>
+              </a:lnSpc>
+              <a:spcBef>
+                <a:spcPct val="0"/>
+              </a:spcBef>
+              <a:spcAft>
+                <a:spcPct val="0"/>
+              </a:spcAft>
+              <a:buClrTx/>
+              <a:buSzTx/>
+            </a:pPr>
+            <a:r>
+              <a:rPr kumimoji="0" sz="2200" i="0" u="none" strike="noStrike" cap="none" normalizeH="0" baseline="0" dirty="0">
+                <a:latin typeface="Times New Roman Regular" panose="02020603050405020304" charset="0"/>
+                <a:cs typeface="Times New Roman Regular" panose="02020603050405020304" charset="0"/>
+              </a:rPr>
+              <a:t>Built prototype with HTML, CSS, JS, and Bootstrap.</a:t>
+            </a:r>
+            <a:endParaRPr kumimoji="0" sz="2200" i="0" u="none" strike="noStrike" cap="none" normalizeH="0" baseline="0" dirty="0">
+              <a:latin typeface="Times New Roman Regular" panose="02020603050405020304" charset="0"/>
+              <a:cs typeface="Times New Roman Regular" panose="02020603050405020304" charset="0"/>
+            </a:endParaRPr>
+          </a:p>
+          <a:p>
+            <a:pPr marL="800100" marR="0" lvl="1" algn="l" defTabSz="914400" rtl="0" eaLnBrk="0" fontAlgn="base" latinLnBrk="0" hangingPunct="0">
+              <a:lnSpc>
+                <a:spcPct val="100000"/>
+              </a:lnSpc>
+              <a:spcBef>
+                <a:spcPct val="0"/>
+              </a:spcBef>
+              <a:spcAft>
+                <a:spcPct val="0"/>
+              </a:spcAft>
+              <a:buClrTx/>
+              <a:buSzTx/>
+            </a:pPr>
+            <a:r>
+              <a:rPr kumimoji="0" sz="2200" i="0" u="none" strike="noStrike" cap="none" normalizeH="0" baseline="0" dirty="0">
+                <a:latin typeface="Times New Roman Regular" panose="02020603050405020304" charset="0"/>
+                <a:cs typeface="Times New Roman Regular" panose="02020603050405020304" charset="0"/>
+              </a:rPr>
+              <a:t>Integrated APIs for location and payments.</a:t>
+            </a:r>
+            <a:endParaRPr kumimoji="0" sz="2200" i="0" u="none" strike="noStrike" cap="none" normalizeH="0" baseline="0" dirty="0">
+              <a:latin typeface="Times New Roman Regular" panose="02020603050405020304" charset="0"/>
+              <a:cs typeface="Times New Roman Regular" panose="02020603050405020304" charset="0"/>
+            </a:endParaRPr>
+          </a:p>
+          <a:p>
+            <a:pPr marR="0" lvl="0" indent="-457200" algn="l" defTabSz="914400" rtl="0" eaLnBrk="0" fontAlgn="base" latinLnBrk="0" hangingPunct="0">
+              <a:lnSpc>
+                <a:spcPct val="140000"/>
+              </a:lnSpc>
+              <a:spcBef>
+                <a:spcPct val="0"/>
+              </a:spcBef>
+              <a:spcAft>
+                <a:spcPct val="0"/>
+              </a:spcAft>
+              <a:buClrTx/>
+              <a:buSzTx/>
+              <a:buFont typeface="Arial" panose="020B0604020202020204" pitchFamily="34" charset="0"/>
+              <a:buAutoNum type="arabicPeriod"/>
+            </a:pPr>
+            <a:r>
+              <a:rPr kumimoji="0" sz="2200" b="1" i="0" u="none" strike="noStrike" cap="none" normalizeH="0" baseline="0" dirty="0">
+                <a:latin typeface="Times New Roman Bold" panose="02020603050405020304" charset="0"/>
+                <a:cs typeface="Times New Roman Bold" panose="02020603050405020304" charset="0"/>
+              </a:rPr>
+              <a:t>User Testing:</a:t>
+            </a:r>
+            <a:endParaRPr kumimoji="0" sz="2200" b="1" i="0" u="none" strike="noStrike" cap="none" normalizeH="0" baseline="0" dirty="0">
+              <a:latin typeface="Times New Roman Bold" panose="02020603050405020304" charset="0"/>
+              <a:cs typeface="Times New Roman Bold" panose="02020603050405020304" charset="0"/>
+            </a:endParaRPr>
+          </a:p>
+          <a:p>
+            <a:pPr marL="800100" marR="0" lvl="1" algn="l" defTabSz="914400" rtl="0" eaLnBrk="0" fontAlgn="base" latinLnBrk="0" hangingPunct="0">
+              <a:lnSpc>
+                <a:spcPct val="100000"/>
+              </a:lnSpc>
+              <a:spcBef>
+                <a:spcPct val="0"/>
+              </a:spcBef>
+              <a:spcAft>
+                <a:spcPct val="0"/>
+              </a:spcAft>
+              <a:buClrTx/>
+              <a:buSzTx/>
+            </a:pPr>
+            <a:r>
+              <a:rPr kumimoji="0" sz="2200" i="0" u="none" strike="noStrike" cap="none" normalizeH="0" baseline="0" dirty="0">
+                <a:latin typeface="Times New Roman Regular" panose="02020603050405020304" charset="0"/>
+                <a:cs typeface="Times New Roman Regular" panose="02020603050405020304" charset="0"/>
+              </a:rPr>
+              <a:t>Tested with gamers, designers, and office users.</a:t>
+            </a:r>
+            <a:endParaRPr kumimoji="0" sz="2200" i="0" u="none" strike="noStrike" cap="none" normalizeH="0" baseline="0" dirty="0">
+              <a:latin typeface="Times New Roman Regular" panose="02020603050405020304" charset="0"/>
+              <a:cs typeface="Times New Roman Regular" panose="02020603050405020304" charset="0"/>
+            </a:endParaRPr>
+          </a:p>
+          <a:p>
+            <a:pPr marL="800100" marR="0" lvl="1" algn="l" defTabSz="914400" rtl="0" eaLnBrk="0" fontAlgn="base" latinLnBrk="0" hangingPunct="0">
+              <a:lnSpc>
+                <a:spcPct val="100000"/>
+              </a:lnSpc>
+              <a:spcBef>
+                <a:spcPct val="0"/>
+              </a:spcBef>
+              <a:spcAft>
+                <a:spcPct val="0"/>
+              </a:spcAft>
+              <a:buClrTx/>
+              <a:buSzTx/>
+            </a:pPr>
+            <a:r>
+              <a:rPr kumimoji="0" sz="2200" i="0" u="none" strike="noStrike" cap="none" normalizeH="0" baseline="0" dirty="0">
+                <a:latin typeface="Times New Roman Regular" panose="02020603050405020304" charset="0"/>
+                <a:cs typeface="Times New Roman Regular" panose="02020603050405020304" charset="0"/>
+              </a:rPr>
+              <a:t>Gathered feedback on experience and navigation.</a:t>
+            </a:r>
+            <a:endParaRPr kumimoji="0" sz="2200" i="0" u="none" strike="noStrike" cap="none" normalizeH="0" baseline="0" dirty="0">
+              <a:latin typeface="Times New Roman Regular" panose="02020603050405020304" charset="0"/>
+              <a:cs typeface="Times New Roman Regular" panose="02020603050405020304" charset="0"/>
+            </a:endParaRPr>
+          </a:p>
+          <a:p>
+            <a:pPr marR="0" lvl="0" indent="-457200" algn="l" defTabSz="914400" rtl="0" eaLnBrk="0" fontAlgn="base" latinLnBrk="0" hangingPunct="0">
+              <a:lnSpc>
+                <a:spcPct val="140000"/>
+              </a:lnSpc>
+              <a:spcBef>
+                <a:spcPct val="0"/>
+              </a:spcBef>
+              <a:spcAft>
+                <a:spcPct val="0"/>
+              </a:spcAft>
+              <a:buClrTx/>
+              <a:buSzTx/>
+              <a:buFont typeface="Arial" panose="020B0604020202020204" pitchFamily="34" charset="0"/>
+              <a:buAutoNum type="arabicPeriod"/>
+            </a:pPr>
+            <a:r>
+              <a:rPr kumimoji="0" sz="2200" b="1" i="0" u="none" strike="noStrike" cap="none" normalizeH="0" baseline="0" dirty="0">
+                <a:latin typeface="Times New Roman Bold" panose="02020603050405020304" charset="0"/>
+                <a:cs typeface="Times New Roman Bold" panose="02020603050405020304" charset="0"/>
+              </a:rPr>
+              <a:t>Design Refinement:</a:t>
+            </a:r>
+            <a:endParaRPr kumimoji="0" sz="2200" b="1" i="0" u="none" strike="noStrike" cap="none" normalizeH="0" baseline="0" dirty="0">
+              <a:latin typeface="Times New Roman Bold" panose="02020603050405020304" charset="0"/>
+              <a:cs typeface="Times New Roman Bold" panose="02020603050405020304" charset="0"/>
+            </a:endParaRPr>
+          </a:p>
+          <a:p>
+            <a:pPr marL="800100" marR="0" lvl="1" algn="l" defTabSz="914400" rtl="0" eaLnBrk="0" fontAlgn="base" latinLnBrk="0" hangingPunct="0">
+              <a:lnSpc>
+                <a:spcPct val="100000"/>
+              </a:lnSpc>
+              <a:spcBef>
+                <a:spcPct val="0"/>
+              </a:spcBef>
+              <a:spcAft>
+                <a:spcPct val="0"/>
+              </a:spcAft>
+              <a:buClrTx/>
+              <a:buSzTx/>
+            </a:pPr>
+            <a:r>
+              <a:rPr kumimoji="0" sz="2200" i="0" u="none" strike="noStrike" cap="none" normalizeH="0" baseline="0" dirty="0">
+                <a:latin typeface="Times New Roman Regular" panose="02020603050405020304" charset="0"/>
+                <a:cs typeface="Times New Roman Regular" panose="02020603050405020304" charset="0"/>
+              </a:rPr>
+              <a:t>Improved UI/UX based on feedback.</a:t>
+            </a:r>
+            <a:endParaRPr kumimoji="0" sz="2200" i="0" u="none" strike="noStrike" cap="none" normalizeH="0" baseline="0" dirty="0">
+              <a:latin typeface="Times New Roman Regular" panose="02020603050405020304" charset="0"/>
+              <a:cs typeface="Times New Roman Regular" panose="02020603050405020304" charset="0"/>
+            </a:endParaRPr>
+          </a:p>
+          <a:p>
+            <a:pPr marL="800100" marR="0" lvl="1" algn="l" defTabSz="914400" rtl="0" eaLnBrk="0" fontAlgn="base" latinLnBrk="0" hangingPunct="0">
+              <a:lnSpc>
+                <a:spcPct val="100000"/>
+              </a:lnSpc>
+              <a:spcBef>
+                <a:spcPct val="0"/>
+              </a:spcBef>
+              <a:spcAft>
+                <a:spcPct val="0"/>
+              </a:spcAft>
+              <a:buClrTx/>
+              <a:buSzTx/>
+            </a:pPr>
+            <a:r>
+              <a:rPr kumimoji="0" sz="2200" i="0" u="none" strike="noStrike" cap="none" normalizeH="0" baseline="0" dirty="0">
+                <a:latin typeface="Times New Roman Regular" panose="02020603050405020304" charset="0"/>
+                <a:cs typeface="Times New Roman Regular" panose="02020603050405020304" charset="0"/>
+              </a:rPr>
+              <a:t>Ensured responsiveness across devices.</a:t>
+            </a:r>
+            <a:endParaRPr kumimoji="0" sz="2200" i="0" u="none" strike="noStrike" cap="none" normalizeH="0" baseline="0" dirty="0">
+              <a:latin typeface="Times New Roman Regular" panose="02020603050405020304" charset="0"/>
+              <a:cs typeface="Times New Roman Regular" panose="02020603050405020304" charset="0"/>
+            </a:endParaRPr>
+          </a:p>
+          <a:p>
+            <a:pPr marR="0" lvl="0" indent="-457200" algn="l" defTabSz="914400" rtl="0" eaLnBrk="0" fontAlgn="base" latinLnBrk="0" hangingPunct="0">
+              <a:lnSpc>
+                <a:spcPct val="130000"/>
+              </a:lnSpc>
+              <a:spcBef>
+                <a:spcPct val="0"/>
+              </a:spcBef>
+              <a:spcAft>
+                <a:spcPct val="0"/>
+              </a:spcAft>
+              <a:buClrTx/>
+              <a:buSzTx/>
+              <a:buFont typeface="Arial" panose="020B0604020202020204" pitchFamily="34" charset="0"/>
+              <a:buAutoNum type="arabicPeriod"/>
+            </a:pPr>
+            <a:r>
+              <a:rPr kumimoji="0" sz="2200" b="1" i="0" u="none" strike="noStrike" cap="none" normalizeH="0" baseline="0" dirty="0">
+                <a:latin typeface="Times New Roman Bold" panose="02020603050405020304" charset="0"/>
+                <a:cs typeface="Times New Roman Bold" panose="02020603050405020304" charset="0"/>
+              </a:rPr>
+              <a:t>Performance Metrics:</a:t>
+            </a:r>
+            <a:endParaRPr kumimoji="0" sz="2200" b="1" i="0" u="none" strike="noStrike" cap="none" normalizeH="0" baseline="0" dirty="0">
+              <a:latin typeface="Times New Roman Bold" panose="02020603050405020304" charset="0"/>
+              <a:cs typeface="Times New Roman Bold" panose="02020603050405020304" charset="0"/>
+            </a:endParaRPr>
+          </a:p>
+          <a:p>
+            <a:pPr marL="800100" marR="0" lvl="1" algn="l" defTabSz="914400" rtl="0" eaLnBrk="0" fontAlgn="base" latinLnBrk="0" hangingPunct="0">
+              <a:lnSpc>
+                <a:spcPct val="100000"/>
+              </a:lnSpc>
+              <a:spcBef>
+                <a:spcPct val="0"/>
+              </a:spcBef>
+              <a:spcAft>
+                <a:spcPct val="0"/>
+              </a:spcAft>
+              <a:buClrTx/>
+              <a:buSzTx/>
+            </a:pPr>
+            <a:r>
+              <a:rPr kumimoji="0" sz="2200" i="0" u="none" strike="noStrike" cap="none" normalizeH="0" baseline="0" dirty="0">
+                <a:latin typeface="Times New Roman Regular" panose="02020603050405020304" charset="0"/>
+                <a:cs typeface="Times New Roman Regular" panose="02020603050405020304" charset="0"/>
+              </a:rPr>
+              <a:t>Tracked KPIs like load time and conversion rates.</a:t>
+            </a:r>
+            <a:endParaRPr kumimoji="0" sz="2200" i="0" u="none" strike="noStrike" cap="none" normalizeH="0" baseline="0" dirty="0">
+              <a:latin typeface="Times New Roman Regular" panose="02020603050405020304" charset="0"/>
+              <a:cs typeface="Times New Roman Regular" panose="02020603050405020304" charset="0"/>
+            </a:endParaRPr>
+          </a:p>
+          <a:p>
+            <a:pPr marL="800100" marR="0" lvl="1" algn="l" defTabSz="914400" rtl="0" eaLnBrk="0" fontAlgn="base" latinLnBrk="0" hangingPunct="0">
+              <a:lnSpc>
+                <a:spcPct val="100000"/>
+              </a:lnSpc>
+              <a:spcBef>
+                <a:spcPct val="0"/>
+              </a:spcBef>
+              <a:spcAft>
+                <a:spcPct val="0"/>
+              </a:spcAft>
+              <a:buClrTx/>
+              <a:buSzTx/>
+            </a:pPr>
+            <a:r>
+              <a:rPr kumimoji="0" sz="2200" i="0" u="none" strike="noStrike" cap="none" normalizeH="0" baseline="0" dirty="0">
+                <a:latin typeface="Times New Roman Regular" panose="02020603050405020304" charset="0"/>
+                <a:cs typeface="Times New Roman Regular" panose="02020603050405020304" charset="0"/>
+              </a:rPr>
+              <a:t>Optimized backend for better performance.</a:t>
+            </a:r>
+            <a:endParaRPr kumimoji="0" sz="2200" i="0" u="none" strike="noStrike" cap="none" normalizeH="0" baseline="0" dirty="0">
+              <a:latin typeface="Times New Roman Regular" panose="02020603050405020304" charset="0"/>
+              <a:cs typeface="Times New Roman Regular" panose="02020603050405020304" charset="0"/>
+            </a:endParaRPr>
+          </a:p>
+        </p:txBody>
+      </p:sp>
+    </p:spTree>
+  </p:cSld>
+  <p:clrMapOvr>
+    <a:masterClrMapping/>
+  </p:clrMapOvr>
+</p:sld>
+</file>
+
+<file path=ppt/slides/slide4.xml><?xml version="1.0" encoding="utf-8"?>
+<p:sld xmlns:a="http://schemas.openxmlformats.org/drawingml/2006/main" xmlns:r="http://schemas.openxmlformats.org/officeDocument/2006/relationships" xmlns:p="http://schemas.openxmlformats.org/presentationml/2006/main">
+  <p:cSld>
+    <p:spTree>
+      <p:nvGrpSpPr>
+        <p:cNvPr id="1" name="Shape 198"/>
+        <p:cNvGrpSpPr/>
+        <p:nvPr/>
+      </p:nvGrpSpPr>
+      <p:grpSpPr>
+        <a:xfrm>
+          <a:off x="0" y="0"/>
+          <a:ext cx="0" cy="0"/>
+          <a:chOff x="0" y="0"/>
+          <a:chExt cx="0" cy="0"/>
+        </a:xfrm>
+      </p:grpSpPr>
+      <p:sp>
+        <p:nvSpPr>
+          <p:cNvPr id="199" name="Google Shape;199;p2"/>
+          <p:cNvSpPr txBox="1">
+            <a:spLocks noGrp="1"/>
+          </p:cNvSpPr>
+          <p:nvPr>
+            <p:ph type="title"/>
+          </p:nvPr>
+        </p:nvSpPr>
+        <p:spPr>
+          <a:xfrm>
+            <a:off x="847725" y="136525"/>
+            <a:ext cx="8865870" cy="1279525"/>
+          </a:xfrm>
+          <a:prstGeom prst="rect">
+            <a:avLst/>
+          </a:prstGeom>
+          <a:noFill/>
+          <a:ln w="9525" cap="flat" cmpd="sng">
+            <a:solidFill>
+              <a:srgbClr val="0C0C0C"/>
+            </a:solidFill>
+            <a:prstDash val="solid"/>
+            <a:round/>
+            <a:headEnd type="none" w="sm" len="sm"/>
+            <a:tailEnd type="none" w="sm" len="sm"/>
+          </a:ln>
+        </p:spPr>
+        <p:txBody>
+          <a:bodyPr spcFirstLastPara="1" wrap="square" lIns="91425" tIns="45700" rIns="91425" bIns="45700" anchor="ctr" anchorCtr="0">
+            <a:normAutofit fontScale="90000"/>
+          </a:bodyPr>
+          <a:lstStyle/>
+          <a:p>
+            <a:pPr>
+              <a:buClr>
+                <a:srgbClr val="C00000"/>
+              </a:buClr>
+              <a:buSzPts val="4000"/>
+            </a:pPr>
+            <a:r>
+              <a:rPr lang="en-US" sz="4445" dirty="0">
+                <a:solidFill>
+                  <a:srgbClr val="C00000"/>
+                </a:solidFill>
+                <a:latin typeface="Times New Roman Regular" panose="02020603050405020304" charset="0"/>
+                <a:cs typeface="Times New Roman Regular" panose="02020603050405020304" charset="0"/>
+                <a:sym typeface="+mn-ea"/>
+              </a:rPr>
+              <a:t>List of required Equipments &amp;Software</a:t>
+            </a:r>
+            <a:endParaRPr lang="en-US" sz="4445" b="1" dirty="0">
+              <a:solidFill>
+                <a:srgbClr val="C00000"/>
+              </a:solidFill>
+              <a:latin typeface="Times New Roman Regular" panose="02020603050405020304" charset="0"/>
+              <a:ea typeface="Times New Roman" panose="02020603050405020304"/>
+              <a:cs typeface="Times New Roman Regular" panose="02020603050405020304" charset="0"/>
+              <a:sym typeface="+mn-ea"/>
+            </a:endParaRPr>
+          </a:p>
+        </p:txBody>
+      </p:sp>
+      <p:sp>
+        <p:nvSpPr>
+          <p:cNvPr id="200" name="Google Shape;200;p2"/>
+          <p:cNvSpPr txBox="1">
+            <a:spLocks noGrp="1"/>
+          </p:cNvSpPr>
+          <p:nvPr>
+            <p:ph type="sldNum" idx="12"/>
+          </p:nvPr>
+        </p:nvSpPr>
+        <p:spPr>
+          <a:xfrm>
+            <a:off x="8610600" y="6356350"/>
+            <a:ext cx="2743200" cy="365125"/>
+          </a:xfrm>
+          <a:prstGeom prst="rect">
+            <a:avLst/>
+          </a:prstGeom>
+          <a:noFill/>
+          <a:ln>
+            <a:noFill/>
+          </a:ln>
+        </p:spPr>
+        <p:txBody>
+          <a:bodyPr spcFirstLastPara="1" wrap="square" lIns="91425" tIns="45700" rIns="91425" bIns="45700" anchor="ctr" anchorCtr="0">
+            <a:noAutofit/>
+          </a:bodyPr>
+          <a:lstStyle/>
+          <a:p>
+            <a:pPr marL="0" lvl="0" indent="0" algn="r" rtl="0">
+              <a:spcBef>
+                <a:spcPts val="0"/>
+              </a:spcBef>
+              <a:spcAft>
+                <a:spcPts val="0"/>
+              </a:spcAft>
+              <a:buNone/>
+            </a:pPr>
+            <a:fld id="{00000000-1234-1234-1234-123412341234}" type="slidenum">
+              <a:rPr lang="en-US">
+                <a:latin typeface="Arial" panose="020B0604020202020204"/>
+                <a:ea typeface="Arial" panose="020B0604020202020204"/>
+                <a:cs typeface="Arial" panose="020B0604020202020204"/>
+                <a:sym typeface="Arial" panose="020B0604020202020204"/>
+              </a:rPr>
+            </a:fld>
+            <a:endParaRPr>
+              <a:latin typeface="Arial" panose="020B0604020202020204"/>
+              <a:ea typeface="Arial" panose="020B0604020202020204"/>
+              <a:cs typeface="Arial" panose="020B0604020202020204"/>
+              <a:sym typeface="Arial" panose="020B0604020202020204"/>
+            </a:endParaRPr>
+          </a:p>
+        </p:txBody>
+      </p:sp>
+      <p:sp>
+        <p:nvSpPr>
+          <p:cNvPr id="3" name="Rectangle 1"/>
+          <p:cNvSpPr>
+            <a:spLocks noGrp="1" noChangeArrowheads="1"/>
+          </p:cNvSpPr>
+          <p:nvPr>
+            <p:ph type="body" idx="1"/>
+          </p:nvPr>
+        </p:nvSpPr>
+        <p:spPr bwMode="auto">
+          <a:xfrm>
+            <a:off x="708556" y="1538843"/>
+            <a:ext cx="11088863" cy="5031105"/>
+          </a:xfrm>
+          <a:prstGeom prst="rect">
+            <a:avLst/>
+          </a:prstGeom>
+          <a:noFill/>
+          <a:ln>
+            <a:noFill/>
+          </a:ln>
+          <a:effectLst/>
+          <a:extLst>
+            <a:ext uri="{909E8E84-426E-40DD-AFC4-6F175D3DCCD1}">
+              <a14:hiddenFill xmlns:a14="http://schemas.microsoft.com/office/drawing/2010/main">
+                <a:solidFill>
+                  <a:schemeClr val="accent1"/>
+                </a:solidFill>
+              </a14:hiddenFill>
+            </a:ext>
+            <a:ext uri="{91240B29-F687-4F45-9708-019B960494DF}">
+              <a14:hiddenLine xmlns:a14="http://schemas.microsoft.com/office/drawing/2010/main" w="9525">
+                <a:solidFill>
+                  <a:schemeClr val="tx1"/>
+                </a:solidFill>
+                <a:miter lim="800000"/>
+                <a:headEnd/>
+                <a:tailEnd/>
+              </a14:hiddenLine>
+            </a:ext>
+            <a:ext uri="{AF507438-7753-43E0-B8FC-AC1667EBCBE1}">
+              <a14:hiddenEffects xmlns:a14="http://schemas.microsoft.com/office/drawing/2010/main">
+                <a:effectLst>
+                  <a:outerShdw dist="35921" dir="2700000" algn="ctr" rotWithShape="0">
+                    <a:schemeClr val="bg2"/>
+                  </a:outerShdw>
+                </a:effectLst>
+              </a14:hiddenEffects>
+            </a:ext>
+          </a:extLst>
+        </p:spPr>
+        <p:txBody>
+          <a:bodyPr vert="horz" wrap="square" lIns="91440" tIns="45720" rIns="91440" bIns="45720" numCol="1" anchor="ctr" anchorCtr="0" compatLnSpc="1">
+            <a:spAutoFit/>
+          </a:bodyPr>
+          <a:lstStyle/>
+          <a:p>
+            <a:pPr marR="0" lvl="0" indent="-457200" algn="l" defTabSz="914400" rtl="0" eaLnBrk="0" fontAlgn="base" latinLnBrk="0" hangingPunct="0">
+              <a:lnSpc>
+                <a:spcPct val="130000"/>
+              </a:lnSpc>
+              <a:spcBef>
+                <a:spcPct val="0"/>
+              </a:spcBef>
+              <a:spcAft>
+                <a:spcPct val="0"/>
+              </a:spcAft>
+              <a:buClrTx/>
+              <a:buSzTx/>
+              <a:buAutoNum type="arabicPeriod"/>
+            </a:pPr>
+            <a:r>
+              <a:rPr kumimoji="0" lang="en-GB" sz="2200" b="1" i="0" u="none" strike="noStrike" cap="none" normalizeH="0" baseline="0" dirty="0">
+                <a:latin typeface="Times New Roman Bold" panose="02020603050405020304" charset="0"/>
+                <a:cs typeface="Times New Roman Bold" panose="02020603050405020304" charset="0"/>
+              </a:rPr>
+              <a:t>Hardware:</a:t>
+            </a:r>
+            <a:endParaRPr kumimoji="0" lang="en-GB" sz="2200" b="1" i="0" u="none" strike="noStrike" cap="none" normalizeH="0" baseline="0" dirty="0">
+              <a:latin typeface="Times New Roman Bold" panose="02020603050405020304" charset="0"/>
+              <a:cs typeface="Times New Roman Bold" panose="02020603050405020304" charset="0"/>
+            </a:endParaRPr>
+          </a:p>
+          <a:p>
+            <a:pPr marL="800100" marR="0" lvl="1" algn="l" defTabSz="914400" rtl="0" eaLnBrk="0" fontAlgn="base" latinLnBrk="0" hangingPunct="0">
+              <a:lnSpc>
+                <a:spcPct val="130000"/>
+              </a:lnSpc>
+              <a:spcBef>
+                <a:spcPct val="0"/>
+              </a:spcBef>
+              <a:spcAft>
+                <a:spcPct val="0"/>
+              </a:spcAft>
+              <a:buClrTx/>
+              <a:buSzTx/>
+            </a:pPr>
+            <a:r>
+              <a:rPr kumimoji="0" lang="en-GB" sz="2200" b="1" i="0" u="none" strike="noStrike" cap="none" normalizeH="0" baseline="0" dirty="0">
+                <a:latin typeface="Times New Roman Bold" panose="02020603050405020304" charset="0"/>
+                <a:cs typeface="Times New Roman Bold" panose="02020603050405020304" charset="0"/>
+              </a:rPr>
+              <a:t>Workstations:</a:t>
+            </a:r>
+            <a:r>
+              <a:rPr kumimoji="0" lang="en-GB" sz="2200" i="0" u="none" strike="noStrike" cap="none" normalizeH="0" baseline="0" dirty="0">
+                <a:latin typeface="Times New Roman Regular" panose="02020603050405020304" charset="0"/>
+                <a:cs typeface="Times New Roman Regular" panose="02020603050405020304" charset="0"/>
+              </a:rPr>
+              <a:t> High-performance PCs.</a:t>
+            </a:r>
+            <a:endParaRPr kumimoji="0" lang="en-GB" sz="2200" i="0" u="none" strike="noStrike" cap="none" normalizeH="0" baseline="0" dirty="0">
+              <a:latin typeface="Times New Roman Regular" panose="02020603050405020304" charset="0"/>
+              <a:cs typeface="Times New Roman Regular" panose="02020603050405020304" charset="0"/>
+            </a:endParaRPr>
+          </a:p>
+          <a:p>
+            <a:pPr marL="800100" marR="0" lvl="1" algn="l" defTabSz="914400" rtl="0" eaLnBrk="0" fontAlgn="base" latinLnBrk="0" hangingPunct="0">
+              <a:lnSpc>
+                <a:spcPct val="130000"/>
+              </a:lnSpc>
+              <a:spcBef>
+                <a:spcPct val="0"/>
+              </a:spcBef>
+              <a:spcAft>
+                <a:spcPct val="0"/>
+              </a:spcAft>
+              <a:buClrTx/>
+              <a:buSzTx/>
+            </a:pPr>
+            <a:r>
+              <a:rPr kumimoji="0" lang="en-GB" sz="2200" b="1" i="0" u="none" strike="noStrike" cap="none" normalizeH="0" baseline="0" dirty="0">
+                <a:latin typeface="Times New Roman Bold" panose="02020603050405020304" charset="0"/>
+                <a:cs typeface="Times New Roman Bold" panose="02020603050405020304" charset="0"/>
+              </a:rPr>
+              <a:t>Servers:</a:t>
+            </a:r>
+            <a:r>
+              <a:rPr kumimoji="0" lang="en-GB" sz="2200" i="0" u="none" strike="noStrike" cap="none" normalizeH="0" baseline="0" dirty="0">
+                <a:latin typeface="Times New Roman Regular" panose="02020603050405020304" charset="0"/>
+                <a:cs typeface="Times New Roman Regular" panose="02020603050405020304" charset="0"/>
+              </a:rPr>
+              <a:t> For website hosting.</a:t>
+            </a:r>
+            <a:endParaRPr kumimoji="0" lang="en-GB" sz="2200" i="0" u="none" strike="noStrike" cap="none" normalizeH="0" baseline="0" dirty="0">
+              <a:latin typeface="Times New Roman Regular" panose="02020603050405020304" charset="0"/>
+              <a:cs typeface="Times New Roman Regular" panose="02020603050405020304" charset="0"/>
+            </a:endParaRPr>
+          </a:p>
+          <a:p>
+            <a:pPr marL="800100" marR="0" lvl="1" algn="l" defTabSz="914400" rtl="0" eaLnBrk="0" fontAlgn="base" latinLnBrk="0" hangingPunct="0">
+              <a:lnSpc>
+                <a:spcPct val="130000"/>
+              </a:lnSpc>
+              <a:spcBef>
+                <a:spcPct val="0"/>
+              </a:spcBef>
+              <a:spcAft>
+                <a:spcPct val="0"/>
+              </a:spcAft>
+              <a:buClrTx/>
+              <a:buSzTx/>
+            </a:pPr>
+            <a:r>
+              <a:rPr kumimoji="0" lang="en-GB" sz="2200" b="1" i="0" u="none" strike="noStrike" cap="none" normalizeH="0" baseline="0" dirty="0">
+                <a:latin typeface="Times New Roman Bold" panose="02020603050405020304" charset="0"/>
+                <a:cs typeface="Times New Roman Bold" panose="02020603050405020304" charset="0"/>
+              </a:rPr>
+              <a:t>Testing Devices:</a:t>
+            </a:r>
+            <a:r>
+              <a:rPr kumimoji="0" lang="en-GB" sz="2200" i="0" u="none" strike="noStrike" cap="none" normalizeH="0" baseline="0" dirty="0">
+                <a:latin typeface="Times New Roman Regular" panose="02020603050405020304" charset="0"/>
+                <a:cs typeface="Times New Roman Regular" panose="02020603050405020304" charset="0"/>
+              </a:rPr>
+              <a:t> PCs, tablets, smartphones.</a:t>
+            </a:r>
+            <a:endParaRPr kumimoji="0" lang="en-GB" sz="2200" i="0" u="none" strike="noStrike" cap="none" normalizeH="0" baseline="0" dirty="0">
+              <a:latin typeface="Times New Roman Regular" panose="02020603050405020304" charset="0"/>
+              <a:cs typeface="Times New Roman Regular" panose="02020603050405020304" charset="0"/>
+            </a:endParaRPr>
+          </a:p>
+          <a:p>
+            <a:pPr marR="0" lvl="0" indent="-457200" algn="l" defTabSz="914400" rtl="0" eaLnBrk="0" fontAlgn="base" latinLnBrk="0" hangingPunct="0">
+              <a:lnSpc>
+                <a:spcPct val="160000"/>
+              </a:lnSpc>
+              <a:spcBef>
+                <a:spcPct val="0"/>
+              </a:spcBef>
+              <a:spcAft>
+                <a:spcPct val="0"/>
+              </a:spcAft>
+              <a:buClrTx/>
+              <a:buSzTx/>
+              <a:buAutoNum type="arabicPeriod"/>
+            </a:pPr>
+            <a:r>
+              <a:rPr kumimoji="0" lang="en-GB" sz="2200" b="1" i="0" u="none" strike="noStrike" cap="none" normalizeH="0" baseline="0" dirty="0">
+                <a:latin typeface="Times New Roman Bold" panose="02020603050405020304" charset="0"/>
+                <a:cs typeface="Times New Roman Bold" panose="02020603050405020304" charset="0"/>
+              </a:rPr>
+              <a:t>Software:</a:t>
+            </a:r>
+            <a:endParaRPr kumimoji="0" lang="en-GB" sz="2200" b="1" i="0" u="none" strike="noStrike" cap="none" normalizeH="0" baseline="0" dirty="0">
+              <a:latin typeface="Times New Roman Bold" panose="02020603050405020304" charset="0"/>
+              <a:cs typeface="Times New Roman Bold" panose="02020603050405020304" charset="0"/>
+            </a:endParaRPr>
+          </a:p>
+          <a:p>
+            <a:pPr marL="800100" marR="0" lvl="1" algn="l" defTabSz="914400" rtl="0" eaLnBrk="0" fontAlgn="base" latinLnBrk="0" hangingPunct="0">
+              <a:lnSpc>
+                <a:spcPct val="130000"/>
+              </a:lnSpc>
+              <a:spcBef>
+                <a:spcPct val="0"/>
+              </a:spcBef>
+              <a:spcAft>
+                <a:spcPct val="0"/>
+              </a:spcAft>
+              <a:buClrTx/>
+              <a:buSzTx/>
+            </a:pPr>
+            <a:r>
+              <a:rPr kumimoji="0" lang="en-GB" sz="2200" b="1" i="0" u="none" strike="noStrike" cap="none" normalizeH="0" baseline="0" dirty="0">
+                <a:latin typeface="Times New Roman Bold" panose="02020603050405020304" charset="0"/>
+                <a:cs typeface="Times New Roman Bold" panose="02020603050405020304" charset="0"/>
+              </a:rPr>
+              <a:t>Development:</a:t>
+            </a:r>
+            <a:r>
+              <a:rPr kumimoji="0" lang="en-GB" sz="2200" i="0" u="none" strike="noStrike" cap="none" normalizeH="0" baseline="0" dirty="0">
+                <a:latin typeface="Times New Roman Regular" panose="02020603050405020304" charset="0"/>
+                <a:cs typeface="Times New Roman Regular" panose="02020603050405020304" charset="0"/>
+              </a:rPr>
+              <a:t> VS Code, Git/GitHub.</a:t>
+            </a:r>
+            <a:endParaRPr kumimoji="0" lang="en-GB" sz="2200" i="0" u="none" strike="noStrike" cap="none" normalizeH="0" baseline="0" dirty="0">
+              <a:latin typeface="Times New Roman Regular" panose="02020603050405020304" charset="0"/>
+              <a:cs typeface="Times New Roman Regular" panose="02020603050405020304" charset="0"/>
+            </a:endParaRPr>
+          </a:p>
+          <a:p>
+            <a:pPr marL="800100" marR="0" lvl="1" algn="l" defTabSz="914400" rtl="0" eaLnBrk="0" fontAlgn="base" latinLnBrk="0" hangingPunct="0">
+              <a:lnSpc>
+                <a:spcPct val="130000"/>
+              </a:lnSpc>
+              <a:spcBef>
+                <a:spcPct val="0"/>
+              </a:spcBef>
+              <a:spcAft>
+                <a:spcPct val="0"/>
+              </a:spcAft>
+              <a:buClrTx/>
+              <a:buSzTx/>
+            </a:pPr>
+            <a:r>
+              <a:rPr kumimoji="0" lang="en-GB" sz="2200" b="1" i="0" u="none" strike="noStrike" cap="none" normalizeH="0" baseline="0" dirty="0">
+                <a:latin typeface="Times New Roman Bold" panose="02020603050405020304" charset="0"/>
+                <a:cs typeface="Times New Roman Bold" panose="02020603050405020304" charset="0"/>
+              </a:rPr>
+              <a:t>Design:</a:t>
+            </a:r>
+            <a:r>
+              <a:rPr kumimoji="0" lang="en-GB" sz="2200" i="0" u="none" strike="noStrike" cap="none" normalizeH="0" baseline="0" dirty="0">
+                <a:latin typeface="Times New Roman Regular" panose="02020603050405020304" charset="0"/>
+                <a:cs typeface="Times New Roman Regular" panose="02020603050405020304" charset="0"/>
+              </a:rPr>
+              <a:t> Adobe XD/Figma, Photoshop.</a:t>
+            </a:r>
+            <a:endParaRPr kumimoji="0" lang="en-GB" sz="2200" i="0" u="none" strike="noStrike" cap="none" normalizeH="0" baseline="0" dirty="0">
+              <a:latin typeface="Times New Roman Regular" panose="02020603050405020304" charset="0"/>
+              <a:cs typeface="Times New Roman Regular" panose="02020603050405020304" charset="0"/>
+            </a:endParaRPr>
+          </a:p>
+          <a:p>
+            <a:pPr marL="800100" marR="0" lvl="1" algn="l" defTabSz="914400" rtl="0" eaLnBrk="0" fontAlgn="base" latinLnBrk="0" hangingPunct="0">
+              <a:lnSpc>
+                <a:spcPct val="130000"/>
+              </a:lnSpc>
+              <a:spcBef>
+                <a:spcPct val="0"/>
+              </a:spcBef>
+              <a:spcAft>
+                <a:spcPct val="0"/>
+              </a:spcAft>
+              <a:buClrTx/>
+              <a:buSzTx/>
+            </a:pPr>
+            <a:r>
+              <a:rPr kumimoji="0" lang="en-GB" sz="2200" b="1" i="0" u="none" strike="noStrike" cap="none" normalizeH="0" baseline="0" dirty="0">
+                <a:latin typeface="Times New Roman Bold" panose="02020603050405020304" charset="0"/>
+                <a:cs typeface="Times New Roman Bold" panose="02020603050405020304" charset="0"/>
+              </a:rPr>
+              <a:t>Frameworks:</a:t>
+            </a:r>
+            <a:r>
+              <a:rPr kumimoji="0" lang="en-GB" sz="2200" i="0" u="none" strike="noStrike" cap="none" normalizeH="0" baseline="0" dirty="0">
+                <a:latin typeface="Times New Roman Regular" panose="02020603050405020304" charset="0"/>
+                <a:cs typeface="Times New Roman Regular" panose="02020603050405020304" charset="0"/>
+              </a:rPr>
+              <a:t> Bootstrap, SwiperJS.</a:t>
+            </a:r>
+            <a:endParaRPr kumimoji="0" lang="en-GB" sz="2200" i="0" u="none" strike="noStrike" cap="none" normalizeH="0" baseline="0" dirty="0">
+              <a:latin typeface="Times New Roman Regular" panose="02020603050405020304" charset="0"/>
+              <a:cs typeface="Times New Roman Regular" panose="02020603050405020304" charset="0"/>
+            </a:endParaRPr>
+          </a:p>
+          <a:p>
+            <a:pPr marL="800100" marR="0" lvl="1" algn="l" defTabSz="914400" rtl="0" eaLnBrk="0" fontAlgn="base" latinLnBrk="0" hangingPunct="0">
+              <a:lnSpc>
+                <a:spcPct val="130000"/>
+              </a:lnSpc>
+              <a:spcBef>
+                <a:spcPct val="0"/>
+              </a:spcBef>
+              <a:spcAft>
+                <a:spcPct val="0"/>
+              </a:spcAft>
+              <a:buClrTx/>
+              <a:buSzTx/>
+            </a:pPr>
+            <a:r>
+              <a:rPr kumimoji="0" lang="en-GB" sz="2200" b="1" i="0" u="none" strike="noStrike" cap="none" normalizeH="0" baseline="0" dirty="0">
+                <a:latin typeface="Times New Roman Bold" panose="02020603050405020304" charset="0"/>
+                <a:cs typeface="Times New Roman Bold" panose="02020603050405020304" charset="0"/>
+              </a:rPr>
+              <a:t>Database:</a:t>
+            </a:r>
+            <a:r>
+              <a:rPr kumimoji="0" lang="en-GB" sz="2200" i="0" u="none" strike="noStrike" cap="none" normalizeH="0" baseline="0" dirty="0">
+                <a:latin typeface="Times New Roman Regular" panose="02020603050405020304" charset="0"/>
+                <a:cs typeface="Times New Roman Regular" panose="02020603050405020304" charset="0"/>
+              </a:rPr>
+              <a:t> MySQL.</a:t>
+            </a:r>
+            <a:endParaRPr kumimoji="0" lang="en-GB" sz="2200" i="0" u="none" strike="noStrike" cap="none" normalizeH="0" baseline="0" dirty="0">
+              <a:latin typeface="Times New Roman Regular" panose="02020603050405020304" charset="0"/>
+              <a:cs typeface="Times New Roman Regular" panose="02020603050405020304" charset="0"/>
+            </a:endParaRPr>
+          </a:p>
+          <a:p>
+            <a:pPr marL="800100" marR="0" lvl="1" algn="l" defTabSz="914400" rtl="0" eaLnBrk="0" fontAlgn="base" latinLnBrk="0" hangingPunct="0">
+              <a:lnSpc>
+                <a:spcPct val="130000"/>
+              </a:lnSpc>
+              <a:spcBef>
+                <a:spcPct val="0"/>
+              </a:spcBef>
+              <a:spcAft>
+                <a:spcPct val="0"/>
+              </a:spcAft>
+              <a:buClrTx/>
+              <a:buSzTx/>
+            </a:pPr>
+            <a:r>
+              <a:rPr kumimoji="0" lang="en-GB" sz="2200" b="1" i="0" u="none" strike="noStrike" cap="none" normalizeH="0" baseline="0" dirty="0">
+                <a:latin typeface="Times New Roman Bold" panose="02020603050405020304" charset="0"/>
+                <a:cs typeface="Times New Roman Bold" panose="02020603050405020304" charset="0"/>
+              </a:rPr>
+              <a:t>APIs:</a:t>
+            </a:r>
+            <a:r>
+              <a:rPr kumimoji="0" lang="en-GB" sz="2200" i="0" u="none" strike="noStrike" cap="none" normalizeH="0" baseline="0" dirty="0">
+                <a:latin typeface="Times New Roman Regular" panose="02020603050405020304" charset="0"/>
+                <a:cs typeface="Times New Roman Regular" panose="02020603050405020304" charset="0"/>
+              </a:rPr>
+              <a:t> Google Maps, Payment Gateway.</a:t>
+            </a:r>
+            <a:endParaRPr kumimoji="0" lang="en-GB" sz="2200" i="0" u="none" strike="noStrike" cap="none" normalizeH="0" baseline="0" dirty="0">
+              <a:latin typeface="Times New Roman Regular" panose="02020603050405020304" charset="0"/>
+              <a:cs typeface="Times New Roman Regular" panose="02020603050405020304" charset="0"/>
+            </a:endParaRPr>
+          </a:p>
+          <a:p>
+            <a:pPr marL="342900" marR="0" lvl="0" algn="l" defTabSz="914400" rtl="0" eaLnBrk="0" fontAlgn="base" latinLnBrk="0" hangingPunct="0">
+              <a:lnSpc>
+                <a:spcPct val="130000"/>
+              </a:lnSpc>
+              <a:spcBef>
+                <a:spcPct val="0"/>
+              </a:spcBef>
+              <a:spcAft>
+                <a:spcPct val="0"/>
+              </a:spcAft>
+              <a:buClrTx/>
+              <a:buSzTx/>
+              <a:buNone/>
+            </a:pPr>
+            <a:endParaRPr kumimoji="0" lang="en-GB" sz="2200" i="0" u="none" strike="noStrike" cap="none" normalizeH="0" baseline="0" dirty="0">
+              <a:latin typeface="Times New Roman Regular" panose="02020603050405020304" charset="0"/>
+              <a:cs typeface="Times New Roman Regular" panose="02020603050405020304" charset="0"/>
+            </a:endParaRPr>
+          </a:p>
+        </p:txBody>
+      </p:sp>
+    </p:spTree>
+  </p:cSld>
+  <p:clrMapOvr>
+    <a:masterClrMapping/>
+  </p:clrMapOvr>
+</p:sld>
+</file>
+
+<file path=ppt/slides/slide5.xml><?xml version="1.0" encoding="utf-8"?>
+<p:sld xmlns:a="http://schemas.openxmlformats.org/drawingml/2006/main" xmlns:r="http://schemas.openxmlformats.org/officeDocument/2006/relationships" xmlns:p="http://schemas.openxmlformats.org/presentationml/2006/main">
+  <p:cSld>
+    <p:spTree>
+      <p:nvGrpSpPr>
+        <p:cNvPr id="1" name="Shape 198"/>
+        <p:cNvGrpSpPr/>
+        <p:nvPr/>
+      </p:nvGrpSpPr>
+      <p:grpSpPr>
+        <a:xfrm>
+          <a:off x="0" y="0"/>
+          <a:ext cx="0" cy="0"/>
+          <a:chOff x="0" y="0"/>
+          <a:chExt cx="0" cy="0"/>
+        </a:xfrm>
+      </p:grpSpPr>
+      <p:sp>
+        <p:nvSpPr>
+          <p:cNvPr id="199" name="Google Shape;199;p2"/>
+          <p:cNvSpPr txBox="1">
+            <a:spLocks noGrp="1"/>
+          </p:cNvSpPr>
+          <p:nvPr>
+            <p:ph type="title"/>
+          </p:nvPr>
+        </p:nvSpPr>
+        <p:spPr>
+          <a:xfrm>
+            <a:off x="847725" y="136525"/>
+            <a:ext cx="8865870" cy="1279525"/>
+          </a:xfrm>
+          <a:prstGeom prst="rect">
+            <a:avLst/>
+          </a:prstGeom>
+          <a:noFill/>
+          <a:ln w="9525" cap="flat" cmpd="sng">
+            <a:solidFill>
+              <a:srgbClr val="0C0C0C"/>
+            </a:solidFill>
+            <a:prstDash val="solid"/>
+            <a:round/>
+            <a:headEnd type="none" w="sm" len="sm"/>
+            <a:tailEnd type="none" w="sm" len="sm"/>
+          </a:ln>
+        </p:spPr>
+        <p:txBody>
+          <a:bodyPr spcFirstLastPara="1" wrap="square" lIns="91425" tIns="45700" rIns="91425" bIns="45700" anchor="ctr" anchorCtr="0">
+            <a:normAutofit fontScale="90000"/>
+          </a:bodyPr>
+          <a:lstStyle/>
+          <a:p>
+            <a:pPr>
+              <a:buClr>
+                <a:srgbClr val="C00000"/>
+              </a:buClr>
+              <a:buSzPts val="4000"/>
+            </a:pPr>
+            <a:r>
+              <a:rPr lang="en-US" sz="4445" dirty="0">
+                <a:solidFill>
+                  <a:srgbClr val="C00000"/>
+                </a:solidFill>
+                <a:latin typeface="Times New Roman Regular" panose="02020603050405020304" charset="0"/>
+                <a:cs typeface="Times New Roman Regular" panose="02020603050405020304" charset="0"/>
+                <a:sym typeface="+mn-ea"/>
+              </a:rPr>
+              <a:t>List of required Equipments &amp;Software</a:t>
+            </a:r>
+            <a:endParaRPr lang="en-US" sz="4445" b="1" dirty="0">
+              <a:solidFill>
+                <a:srgbClr val="C00000"/>
+              </a:solidFill>
+              <a:latin typeface="Times New Roman Regular" panose="02020603050405020304" charset="0"/>
+              <a:ea typeface="Times New Roman" panose="02020603050405020304"/>
+              <a:cs typeface="Times New Roman Regular" panose="02020603050405020304" charset="0"/>
+              <a:sym typeface="+mn-ea"/>
+            </a:endParaRPr>
+          </a:p>
+        </p:txBody>
+      </p:sp>
+      <p:sp>
+        <p:nvSpPr>
+          <p:cNvPr id="200" name="Google Shape;200;p2"/>
+          <p:cNvSpPr txBox="1">
+            <a:spLocks noGrp="1"/>
+          </p:cNvSpPr>
+          <p:nvPr>
+            <p:ph type="sldNum" idx="12"/>
+          </p:nvPr>
+        </p:nvSpPr>
+        <p:spPr>
+          <a:xfrm>
+            <a:off x="8610600" y="6356350"/>
+            <a:ext cx="2743200" cy="365125"/>
+          </a:xfrm>
+          <a:prstGeom prst="rect">
+            <a:avLst/>
+          </a:prstGeom>
+          <a:noFill/>
+          <a:ln>
+            <a:noFill/>
+          </a:ln>
+        </p:spPr>
+        <p:txBody>
+          <a:bodyPr spcFirstLastPara="1" wrap="square" lIns="91425" tIns="45700" rIns="91425" bIns="45700" anchor="ctr" anchorCtr="0">
+            <a:noAutofit/>
+          </a:bodyPr>
+          <a:lstStyle/>
+          <a:p>
+            <a:pPr marL="0" lvl="0" indent="0" algn="r" rtl="0">
+              <a:spcBef>
+                <a:spcPts val="0"/>
+              </a:spcBef>
+              <a:spcAft>
+                <a:spcPts val="0"/>
+              </a:spcAft>
+              <a:buNone/>
+            </a:pPr>
+            <a:fld id="{00000000-1234-1234-1234-123412341234}" type="slidenum">
+              <a:rPr lang="en-US">
+                <a:latin typeface="Arial" panose="020B0604020202020204"/>
+                <a:ea typeface="Arial" panose="020B0604020202020204"/>
+                <a:cs typeface="Arial" panose="020B0604020202020204"/>
+                <a:sym typeface="Arial" panose="020B0604020202020204"/>
+              </a:rPr>
+            </a:fld>
+            <a:endParaRPr>
+              <a:latin typeface="Arial" panose="020B0604020202020204"/>
+              <a:ea typeface="Arial" panose="020B0604020202020204"/>
+              <a:cs typeface="Arial" panose="020B0604020202020204"/>
+              <a:sym typeface="Arial" panose="020B0604020202020204"/>
+            </a:endParaRPr>
+          </a:p>
+        </p:txBody>
+      </p:sp>
+      <p:sp>
+        <p:nvSpPr>
+          <p:cNvPr id="3" name="Rectangle 1"/>
+          <p:cNvSpPr>
+            <a:spLocks noGrp="1" noChangeArrowheads="1"/>
+          </p:cNvSpPr>
+          <p:nvPr>
+            <p:ph type="body" idx="1"/>
+          </p:nvPr>
+        </p:nvSpPr>
+        <p:spPr bwMode="auto">
+          <a:xfrm>
+            <a:off x="718716" y="1649651"/>
+            <a:ext cx="11088863" cy="1410970"/>
+          </a:xfrm>
+          <a:prstGeom prst="rect">
+            <a:avLst/>
+          </a:prstGeom>
+          <a:noFill/>
+          <a:ln>
+            <a:noFill/>
+          </a:ln>
+          <a:effectLst/>
+          <a:extLst>
+            <a:ext uri="{909E8E84-426E-40DD-AFC4-6F175D3DCCD1}">
+              <a14:hiddenFill xmlns:a14="http://schemas.microsoft.com/office/drawing/2010/main">
+                <a:solidFill>
+                  <a:schemeClr val="accent1"/>
+                </a:solidFill>
+              </a14:hiddenFill>
+            </a:ext>
+            <a:ext uri="{91240B29-F687-4F45-9708-019B960494DF}">
+              <a14:hiddenLine xmlns:a14="http://schemas.microsoft.com/office/drawing/2010/main" w="9525">
+                <a:solidFill>
+                  <a:schemeClr val="tx1"/>
+                </a:solidFill>
+                <a:miter lim="800000"/>
+                <a:headEnd/>
+                <a:tailEnd/>
+              </a14:hiddenLine>
+            </a:ext>
+            <a:ext uri="{AF507438-7753-43E0-B8FC-AC1667EBCBE1}">
+              <a14:hiddenEffects xmlns:a14="http://schemas.microsoft.com/office/drawing/2010/main">
+                <a:effectLst>
+                  <a:outerShdw dist="35921" dir="2700000" algn="ctr" rotWithShape="0">
+                    <a:schemeClr val="bg2"/>
+                  </a:outerShdw>
+                </a:effectLst>
+              </a14:hiddenEffects>
+            </a:ext>
+          </a:extLst>
+        </p:spPr>
+        <p:txBody>
+          <a:bodyPr vert="horz" wrap="square" lIns="91440" tIns="45720" rIns="91440" bIns="45720" numCol="1" anchor="ctr" anchorCtr="0" compatLnSpc="1">
+            <a:spAutoFit/>
+          </a:bodyPr>
+          <a:lstStyle/>
+          <a:p>
+            <a:pPr marL="0" marR="0" lvl="0" indent="0" algn="l" defTabSz="914400" rtl="0" eaLnBrk="0" fontAlgn="base" latinLnBrk="0" hangingPunct="0">
+              <a:lnSpc>
+                <a:spcPct val="130000"/>
+              </a:lnSpc>
+              <a:spcBef>
+                <a:spcPct val="0"/>
+              </a:spcBef>
+              <a:spcAft>
+                <a:spcPct val="0"/>
+              </a:spcAft>
+              <a:buClrTx/>
+              <a:buSzTx/>
+              <a:buNone/>
+            </a:pPr>
+            <a:r>
+              <a:rPr kumimoji="0" lang="en-US" altLang="en-GB" sz="2200" b="1" i="0" u="none" strike="noStrike" cap="none" normalizeH="0" baseline="0" dirty="0">
+                <a:latin typeface="Times New Roman Bold" panose="02020603050405020304" charset="0"/>
+                <a:cs typeface="Times New Roman Bold" panose="02020603050405020304" charset="0"/>
+              </a:rPr>
+              <a:t>3.  </a:t>
+            </a:r>
+            <a:r>
+              <a:rPr kumimoji="0" lang="en-GB" sz="2200" b="1" i="0" u="none" strike="noStrike" cap="none" normalizeH="0" baseline="0" dirty="0">
+                <a:latin typeface="Times New Roman Bold" panose="02020603050405020304" charset="0"/>
+                <a:cs typeface="Times New Roman Bold" panose="02020603050405020304" charset="0"/>
+              </a:rPr>
+              <a:t>Testing &amp; Analytics:</a:t>
+            </a:r>
+            <a:endParaRPr kumimoji="0" lang="en-GB" sz="2200" b="1" i="0" u="none" strike="noStrike" cap="none" normalizeH="0" baseline="0" dirty="0">
+              <a:latin typeface="Times New Roman Bold" panose="02020603050405020304" charset="0"/>
+              <a:cs typeface="Times New Roman Bold" panose="02020603050405020304" charset="0"/>
+            </a:endParaRPr>
+          </a:p>
+          <a:p>
+            <a:pPr marL="800100" marR="0" lvl="1" algn="l" defTabSz="914400" rtl="0" eaLnBrk="0" fontAlgn="base" latinLnBrk="0" hangingPunct="0">
+              <a:lnSpc>
+                <a:spcPct val="130000"/>
+              </a:lnSpc>
+              <a:spcBef>
+                <a:spcPct val="0"/>
+              </a:spcBef>
+              <a:spcAft>
+                <a:spcPct val="0"/>
+              </a:spcAft>
+              <a:buClrTx/>
+              <a:buSzTx/>
+            </a:pPr>
+            <a:r>
+              <a:rPr kumimoji="0" lang="en-GB" sz="2200" b="1" i="0" u="none" strike="noStrike" cap="none" normalizeH="0" baseline="0" dirty="0">
+                <a:latin typeface="Times New Roman Bold" panose="02020603050405020304" charset="0"/>
+                <a:cs typeface="Times New Roman Bold" panose="02020603050405020304" charset="0"/>
+              </a:rPr>
+              <a:t>Analytics:</a:t>
+            </a:r>
+            <a:r>
+              <a:rPr kumimoji="0" lang="en-GB" sz="2200" i="0" u="none" strike="noStrike" cap="none" normalizeH="0" baseline="0" dirty="0">
+                <a:latin typeface="Times New Roman Regular" panose="02020603050405020304" charset="0"/>
+                <a:cs typeface="Times New Roman Regular" panose="02020603050405020304" charset="0"/>
+              </a:rPr>
+              <a:t> Google Analytics.</a:t>
+            </a:r>
+            <a:endParaRPr kumimoji="0" lang="en-GB" sz="2200" i="0" u="none" strike="noStrike" cap="none" normalizeH="0" baseline="0" dirty="0">
+              <a:latin typeface="Times New Roman Regular" panose="02020603050405020304" charset="0"/>
+              <a:cs typeface="Times New Roman Regular" panose="02020603050405020304" charset="0"/>
+            </a:endParaRPr>
+          </a:p>
+          <a:p>
+            <a:pPr marL="800100" marR="0" lvl="1" algn="l" defTabSz="914400" rtl="0" eaLnBrk="0" fontAlgn="base" latinLnBrk="0" hangingPunct="0">
+              <a:lnSpc>
+                <a:spcPct val="130000"/>
+              </a:lnSpc>
+              <a:spcBef>
+                <a:spcPct val="0"/>
+              </a:spcBef>
+              <a:spcAft>
+                <a:spcPct val="0"/>
+              </a:spcAft>
+              <a:buClrTx/>
+              <a:buSzTx/>
+            </a:pPr>
+            <a:r>
+              <a:rPr kumimoji="0" lang="en-GB" sz="2200" b="1" i="0" u="none" strike="noStrike" cap="none" normalizeH="0" baseline="0" dirty="0">
+                <a:latin typeface="Times New Roman Bold" panose="02020603050405020304" charset="0"/>
+                <a:cs typeface="Times New Roman Bold" panose="02020603050405020304" charset="0"/>
+              </a:rPr>
+              <a:t>Project Management:</a:t>
+            </a:r>
+            <a:r>
+              <a:rPr kumimoji="0" lang="en-GB" sz="2200" i="0" u="none" strike="noStrike" cap="none" normalizeH="0" baseline="0" dirty="0">
+                <a:latin typeface="Times New Roman Regular" panose="02020603050405020304" charset="0"/>
+                <a:cs typeface="Times New Roman Regular" panose="02020603050405020304" charset="0"/>
+              </a:rPr>
+              <a:t> JIRA/Trello.</a:t>
+            </a:r>
+            <a:endParaRPr kumimoji="0" lang="en-GB" sz="2200" i="0" u="none" strike="noStrike" cap="none" normalizeH="0" baseline="0" dirty="0">
+              <a:latin typeface="Times New Roman Regular" panose="02020603050405020304" charset="0"/>
+              <a:cs typeface="Times New Roman Regular" panose="02020603050405020304" charset="0"/>
+            </a:endParaRPr>
+          </a:p>
+        </p:txBody>
+      </p:sp>
+    </p:spTree>
+  </p:cSld>
+  <p:clrMapOvr>
+    <a:masterClrMapping/>
+  </p:clrMapOvr>
+</p:sld>
+</file>
+
+<file path=ppt/slides/slide6.xml><?xml version="1.0" encoding="utf-8"?>
+<p:sld xmlns:a="http://schemas.openxmlformats.org/drawingml/2006/main" xmlns:r="http://schemas.openxmlformats.org/officeDocument/2006/relationships" xmlns:p="http://schemas.openxmlformats.org/presentationml/2006/main">
+  <p:cSld>
+    <p:spTree>
+      <p:nvGrpSpPr>
+        <p:cNvPr id="1" name="Shape 198"/>
+        <p:cNvGrpSpPr/>
+        <p:nvPr/>
+      </p:nvGrpSpPr>
+      <p:grpSpPr>
+        <a:xfrm>
+          <a:off x="0" y="0"/>
+          <a:ext cx="0" cy="0"/>
+          <a:chOff x="0" y="0"/>
+          <a:chExt cx="0" cy="0"/>
+        </a:xfrm>
+      </p:grpSpPr>
+      <p:sp>
+        <p:nvSpPr>
+          <p:cNvPr id="199" name="Google Shape;199;p2"/>
+          <p:cNvSpPr txBox="1">
+            <a:spLocks noGrp="1"/>
+          </p:cNvSpPr>
+          <p:nvPr>
+            <p:ph type="title"/>
+          </p:nvPr>
+        </p:nvSpPr>
+        <p:spPr>
+          <a:xfrm>
+            <a:off x="847531" y="136525"/>
+            <a:ext cx="8646459" cy="1279527"/>
+          </a:xfrm>
+          <a:prstGeom prst="rect">
+            <a:avLst/>
+          </a:prstGeom>
+          <a:noFill/>
+          <a:ln w="9525" cap="flat" cmpd="sng">
+            <a:solidFill>
+              <a:srgbClr val="0C0C0C"/>
+            </a:solidFill>
+            <a:prstDash val="solid"/>
+            <a:round/>
+            <a:headEnd type="none" w="sm" len="sm"/>
+            <a:tailEnd type="none" w="sm" len="sm"/>
+          </a:ln>
+        </p:spPr>
+        <p:txBody>
+          <a:bodyPr spcFirstLastPara="1" wrap="square" lIns="91425" tIns="45700" rIns="91425" bIns="45700" anchor="ctr" anchorCtr="0">
+            <a:normAutofit/>
+          </a:bodyPr>
+          <a:lstStyle/>
+          <a:p>
+            <a:pPr>
+              <a:buClr>
+                <a:srgbClr val="C00000"/>
+              </a:buClr>
+              <a:buSzPts val="4000"/>
+            </a:pPr>
+            <a:r>
+              <a:rPr lang="en-US" sz="4000" dirty="0">
+                <a:solidFill>
+                  <a:srgbClr val="C00000"/>
+                </a:solidFill>
+                <a:latin typeface="Times New Roman Regular" panose="02020603050405020304" charset="0"/>
+                <a:cs typeface="Times New Roman Regular" panose="02020603050405020304" charset="0"/>
+                <a:sym typeface="+mn-ea"/>
+              </a:rPr>
+              <a:t>Research Methodology</a:t>
+            </a:r>
+            <a:endParaRPr lang="en-US" sz="4000" b="1" dirty="0">
+              <a:solidFill>
+                <a:srgbClr val="C00000"/>
+              </a:solidFill>
+              <a:latin typeface="Times New Roman Regular" panose="02020603050405020304" charset="0"/>
+              <a:ea typeface="Times New Roman" panose="02020603050405020304"/>
+              <a:cs typeface="Times New Roman Regular" panose="02020603050405020304" charset="0"/>
+              <a:sym typeface="+mn-ea"/>
+            </a:endParaRPr>
+          </a:p>
+        </p:txBody>
+      </p:sp>
+      <p:sp>
+        <p:nvSpPr>
+          <p:cNvPr id="200" name="Google Shape;200;p2"/>
+          <p:cNvSpPr txBox="1">
+            <a:spLocks noGrp="1"/>
+          </p:cNvSpPr>
+          <p:nvPr>
+            <p:ph type="sldNum" idx="12"/>
+          </p:nvPr>
+        </p:nvSpPr>
+        <p:spPr>
+          <a:xfrm>
+            <a:off x="8610600" y="6356350"/>
+            <a:ext cx="2743200" cy="365125"/>
+          </a:xfrm>
+          <a:prstGeom prst="rect">
+            <a:avLst/>
+          </a:prstGeom>
+          <a:noFill/>
+          <a:ln>
+            <a:noFill/>
+          </a:ln>
+        </p:spPr>
+        <p:txBody>
+          <a:bodyPr spcFirstLastPara="1" wrap="square" lIns="91425" tIns="45700" rIns="91425" bIns="45700" anchor="ctr" anchorCtr="0">
+            <a:noAutofit/>
+          </a:bodyPr>
+          <a:lstStyle/>
+          <a:p>
+            <a:pPr marL="0" lvl="0" indent="0" algn="r" rtl="0">
+              <a:spcBef>
+                <a:spcPts val="0"/>
+              </a:spcBef>
+              <a:spcAft>
+                <a:spcPts val="0"/>
+              </a:spcAft>
+              <a:buNone/>
+            </a:pPr>
+            <a:fld id="{00000000-1234-1234-1234-123412341234}" type="slidenum">
+              <a:rPr lang="en-US">
+                <a:latin typeface="Arial" panose="020B0604020202020204"/>
+                <a:ea typeface="Arial" panose="020B0604020202020204"/>
+                <a:cs typeface="Arial" panose="020B0604020202020204"/>
+                <a:sym typeface="Arial" panose="020B0604020202020204"/>
+              </a:rPr>
+            </a:fld>
+            <a:endParaRPr>
+              <a:latin typeface="Arial" panose="020B0604020202020204"/>
+              <a:ea typeface="Arial" panose="020B0604020202020204"/>
+              <a:cs typeface="Arial" panose="020B0604020202020204"/>
+              <a:sym typeface="Arial" panose="020B0604020202020204"/>
+            </a:endParaRPr>
+          </a:p>
+        </p:txBody>
+      </p:sp>
+      <p:sp>
+        <p:nvSpPr>
+          <p:cNvPr id="3" name="Rectangle 1"/>
+          <p:cNvSpPr>
+            <a:spLocks noGrp="1" noChangeArrowheads="1"/>
+          </p:cNvSpPr>
+          <p:nvPr>
+            <p:ph type="body" idx="1"/>
+          </p:nvPr>
+        </p:nvSpPr>
+        <p:spPr bwMode="auto">
+          <a:xfrm>
+            <a:off x="852303" y="1725335"/>
+            <a:ext cx="10488529" cy="3408045"/>
+          </a:xfrm>
+          <a:prstGeom prst="rect">
+            <a:avLst/>
+          </a:prstGeom>
+          <a:noFill/>
+          <a:ln>
+            <a:noFill/>
+          </a:ln>
+          <a:effectLst/>
+          <a:extLst>
+            <a:ext uri="{909E8E84-426E-40DD-AFC4-6F175D3DCCD1}">
+              <a14:hiddenFill xmlns:a14="http://schemas.microsoft.com/office/drawing/2010/main">
+                <a:solidFill>
+                  <a:schemeClr val="accent1"/>
+                </a:solidFill>
+              </a14:hiddenFill>
+            </a:ext>
+            <a:ext uri="{91240B29-F687-4F45-9708-019B960494DF}">
+              <a14:hiddenLine xmlns:a14="http://schemas.microsoft.com/office/drawing/2010/main" w="9525">
+                <a:solidFill>
+                  <a:schemeClr val="tx1"/>
+                </a:solidFill>
+                <a:miter lim="800000"/>
+                <a:headEnd/>
+                <a:tailEnd/>
+              </a14:hiddenLine>
+            </a:ext>
+            <a:ext uri="{AF507438-7753-43E0-B8FC-AC1667EBCBE1}">
+              <a14:hiddenEffects xmlns:a14="http://schemas.microsoft.com/office/drawing/2010/main">
+                <a:effectLst>
+                  <a:outerShdw dist="35921" dir="2700000" algn="ctr" rotWithShape="0">
+                    <a:schemeClr val="bg2"/>
+                  </a:outerShdw>
+                </a:effectLst>
+              </a14:hiddenEffects>
+            </a:ext>
+          </a:extLst>
+        </p:spPr>
+        <p:txBody>
+          <a:bodyPr vert="horz" wrap="square" lIns="91440" tIns="45720" rIns="91440" bIns="45720" numCol="1" anchor="ctr" anchorCtr="0" compatLnSpc="1">
+            <a:spAutoFit/>
+          </a:bodyPr>
+          <a:lstStyle/>
+          <a:p>
+            <a:pPr marL="342900" marR="0" lvl="0" algn="l" defTabSz="914400" rtl="0" eaLnBrk="0" fontAlgn="base" latinLnBrk="0" hangingPunct="0">
+              <a:lnSpc>
+                <a:spcPct val="140000"/>
+              </a:lnSpc>
+              <a:spcBef>
+                <a:spcPct val="0"/>
+              </a:spcBef>
+              <a:spcAft>
+                <a:spcPct val="0"/>
+              </a:spcAft>
+              <a:buClrTx/>
+              <a:buSzTx/>
+            </a:pPr>
+            <a:r>
+              <a:rPr lang="en-GB" sz="2200" dirty="0">
+                <a:latin typeface="Times New Roman Regular" panose="02020603050405020304" charset="0"/>
+                <a:cs typeface="Times New Roman Regular" panose="02020603050405020304" charset="0"/>
+              </a:rPr>
+              <a:t>The research methodology is planned to know and understand the different objectives of the study on E-commerce. </a:t>
+            </a:r>
+            <a:endParaRPr lang="en-GB" sz="2200" dirty="0">
+              <a:latin typeface="Times New Roman Regular" panose="02020603050405020304" charset="0"/>
+              <a:cs typeface="Times New Roman Regular" panose="02020603050405020304" charset="0"/>
+            </a:endParaRPr>
+          </a:p>
+          <a:p>
+            <a:pPr marL="342900" marR="0" lvl="0" algn="l" defTabSz="914400" rtl="0" eaLnBrk="0" fontAlgn="base" latinLnBrk="0" hangingPunct="0">
+              <a:lnSpc>
+                <a:spcPct val="140000"/>
+              </a:lnSpc>
+              <a:spcBef>
+                <a:spcPct val="0"/>
+              </a:spcBef>
+              <a:spcAft>
+                <a:spcPct val="0"/>
+              </a:spcAft>
+              <a:buClrTx/>
+              <a:buSzTx/>
+            </a:pPr>
+            <a:r>
+              <a:rPr lang="en-GB" sz="2200" dirty="0">
+                <a:latin typeface="Times New Roman Regular" panose="02020603050405020304" charset="0"/>
+                <a:cs typeface="Times New Roman Regular" panose="02020603050405020304" charset="0"/>
+              </a:rPr>
+              <a:t>In this particular study, Analysis Method is used to systematically collect, evaluate, analyse and summarize the results from a number of</a:t>
+            </a:r>
+            <a:r>
+              <a:rPr lang="en-US" altLang="en-GB" sz="2200" dirty="0">
+                <a:latin typeface="Times New Roman Regular" panose="02020603050405020304" charset="0"/>
+                <a:cs typeface="Times New Roman Regular" panose="02020603050405020304" charset="0"/>
+              </a:rPr>
+              <a:t> </a:t>
+            </a:r>
+            <a:r>
+              <a:rPr lang="en-GB" sz="2200" dirty="0">
+                <a:latin typeface="Times New Roman Regular" panose="02020603050405020304" charset="0"/>
+                <a:cs typeface="Times New Roman Regular" panose="02020603050405020304" charset="0"/>
+              </a:rPr>
+              <a:t>respondents.</a:t>
+            </a:r>
+            <a:endParaRPr lang="en-GB" sz="2200" dirty="0">
+              <a:latin typeface="Times New Roman Regular" panose="02020603050405020304" charset="0"/>
+              <a:cs typeface="Times New Roman Regular" panose="02020603050405020304" charset="0"/>
+            </a:endParaRPr>
+          </a:p>
+          <a:p>
+            <a:pPr marL="342900" marR="0" lvl="0" algn="l" defTabSz="914400" rtl="0" eaLnBrk="0" fontAlgn="base" latinLnBrk="0" hangingPunct="0">
+              <a:lnSpc>
+                <a:spcPct val="140000"/>
+              </a:lnSpc>
+              <a:spcBef>
+                <a:spcPct val="0"/>
+              </a:spcBef>
+              <a:spcAft>
+                <a:spcPct val="0"/>
+              </a:spcAft>
+              <a:buClrTx/>
+              <a:buSzTx/>
+            </a:pPr>
+            <a:r>
+              <a:rPr lang="en-US" altLang="en-GB" sz="2200" dirty="0">
+                <a:latin typeface="Times New Roman Regular" panose="02020603050405020304" charset="0"/>
+                <a:cs typeface="Times New Roman Regular" panose="02020603050405020304" charset="0"/>
+              </a:rPr>
+              <a:t>S</a:t>
+            </a:r>
+            <a:r>
+              <a:rPr lang="en-GB" sz="2200" dirty="0">
+                <a:latin typeface="Times New Roman Regular" panose="02020603050405020304" charset="0"/>
+                <a:cs typeface="Times New Roman Regular" panose="02020603050405020304" charset="0"/>
+              </a:rPr>
+              <a:t>ample size is limited to 50 respondents in which some are business persons, service holders, self employed persons, college students and some are working women belonging to different age groups.</a:t>
+            </a:r>
+            <a:endParaRPr lang="en-GB" sz="2200" dirty="0">
+              <a:latin typeface="Times New Roman Regular" panose="02020603050405020304" charset="0"/>
+              <a:cs typeface="Times New Roman Regular" panose="02020603050405020304" charset="0"/>
+            </a:endParaRPr>
+          </a:p>
+        </p:txBody>
+      </p:sp>
+    </p:spTree>
+  </p:cSld>
+  <p:clrMapOvr>
+    <a:masterClrMapping/>
+  </p:clrMapOvr>
+</p:sld>
+</file>
+
+<file path=ppt/slides/slide7.xml><?xml version="1.0" encoding="utf-8"?>
+<p:sld xmlns:a="http://schemas.openxmlformats.org/drawingml/2006/main" xmlns:r="http://schemas.openxmlformats.org/officeDocument/2006/relationships" xmlns:p="http://schemas.openxmlformats.org/presentationml/2006/main">
+  <p:cSld>
+    <p:spTree>
+      <p:nvGrpSpPr>
+        <p:cNvPr id="1" name="Shape 198"/>
+        <p:cNvGrpSpPr/>
+        <p:nvPr/>
+      </p:nvGrpSpPr>
+      <p:grpSpPr>
+        <a:xfrm>
+          <a:off x="0" y="0"/>
+          <a:ext cx="0" cy="0"/>
+          <a:chOff x="0" y="0"/>
+          <a:chExt cx="0" cy="0"/>
+        </a:xfrm>
+      </p:grpSpPr>
+      <p:sp>
+        <p:nvSpPr>
+          <p:cNvPr id="199" name="Google Shape;199;p2"/>
+          <p:cNvSpPr txBox="1">
+            <a:spLocks noGrp="1"/>
+          </p:cNvSpPr>
+          <p:nvPr>
+            <p:ph type="title"/>
+          </p:nvPr>
+        </p:nvSpPr>
+        <p:spPr>
+          <a:xfrm>
+            <a:off x="847531" y="136525"/>
+            <a:ext cx="8646459" cy="1279527"/>
+          </a:xfrm>
+          <a:prstGeom prst="rect">
+            <a:avLst/>
+          </a:prstGeom>
+          <a:noFill/>
+          <a:ln w="9525" cap="flat" cmpd="sng">
+            <a:solidFill>
+              <a:srgbClr val="0C0C0C"/>
+            </a:solidFill>
+            <a:prstDash val="solid"/>
+            <a:round/>
+            <a:headEnd type="none" w="sm" len="sm"/>
+            <a:tailEnd type="none" w="sm" len="sm"/>
+          </a:ln>
+        </p:spPr>
+        <p:txBody>
+          <a:bodyPr spcFirstLastPara="1" wrap="square" lIns="91425" tIns="45700" rIns="91425" bIns="45700" anchor="ctr" anchorCtr="0">
+            <a:normAutofit/>
+          </a:bodyPr>
+          <a:lstStyle/>
+          <a:p>
+            <a:pPr>
+              <a:buClr>
+                <a:srgbClr val="C00000"/>
+              </a:buClr>
+              <a:buSzPts val="4000"/>
+            </a:pPr>
+            <a:r>
+              <a:rPr lang="en-US" sz="4000" dirty="0">
+                <a:solidFill>
+                  <a:srgbClr val="C00000"/>
+                </a:solidFill>
+                <a:latin typeface="Times New Roman Regular" panose="02020603050405020304" charset="0"/>
+                <a:cs typeface="Times New Roman Regular" panose="02020603050405020304" charset="0"/>
+                <a:sym typeface="+mn-ea"/>
+              </a:rPr>
+              <a:t>Research Methodology</a:t>
+            </a:r>
+            <a:endParaRPr lang="en-US" sz="4000" b="1" dirty="0">
+              <a:solidFill>
+                <a:srgbClr val="C00000"/>
+              </a:solidFill>
+              <a:latin typeface="Times New Roman Regular" panose="02020603050405020304" charset="0"/>
+              <a:ea typeface="Times New Roman" panose="02020603050405020304"/>
+              <a:cs typeface="Times New Roman Regular" panose="02020603050405020304" charset="0"/>
+              <a:sym typeface="+mn-ea"/>
+            </a:endParaRPr>
+          </a:p>
+        </p:txBody>
+      </p:sp>
+      <p:sp>
+        <p:nvSpPr>
+          <p:cNvPr id="200" name="Google Shape;200;p2"/>
+          <p:cNvSpPr txBox="1">
+            <a:spLocks noGrp="1"/>
+          </p:cNvSpPr>
+          <p:nvPr>
+            <p:ph type="sldNum" idx="12"/>
+          </p:nvPr>
+        </p:nvSpPr>
+        <p:spPr>
+          <a:xfrm>
+            <a:off x="8610600" y="6356350"/>
+            <a:ext cx="2743200" cy="365125"/>
+          </a:xfrm>
+          <a:prstGeom prst="rect">
+            <a:avLst/>
+          </a:prstGeom>
+          <a:noFill/>
+          <a:ln>
+            <a:noFill/>
+          </a:ln>
+        </p:spPr>
+        <p:txBody>
+          <a:bodyPr spcFirstLastPara="1" wrap="square" lIns="91425" tIns="45700" rIns="91425" bIns="45700" anchor="ctr" anchorCtr="0">
+            <a:noAutofit/>
+          </a:bodyPr>
+          <a:lstStyle/>
+          <a:p>
+            <a:pPr marL="0" lvl="0" indent="0" algn="r" rtl="0">
+              <a:spcBef>
+                <a:spcPts val="0"/>
+              </a:spcBef>
+              <a:spcAft>
+                <a:spcPts val="0"/>
+              </a:spcAft>
+              <a:buNone/>
+            </a:pPr>
+            <a:fld id="{00000000-1234-1234-1234-123412341234}" type="slidenum">
+              <a:rPr lang="en-US">
+                <a:latin typeface="Arial" panose="020B0604020202020204"/>
+                <a:ea typeface="Arial" panose="020B0604020202020204"/>
+                <a:cs typeface="Arial" panose="020B0604020202020204"/>
+                <a:sym typeface="Arial" panose="020B0604020202020204"/>
+              </a:rPr>
+            </a:fld>
+            <a:endParaRPr>
+              <a:latin typeface="Arial" panose="020B0604020202020204"/>
+              <a:ea typeface="Arial" panose="020B0604020202020204"/>
+              <a:cs typeface="Arial" panose="020B0604020202020204"/>
+              <a:sym typeface="Arial" panose="020B0604020202020204"/>
+            </a:endParaRPr>
+          </a:p>
+        </p:txBody>
+      </p:sp>
+      <p:sp>
+        <p:nvSpPr>
+          <p:cNvPr id="3" name="Rectangle 1"/>
+          <p:cNvSpPr>
+            <a:spLocks noGrp="1" noChangeArrowheads="1"/>
+          </p:cNvSpPr>
+          <p:nvPr>
+            <p:ph type="body" idx="1"/>
+          </p:nvPr>
+        </p:nvSpPr>
+        <p:spPr bwMode="auto">
+          <a:xfrm>
+            <a:off x="852303" y="1883768"/>
+            <a:ext cx="10488529" cy="1986280"/>
+          </a:xfrm>
+          <a:prstGeom prst="rect">
+            <a:avLst/>
+          </a:prstGeom>
+          <a:noFill/>
+          <a:ln>
+            <a:noFill/>
+          </a:ln>
+          <a:effectLst/>
+          <a:extLst>
+            <a:ext uri="{909E8E84-426E-40DD-AFC4-6F175D3DCCD1}">
+              <a14:hiddenFill xmlns:a14="http://schemas.microsoft.com/office/drawing/2010/main">
+                <a:solidFill>
+                  <a:schemeClr val="accent1"/>
+                </a:solidFill>
+              </a14:hiddenFill>
+            </a:ext>
+            <a:ext uri="{91240B29-F687-4F45-9708-019B960494DF}">
+              <a14:hiddenLine xmlns:a14="http://schemas.microsoft.com/office/drawing/2010/main" w="9525">
+                <a:solidFill>
+                  <a:schemeClr val="tx1"/>
+                </a:solidFill>
+                <a:miter lim="800000"/>
+                <a:headEnd/>
+                <a:tailEnd/>
+              </a14:hiddenLine>
+            </a:ext>
+            <a:ext uri="{AF507438-7753-43E0-B8FC-AC1667EBCBE1}">
+              <a14:hiddenEffects xmlns:a14="http://schemas.microsoft.com/office/drawing/2010/main">
+                <a:effectLst>
+                  <a:outerShdw dist="35921" dir="2700000" algn="ctr" rotWithShape="0">
+                    <a:schemeClr val="bg2"/>
+                  </a:outerShdw>
+                </a:effectLst>
+              </a14:hiddenEffects>
+            </a:ext>
+          </a:extLst>
+        </p:spPr>
+        <p:txBody>
+          <a:bodyPr vert="horz" wrap="square" lIns="91440" tIns="45720" rIns="91440" bIns="45720" numCol="1" anchor="ctr" anchorCtr="0" compatLnSpc="1">
+            <a:spAutoFit/>
+          </a:bodyPr>
+          <a:lstStyle/>
+          <a:p>
+            <a:pPr marL="342900" marR="0" lvl="0" algn="l" defTabSz="914400" rtl="0" eaLnBrk="0" fontAlgn="base" latinLnBrk="0" hangingPunct="0">
+              <a:lnSpc>
+                <a:spcPct val="140000"/>
+              </a:lnSpc>
+              <a:spcBef>
+                <a:spcPct val="0"/>
+              </a:spcBef>
+              <a:spcAft>
+                <a:spcPct val="0"/>
+              </a:spcAft>
+              <a:buClrTx/>
+              <a:buSzTx/>
+            </a:pPr>
+            <a:r>
+              <a:rPr lang="en-GB" sz="2200" dirty="0">
+                <a:latin typeface="Times New Roman Regular" panose="02020603050405020304" charset="0"/>
+                <a:cs typeface="Times New Roman Regular" panose="02020603050405020304" charset="0"/>
+              </a:rPr>
+              <a:t>The tools and techniques used for analyzing data are statistical tools.</a:t>
+            </a:r>
+            <a:endParaRPr lang="en-GB" sz="2200" dirty="0">
+              <a:latin typeface="Times New Roman Regular" panose="02020603050405020304" charset="0"/>
+              <a:cs typeface="Times New Roman Regular" panose="02020603050405020304" charset="0"/>
+            </a:endParaRPr>
+          </a:p>
+          <a:p>
+            <a:pPr marL="342900" marR="0" lvl="0" algn="l" defTabSz="914400" rtl="0" eaLnBrk="0" fontAlgn="base" latinLnBrk="0" hangingPunct="0">
+              <a:lnSpc>
+                <a:spcPct val="140000"/>
+              </a:lnSpc>
+              <a:spcBef>
+                <a:spcPct val="0"/>
+              </a:spcBef>
+              <a:spcAft>
+                <a:spcPct val="0"/>
+              </a:spcAft>
+              <a:buClrTx/>
+              <a:buSzTx/>
+            </a:pPr>
+            <a:r>
+              <a:rPr lang="en-US" altLang="en-GB" sz="2200" dirty="0">
+                <a:latin typeface="Times New Roman Regular" panose="02020603050405020304" charset="0"/>
+                <a:cs typeface="Times New Roman Regular" panose="02020603050405020304" charset="0"/>
+              </a:rPr>
+              <a:t>These </a:t>
+            </a:r>
+            <a:r>
+              <a:rPr lang="en-GB" sz="2200" dirty="0">
+                <a:latin typeface="Times New Roman Regular" panose="02020603050405020304" charset="0"/>
+                <a:cs typeface="Times New Roman Regular" panose="02020603050405020304" charset="0"/>
+              </a:rPr>
+              <a:t>tools are applied to describe the data scope, modularize the data structure, condense the data representation, illustrate via charts, tables and graphs, and evaluate statistical inclinations, probability data, to derive meaningful conclusions.</a:t>
+            </a:r>
+            <a:endParaRPr lang="en-GB" sz="2200" dirty="0">
+              <a:latin typeface="Times New Roman Regular" panose="02020603050405020304" charset="0"/>
+              <a:cs typeface="Times New Roman Regular" panose="02020603050405020304" charset="0"/>
+            </a:endParaRPr>
+          </a:p>
+        </p:txBody>
+      </p:sp>
+    </p:spTree>
+  </p:cSld>
+  <p:clrMapOvr>
+    <a:masterClrMapping/>
+  </p:clrMapOvr>
+</p:sld>
+</file>
+
+<file path=ppt/slides/slide8.xml><?xml version="1.0" encoding="utf-8"?>
+<p:sld xmlns:a="http://schemas.openxmlformats.org/drawingml/2006/main" xmlns:r="http://schemas.openxmlformats.org/officeDocument/2006/relationships" xmlns:p="http://schemas.openxmlformats.org/presentationml/2006/main">
+  <p:cSld>
+    <p:spTree>
+      <p:nvGrpSpPr>
+        <p:cNvPr id="1" name="Shape 198"/>
+        <p:cNvGrpSpPr/>
+        <p:nvPr/>
+      </p:nvGrpSpPr>
+      <p:grpSpPr>
+        <a:xfrm>
+          <a:off x="0" y="0"/>
+          <a:ext cx="0" cy="0"/>
+          <a:chOff x="0" y="0"/>
+          <a:chExt cx="0" cy="0"/>
+        </a:xfrm>
+      </p:grpSpPr>
+      <p:sp>
+        <p:nvSpPr>
+          <p:cNvPr id="199" name="Google Shape;199;p2"/>
+          <p:cNvSpPr txBox="1">
+            <a:spLocks noGrp="1"/>
+          </p:cNvSpPr>
+          <p:nvPr>
+            <p:ph type="title"/>
+          </p:nvPr>
+        </p:nvSpPr>
+        <p:spPr>
+          <a:xfrm>
+            <a:off x="847531" y="136525"/>
+            <a:ext cx="8646459" cy="1279527"/>
+          </a:xfrm>
+          <a:prstGeom prst="rect">
+            <a:avLst/>
+          </a:prstGeom>
+          <a:noFill/>
+          <a:ln w="9525" cap="flat" cmpd="sng">
+            <a:solidFill>
+              <a:srgbClr val="0C0C0C"/>
+            </a:solidFill>
+            <a:prstDash val="solid"/>
+            <a:round/>
+            <a:headEnd type="none" w="sm" len="sm"/>
+            <a:tailEnd type="none" w="sm" len="sm"/>
+          </a:ln>
+        </p:spPr>
+        <p:txBody>
+          <a:bodyPr spcFirstLastPara="1" wrap="square" lIns="91425" tIns="45700" rIns="91425" bIns="45700" anchor="ctr" anchorCtr="0">
+            <a:normAutofit/>
+          </a:bodyPr>
+          <a:lstStyle/>
+          <a:p>
+            <a:pPr>
+              <a:buClr>
+                <a:srgbClr val="C00000"/>
+              </a:buClr>
+              <a:buSzPts val="4000"/>
+            </a:pPr>
+            <a:r>
+              <a:rPr lang="en-GB" sz="4000" b="1" dirty="0">
+                <a:solidFill>
+                  <a:srgbClr val="C00000"/>
+                </a:solidFill>
+                <a:latin typeface="Times New Roman" panose="02020603050405020304"/>
+                <a:ea typeface="Times New Roman" panose="02020603050405020304"/>
+                <a:cs typeface="Times New Roman" panose="02020603050405020304"/>
+                <a:sym typeface="Times New Roman" panose="02020603050405020304"/>
+              </a:rPr>
+              <a:t>Objective of project</a:t>
+            </a:r>
+            <a:endParaRPr sz="4000" b="1" dirty="0">
+              <a:solidFill>
+                <a:srgbClr val="C00000"/>
+              </a:solidFill>
+              <a:latin typeface="Times New Roman" panose="02020603050405020304"/>
+              <a:ea typeface="Times New Roman" panose="02020603050405020304"/>
+              <a:cs typeface="Times New Roman" panose="02020603050405020304"/>
+              <a:sym typeface="Times New Roman" panose="02020603050405020304"/>
+            </a:endParaRPr>
+          </a:p>
+        </p:txBody>
+      </p:sp>
+      <p:sp>
+        <p:nvSpPr>
+          <p:cNvPr id="200" name="Google Shape;200;p2"/>
+          <p:cNvSpPr txBox="1">
+            <a:spLocks noGrp="1"/>
+          </p:cNvSpPr>
+          <p:nvPr>
+            <p:ph type="sldNum" idx="12"/>
+          </p:nvPr>
+        </p:nvSpPr>
+        <p:spPr>
+          <a:xfrm>
+            <a:off x="8610600" y="6356350"/>
+            <a:ext cx="2743200" cy="365125"/>
+          </a:xfrm>
+          <a:prstGeom prst="rect">
+            <a:avLst/>
+          </a:prstGeom>
+          <a:noFill/>
+          <a:ln>
+            <a:noFill/>
+          </a:ln>
+        </p:spPr>
+        <p:txBody>
+          <a:bodyPr spcFirstLastPara="1" wrap="square" lIns="91425" tIns="45700" rIns="91425" bIns="45700" anchor="ctr" anchorCtr="0">
+            <a:noAutofit/>
+          </a:bodyPr>
+          <a:lstStyle/>
+          <a:p>
+            <a:pPr marL="0" lvl="0" indent="0" algn="r" rtl="0">
+              <a:spcBef>
+                <a:spcPts val="0"/>
+              </a:spcBef>
+              <a:spcAft>
+                <a:spcPts val="0"/>
+              </a:spcAft>
+              <a:buNone/>
+            </a:pPr>
+            <a:fld id="{00000000-1234-1234-1234-123412341234}" type="slidenum">
+              <a:rPr lang="en-US">
+                <a:latin typeface="Arial" panose="020B0604020202020204"/>
+                <a:ea typeface="Arial" panose="020B0604020202020204"/>
+                <a:cs typeface="Arial" panose="020B0604020202020204"/>
+                <a:sym typeface="Arial" panose="020B0604020202020204"/>
+              </a:rPr>
+            </a:fld>
+            <a:endParaRPr>
+              <a:latin typeface="Arial" panose="020B0604020202020204"/>
+              <a:ea typeface="Arial" panose="020B0604020202020204"/>
+              <a:cs typeface="Arial" panose="020B0604020202020204"/>
+              <a:sym typeface="Arial" panose="020B0604020202020204"/>
+            </a:endParaRPr>
+          </a:p>
+        </p:txBody>
+      </p:sp>
+      <p:sp>
+        <p:nvSpPr>
+          <p:cNvPr id="3" name="Rectangle 1"/>
+          <p:cNvSpPr>
+            <a:spLocks noGrp="1" noChangeArrowheads="1"/>
+          </p:cNvSpPr>
+          <p:nvPr>
+            <p:ph type="body" idx="1"/>
+          </p:nvPr>
+        </p:nvSpPr>
+        <p:spPr bwMode="auto">
+          <a:xfrm>
+            <a:off x="847725" y="1467803"/>
+            <a:ext cx="8895715" cy="1529715"/>
+          </a:xfrm>
+          <a:prstGeom prst="rect">
+            <a:avLst/>
+          </a:prstGeom>
+          <a:noFill/>
+          <a:ln>
+            <a:noFill/>
+          </a:ln>
+          <a:effectLst/>
+          <a:extLst>
+            <a:ext uri="{909E8E84-426E-40DD-AFC4-6F175D3DCCD1}">
+              <a14:hiddenFill xmlns:a14="http://schemas.microsoft.com/office/drawing/2010/main">
+                <a:solidFill>
+                  <a:schemeClr val="accent1"/>
+                </a:solidFill>
+              </a14:hiddenFill>
+            </a:ext>
+            <a:ext uri="{91240B29-F687-4F45-9708-019B960494DF}">
+              <a14:hiddenLine xmlns:a14="http://schemas.microsoft.com/office/drawing/2010/main" w="9525">
+                <a:solidFill>
+                  <a:schemeClr val="tx1"/>
+                </a:solidFill>
+                <a:miter lim="800000"/>
+                <a:headEnd/>
+                <a:tailEnd/>
+              </a14:hiddenLine>
+            </a:ext>
+            <a:ext uri="{AF507438-7753-43E0-B8FC-AC1667EBCBE1}">
+              <a14:hiddenEffects xmlns:a14="http://schemas.microsoft.com/office/drawing/2010/main">
+                <a:effectLst>
+                  <a:outerShdw dist="35921" dir="2700000" algn="ctr" rotWithShape="0">
+                    <a:schemeClr val="bg2"/>
+                  </a:outerShdw>
+                </a:effectLst>
+              </a14:hiddenEffects>
+            </a:ext>
+          </a:extLst>
+        </p:spPr>
+        <p:txBody>
+          <a:bodyPr vert="horz" wrap="square" lIns="91440" tIns="45720" rIns="91440" bIns="45720" numCol="1" anchor="ctr" anchorCtr="0" compatLnSpc="1">
+            <a:spAutoFit/>
+          </a:bodyPr>
+          <a:lstStyle/>
+          <a:p>
+            <a:pPr marL="342900" marR="0" lvl="0" algn="l" defTabSz="914400" rtl="0" eaLnBrk="0" fontAlgn="base" latinLnBrk="0" hangingPunct="0">
+              <a:lnSpc>
+                <a:spcPct val="130000"/>
+              </a:lnSpc>
+              <a:spcBef>
+                <a:spcPct val="0"/>
+              </a:spcBef>
+              <a:spcAft>
+                <a:spcPct val="0"/>
+              </a:spcAft>
+              <a:buClrTx/>
+              <a:buSzTx/>
+            </a:pPr>
+            <a:r>
+              <a:rPr lang="en-GB" dirty="0">
+                <a:latin typeface="Times New Roman Regular" panose="02020603050405020304" charset="0"/>
+                <a:cs typeface="Times New Roman Regular" panose="02020603050405020304" charset="0"/>
+              </a:rPr>
+              <a:t>To understand the different models of E-commerce.</a:t>
+            </a:r>
+            <a:endParaRPr lang="en-GB" dirty="0">
+              <a:latin typeface="Times New Roman Regular" panose="02020603050405020304" charset="0"/>
+              <a:cs typeface="Times New Roman Regular" panose="02020603050405020304" charset="0"/>
+            </a:endParaRPr>
+          </a:p>
+          <a:p>
+            <a:pPr marL="342900" marR="0" lvl="0" algn="l" defTabSz="914400" rtl="0" eaLnBrk="0" fontAlgn="base" latinLnBrk="0" hangingPunct="0">
+              <a:lnSpc>
+                <a:spcPct val="130000"/>
+              </a:lnSpc>
+              <a:spcBef>
+                <a:spcPct val="0"/>
+              </a:spcBef>
+              <a:spcAft>
+                <a:spcPct val="0"/>
+              </a:spcAft>
+              <a:buClrTx/>
+              <a:buSzTx/>
+            </a:pPr>
+            <a:r>
+              <a:rPr lang="en-GB" dirty="0">
+                <a:latin typeface="Times New Roman Regular" panose="02020603050405020304" charset="0"/>
+                <a:cs typeface="Times New Roman Regular" panose="02020603050405020304" charset="0"/>
+              </a:rPr>
+              <a:t>To find out the awareness and usage of E-commerce among customers of different age</a:t>
+            </a:r>
+            <a:r>
+              <a:rPr lang="en-US" altLang="en-GB" dirty="0">
+                <a:latin typeface="Times New Roman Regular" panose="02020603050405020304" charset="0"/>
+                <a:cs typeface="Times New Roman Regular" panose="02020603050405020304" charset="0"/>
+              </a:rPr>
+              <a:t> </a:t>
+            </a:r>
+            <a:r>
+              <a:rPr lang="en-GB" dirty="0">
+                <a:latin typeface="Times New Roman Regular" panose="02020603050405020304" charset="0"/>
+                <a:cs typeface="Times New Roman Regular" panose="02020603050405020304" charset="0"/>
+              </a:rPr>
+              <a:t>group.</a:t>
+            </a:r>
+            <a:endParaRPr lang="en-GB" dirty="0">
+              <a:latin typeface="Times New Roman Regular" panose="02020603050405020304" charset="0"/>
+              <a:cs typeface="Times New Roman Regular" panose="02020603050405020304" charset="0"/>
+            </a:endParaRPr>
+          </a:p>
+        </p:txBody>
+      </p:sp>
+    </p:spTree>
+  </p:cSld>
+  <p:clrMapOvr>
+    <a:masterClrMapping/>
+  </p:clrMapOvr>
+</p:sld>
+</file>
+
+<file path=ppt/slides/slide9.xml><?xml version="1.0" encoding="utf-8"?>
 <p:sld xmlns:a="http://schemas.openxmlformats.org/drawingml/2006/main" xmlns:r="http://schemas.openxmlformats.org/officeDocument/2006/relationships" xmlns:p="http://schemas.openxmlformats.org/presentationml/2006/main">
   <p:cSld>
     <p:spTree>
@@ -27452,2949 +29870,6 @@
               <a:ea typeface="Calibri" panose="020F0502020204030204"/>
               <a:cs typeface="Calibri" panose="020F0502020204030204"/>
               <a:sym typeface="Calibri" panose="020F0502020204030204"/>
-            </a:endParaRPr>
-          </a:p>
-        </p:txBody>
-      </p:sp>
-    </p:spTree>
-  </p:cSld>
-  <p:clrMapOvr>
-    <a:masterClrMapping/>
-  </p:clrMapOvr>
-</p:sld>
-</file>
-
-<file path=ppt/slides/slide2.xml><?xml version="1.0" encoding="utf-8"?>
-<p:sld xmlns:a="http://schemas.openxmlformats.org/drawingml/2006/main" xmlns:r="http://schemas.openxmlformats.org/officeDocument/2006/relationships" xmlns:p="http://schemas.openxmlformats.org/presentationml/2006/main">
-  <p:cSld>
-    <p:spTree>
-      <p:nvGrpSpPr>
-        <p:cNvPr id="1" name=""/>
-        <p:cNvGrpSpPr/>
-        <p:nvPr/>
-      </p:nvGrpSpPr>
-      <p:grpSpPr>
-        <a:xfrm>
-          <a:off x="0" y="0"/>
-          <a:ext cx="0" cy="0"/>
-          <a:chOff x="0" y="0"/>
-          <a:chExt cx="0" cy="0"/>
-        </a:xfrm>
-      </p:grpSpPr>
-      <p:sp>
-        <p:nvSpPr>
-          <p:cNvPr id="2" name="Title 1"/>
-          <p:cNvSpPr>
-            <a:spLocks noGrp="1"/>
-          </p:cNvSpPr>
-          <p:nvPr>
-            <p:ph type="title"/>
-          </p:nvPr>
-        </p:nvSpPr>
-        <p:spPr/>
-        <p:txBody>
-          <a:bodyPr/>
-          <a:lstStyle/>
-          <a:p>
-            <a:r>
-              <a:rPr lang="en-GB" dirty="0">
-                <a:solidFill>
-                  <a:srgbClr val="C00000"/>
-                </a:solidFill>
-                <a:latin typeface="Times New Roman Bold" panose="02020603050405020304" charset="0"/>
-                <a:cs typeface="Times New Roman Bold" panose="02020603050405020304" charset="0"/>
-              </a:rPr>
-              <a:t>A</a:t>
-            </a:r>
-            <a:r>
-              <a:rPr lang="en-US" altLang="en-GB" dirty="0">
-                <a:solidFill>
-                  <a:srgbClr val="C00000"/>
-                </a:solidFill>
-                <a:latin typeface="Times New Roman Bold" panose="02020603050405020304" charset="0"/>
-                <a:cs typeface="Times New Roman Bold" panose="02020603050405020304" charset="0"/>
-              </a:rPr>
-              <a:t>jenda</a:t>
-            </a:r>
-            <a:endParaRPr lang="en-GB" dirty="0">
-              <a:solidFill>
-                <a:srgbClr val="C00000"/>
-              </a:solidFill>
-              <a:latin typeface="Times New Roman Bold" panose="02020603050405020304" charset="0"/>
-              <a:cs typeface="Times New Roman Bold" panose="02020603050405020304" charset="0"/>
-            </a:endParaRPr>
-          </a:p>
-        </p:txBody>
-      </p:sp>
-      <p:sp>
-        <p:nvSpPr>
-          <p:cNvPr id="3" name="Text Placeholder 2"/>
-          <p:cNvSpPr>
-            <a:spLocks noGrp="1"/>
-          </p:cNvSpPr>
-          <p:nvPr>
-            <p:ph type="body" idx="1"/>
-          </p:nvPr>
-        </p:nvSpPr>
-        <p:spPr/>
-        <p:txBody>
-          <a:bodyPr/>
-          <a:lstStyle/>
-          <a:p>
-            <a:r>
-              <a:rPr lang="en-US" dirty="0">
-                <a:latin typeface="Times New Roman Regular" panose="02020603050405020304" charset="0"/>
-                <a:cs typeface="Times New Roman Regular" panose="02020603050405020304" charset="0"/>
-              </a:rPr>
-              <a:t>Block Diagram</a:t>
-            </a:r>
-            <a:endParaRPr lang="en-US" dirty="0">
-              <a:latin typeface="Times New Roman Regular" panose="02020603050405020304" charset="0"/>
-              <a:cs typeface="Times New Roman Regular" panose="02020603050405020304" charset="0"/>
-            </a:endParaRPr>
-          </a:p>
-          <a:p>
-            <a:r>
-              <a:rPr lang="en-US" dirty="0">
-                <a:latin typeface="Times New Roman Regular" panose="02020603050405020304" charset="0"/>
-                <a:cs typeface="Times New Roman Regular" panose="02020603050405020304" charset="0"/>
-              </a:rPr>
-              <a:t>Experimental setup and Design</a:t>
-            </a:r>
-            <a:endParaRPr lang="en-US" dirty="0">
-              <a:latin typeface="Times New Roman Regular" panose="02020603050405020304" charset="0"/>
-              <a:cs typeface="Times New Roman Regular" panose="02020603050405020304" charset="0"/>
-            </a:endParaRPr>
-          </a:p>
-          <a:p>
-            <a:r>
-              <a:rPr lang="en-US" dirty="0">
-                <a:latin typeface="Times New Roman Regular" panose="02020603050405020304" charset="0"/>
-                <a:cs typeface="Times New Roman Regular" panose="02020603050405020304" charset="0"/>
-              </a:rPr>
-              <a:t>List of required Equipments &amp; Software</a:t>
-            </a:r>
-            <a:endParaRPr lang="en-US" dirty="0">
-              <a:latin typeface="Times New Roman Regular" panose="02020603050405020304" charset="0"/>
-              <a:cs typeface="Times New Roman Regular" panose="02020603050405020304" charset="0"/>
-            </a:endParaRPr>
-          </a:p>
-          <a:p>
-            <a:r>
-              <a:rPr lang="en-US" dirty="0">
-                <a:latin typeface="Times New Roman Regular" panose="02020603050405020304" charset="0"/>
-                <a:cs typeface="Times New Roman Regular" panose="02020603050405020304" charset="0"/>
-              </a:rPr>
-              <a:t>Research Methodology                                                                                                                                          </a:t>
-            </a:r>
-            <a:endParaRPr lang="en-US" dirty="0">
-              <a:latin typeface="Times New Roman Regular" panose="02020603050405020304" charset="0"/>
-              <a:cs typeface="Times New Roman Regular" panose="02020603050405020304" charset="0"/>
-            </a:endParaRPr>
-          </a:p>
-          <a:p>
-            <a:r>
-              <a:rPr lang="en-US" dirty="0">
-                <a:latin typeface="Times New Roman Regular" panose="02020603050405020304" charset="0"/>
-                <a:cs typeface="Times New Roman Regular" panose="02020603050405020304" charset="0"/>
-              </a:rPr>
-              <a:t>Resource Identification                                                                                                                                        </a:t>
-            </a:r>
-            <a:endParaRPr lang="en-US" dirty="0">
-              <a:latin typeface="Times New Roman Regular" panose="02020603050405020304" charset="0"/>
-              <a:cs typeface="Times New Roman Regular" panose="02020603050405020304" charset="0"/>
-            </a:endParaRPr>
-          </a:p>
-          <a:p>
-            <a:r>
-              <a:rPr lang="en-US" dirty="0">
-                <a:latin typeface="Times New Roman Regular" panose="02020603050405020304" charset="0"/>
-                <a:cs typeface="Times New Roman Regular" panose="02020603050405020304" charset="0"/>
-              </a:rPr>
-              <a:t>Feasibility Analysis                                                                                                                                                   </a:t>
-            </a:r>
-            <a:endParaRPr lang="en-US" dirty="0">
-              <a:latin typeface="Times New Roman Regular" panose="02020603050405020304" charset="0"/>
-              <a:cs typeface="Times New Roman Regular" panose="02020603050405020304" charset="0"/>
-            </a:endParaRPr>
-          </a:p>
-          <a:p>
-            <a:r>
-              <a:rPr lang="en-US" dirty="0">
-                <a:latin typeface="Times New Roman Regular" panose="02020603050405020304" charset="0"/>
-                <a:cs typeface="Times New Roman Regular" panose="02020603050405020304" charset="0"/>
-              </a:rPr>
-              <a:t>Innovative elements in approach</a:t>
-            </a:r>
-            <a:endParaRPr lang="en-US" dirty="0">
-              <a:latin typeface="Times New Roman Regular" panose="02020603050405020304" charset="0"/>
-              <a:cs typeface="Times New Roman Regular" panose="02020603050405020304" charset="0"/>
-            </a:endParaRPr>
-          </a:p>
-        </p:txBody>
-      </p:sp>
-    </p:spTree>
-  </p:cSld>
-  <p:clrMapOvr>
-    <a:masterClrMapping/>
-  </p:clrMapOvr>
-</p:sld>
-</file>
-
-<file path=ppt/slides/slide3.xml><?xml version="1.0" encoding="utf-8"?>
-<p:sld xmlns:a="http://schemas.openxmlformats.org/drawingml/2006/main" xmlns:r="http://schemas.openxmlformats.org/officeDocument/2006/relationships" xmlns:p="http://schemas.openxmlformats.org/presentationml/2006/main">
-  <p:cSld>
-    <p:spTree>
-      <p:nvGrpSpPr>
-        <p:cNvPr id="1" name="Shape 198"/>
-        <p:cNvGrpSpPr/>
-        <p:nvPr/>
-      </p:nvGrpSpPr>
-      <p:grpSpPr>
-        <a:xfrm>
-          <a:off x="0" y="0"/>
-          <a:ext cx="0" cy="0"/>
-          <a:chOff x="0" y="0"/>
-          <a:chExt cx="0" cy="0"/>
-        </a:xfrm>
-      </p:grpSpPr>
-      <p:sp>
-        <p:nvSpPr>
-          <p:cNvPr id="4" name="Rectangles 3"/>
-          <p:cNvSpPr/>
-          <p:nvPr/>
-        </p:nvSpPr>
-        <p:spPr>
-          <a:xfrm>
-            <a:off x="2347595" y="1432560"/>
-            <a:ext cx="7507605" cy="5288915"/>
-          </a:xfrm>
-          <a:prstGeom prst="rect">
-            <a:avLst/>
-          </a:prstGeom>
-        </p:spPr>
-        <p:style>
-          <a:lnRef idx="2">
-            <a:schemeClr val="accent1">
-              <a:shade val="50000"/>
-            </a:schemeClr>
-          </a:lnRef>
-          <a:fillRef idx="1">
-            <a:schemeClr val="accent1"/>
-          </a:fillRef>
-          <a:effectRef idx="0">
-            <a:schemeClr val="accent1"/>
-          </a:effectRef>
-          <a:fontRef idx="minor">
-            <a:schemeClr val="lt1"/>
-          </a:fontRef>
-        </p:style>
-        <p:txBody>
-          <a:bodyPr rtlCol="0" anchor="ctr"/>
-          <a:p>
-            <a:pPr algn="ctr"/>
-            <a:endParaRPr lang="en-US"/>
-          </a:p>
-        </p:txBody>
-      </p:sp>
-      <p:sp>
-        <p:nvSpPr>
-          <p:cNvPr id="199" name="Google Shape;199;p2"/>
-          <p:cNvSpPr txBox="1">
-            <a:spLocks noGrp="1"/>
-          </p:cNvSpPr>
-          <p:nvPr>
-            <p:ph type="title"/>
-          </p:nvPr>
-        </p:nvSpPr>
-        <p:spPr>
-          <a:xfrm>
-            <a:off x="847531" y="136525"/>
-            <a:ext cx="8646459" cy="1279527"/>
-          </a:xfrm>
-          <a:prstGeom prst="rect">
-            <a:avLst/>
-          </a:prstGeom>
-          <a:noFill/>
-          <a:ln w="9525" cap="flat" cmpd="sng">
-            <a:solidFill>
-              <a:srgbClr val="0C0C0C"/>
-            </a:solidFill>
-            <a:prstDash val="solid"/>
-            <a:round/>
-            <a:headEnd type="none" w="sm" len="sm"/>
-            <a:tailEnd type="none" w="sm" len="sm"/>
-          </a:ln>
-        </p:spPr>
-        <p:txBody>
-          <a:bodyPr spcFirstLastPara="1" wrap="square" lIns="91425" tIns="45700" rIns="91425" bIns="45700" anchor="ctr" anchorCtr="0">
-            <a:normAutofit/>
-          </a:bodyPr>
-          <a:lstStyle/>
-          <a:p>
-            <a:pPr marL="0" lvl="0" indent="0" algn="l" rtl="0">
-              <a:lnSpc>
-                <a:spcPct val="90000"/>
-              </a:lnSpc>
-              <a:spcBef>
-                <a:spcPts val="0"/>
-              </a:spcBef>
-              <a:spcAft>
-                <a:spcPts val="0"/>
-              </a:spcAft>
-              <a:buClr>
-                <a:srgbClr val="C00000"/>
-              </a:buClr>
-              <a:buSzPts val="4000"/>
-              <a:buFont typeface="Times New Roman" panose="02020603050405020304"/>
-              <a:buNone/>
-            </a:pPr>
-            <a:r>
-              <a:rPr lang="en-US" sz="4000" dirty="0">
-                <a:solidFill>
-                  <a:srgbClr val="C00000"/>
-                </a:solidFill>
-                <a:latin typeface="Times New Roman Regular" panose="02020603050405020304" charset="0"/>
-                <a:cs typeface="Times New Roman Regular" panose="02020603050405020304" charset="0"/>
-                <a:sym typeface="+mn-ea"/>
-              </a:rPr>
-              <a:t>Block Diagram</a:t>
-            </a:r>
-            <a:endParaRPr lang="en-US" sz="4000" b="1" dirty="0">
-              <a:solidFill>
-                <a:srgbClr val="C00000"/>
-              </a:solidFill>
-              <a:latin typeface="Times New Roman Regular" panose="02020603050405020304" charset="0"/>
-              <a:ea typeface="Times New Roman" panose="02020603050405020304"/>
-              <a:cs typeface="Times New Roman Regular" panose="02020603050405020304" charset="0"/>
-              <a:sym typeface="+mn-ea"/>
-            </a:endParaRPr>
-          </a:p>
-        </p:txBody>
-      </p:sp>
-      <p:sp>
-        <p:nvSpPr>
-          <p:cNvPr id="200" name="Google Shape;200;p2"/>
-          <p:cNvSpPr txBox="1">
-            <a:spLocks noGrp="1"/>
-          </p:cNvSpPr>
-          <p:nvPr>
-            <p:ph type="sldNum" idx="12"/>
-          </p:nvPr>
-        </p:nvSpPr>
-        <p:spPr>
-          <a:xfrm>
-            <a:off x="8610600" y="6356350"/>
-            <a:ext cx="2743200" cy="365125"/>
-          </a:xfrm>
-          <a:prstGeom prst="rect">
-            <a:avLst/>
-          </a:prstGeom>
-          <a:noFill/>
-          <a:ln>
-            <a:noFill/>
-          </a:ln>
-        </p:spPr>
-        <p:txBody>
-          <a:bodyPr spcFirstLastPara="1" wrap="square" lIns="91425" tIns="45700" rIns="91425" bIns="45700" anchor="ctr" anchorCtr="0">
-            <a:noAutofit/>
-          </a:bodyPr>
-          <a:lstStyle/>
-          <a:p>
-            <a:pPr marL="0" lvl="0" indent="0" algn="r" rtl="0">
-              <a:spcBef>
-                <a:spcPts val="0"/>
-              </a:spcBef>
-              <a:spcAft>
-                <a:spcPts val="0"/>
-              </a:spcAft>
-              <a:buNone/>
-            </a:pPr>
-            <a:fld id="{00000000-1234-1234-1234-123412341234}" type="slidenum">
-              <a:rPr lang="en-US">
-                <a:latin typeface="Arial" panose="020B0604020202020204"/>
-                <a:ea typeface="Arial" panose="020B0604020202020204"/>
-                <a:cs typeface="Arial" panose="020B0604020202020204"/>
-                <a:sym typeface="Arial" panose="020B0604020202020204"/>
-              </a:rPr>
-            </a:fld>
-            <a:endParaRPr>
-              <a:latin typeface="Arial" panose="020B0604020202020204"/>
-              <a:ea typeface="Arial" panose="020B0604020202020204"/>
-              <a:cs typeface="Arial" panose="020B0604020202020204"/>
-              <a:sym typeface="Arial" panose="020B0604020202020204"/>
-            </a:endParaRPr>
-          </a:p>
-        </p:txBody>
-      </p:sp>
-      <p:pic>
-        <p:nvPicPr>
-          <p:cNvPr id="5" name="Picture 4" descr="Made Setup-2"/>
-          <p:cNvPicPr>
-            <a:picLocks noChangeAspect="1"/>
-          </p:cNvPicPr>
-          <p:nvPr/>
-        </p:nvPicPr>
-        <p:blipFill>
-          <a:blip r:embed="rId1"/>
-          <a:stretch>
-            <a:fillRect/>
-          </a:stretch>
-        </p:blipFill>
-        <p:spPr>
-          <a:xfrm>
-            <a:off x="2412365" y="1483360"/>
-            <a:ext cx="7366635" cy="5187315"/>
-          </a:xfrm>
-          <a:prstGeom prst="rect">
-            <a:avLst/>
-          </a:prstGeom>
-        </p:spPr>
-      </p:pic>
-    </p:spTree>
-  </p:cSld>
-  <p:clrMapOvr>
-    <a:masterClrMapping/>
-  </p:clrMapOvr>
-</p:sld>
-</file>
-
-<file path=ppt/slides/slide4.xml><?xml version="1.0" encoding="utf-8"?>
-<p:sld xmlns:a="http://schemas.openxmlformats.org/drawingml/2006/main" xmlns:r="http://schemas.openxmlformats.org/officeDocument/2006/relationships" xmlns:p="http://schemas.openxmlformats.org/presentationml/2006/main">
-  <p:cSld>
-    <p:spTree>
-      <p:nvGrpSpPr>
-        <p:cNvPr id="1" name="Shape 198"/>
-        <p:cNvGrpSpPr/>
-        <p:nvPr/>
-      </p:nvGrpSpPr>
-      <p:grpSpPr>
-        <a:xfrm>
-          <a:off x="0" y="0"/>
-          <a:ext cx="0" cy="0"/>
-          <a:chOff x="0" y="0"/>
-          <a:chExt cx="0" cy="0"/>
-        </a:xfrm>
-      </p:grpSpPr>
-      <p:sp>
-        <p:nvSpPr>
-          <p:cNvPr id="199" name="Google Shape;199;p2"/>
-          <p:cNvSpPr txBox="1">
-            <a:spLocks noGrp="1"/>
-          </p:cNvSpPr>
-          <p:nvPr>
-            <p:ph type="title"/>
-          </p:nvPr>
-        </p:nvSpPr>
-        <p:spPr>
-          <a:xfrm>
-            <a:off x="847531" y="136525"/>
-            <a:ext cx="8646459" cy="1279527"/>
-          </a:xfrm>
-          <a:prstGeom prst="rect">
-            <a:avLst/>
-          </a:prstGeom>
-          <a:noFill/>
-          <a:ln w="9525" cap="flat" cmpd="sng">
-            <a:solidFill>
-              <a:srgbClr val="0C0C0C"/>
-            </a:solidFill>
-            <a:prstDash val="solid"/>
-            <a:round/>
-            <a:headEnd type="none" w="sm" len="sm"/>
-            <a:tailEnd type="none" w="sm" len="sm"/>
-          </a:ln>
-        </p:spPr>
-        <p:txBody>
-          <a:bodyPr spcFirstLastPara="1" wrap="square" lIns="91425" tIns="45700" rIns="91425" bIns="45700" anchor="ctr" anchorCtr="0">
-            <a:normAutofit/>
-          </a:bodyPr>
-          <a:lstStyle/>
-          <a:p>
-            <a:pPr>
-              <a:buClr>
-                <a:srgbClr val="C00000"/>
-              </a:buClr>
-              <a:buSzPts val="4000"/>
-            </a:pPr>
-            <a:r>
-              <a:rPr lang="en-US" sz="4000" dirty="0">
-                <a:solidFill>
-                  <a:srgbClr val="C00000"/>
-                </a:solidFill>
-                <a:latin typeface="Times New Roman Regular" panose="02020603050405020304" charset="0"/>
-                <a:cs typeface="Times New Roman Regular" panose="02020603050405020304" charset="0"/>
-                <a:sym typeface="+mn-ea"/>
-              </a:rPr>
-              <a:t>Experimental setup and Design</a:t>
-            </a:r>
-            <a:endParaRPr lang="en-US" sz="4000" b="1" dirty="0">
-              <a:solidFill>
-                <a:srgbClr val="C00000"/>
-              </a:solidFill>
-              <a:latin typeface="Times New Roman Regular" panose="02020603050405020304" charset="0"/>
-              <a:ea typeface="Times New Roman" panose="02020603050405020304"/>
-              <a:cs typeface="Times New Roman Regular" panose="02020603050405020304" charset="0"/>
-              <a:sym typeface="+mn-ea"/>
-            </a:endParaRPr>
-          </a:p>
-        </p:txBody>
-      </p:sp>
-      <p:sp>
-        <p:nvSpPr>
-          <p:cNvPr id="200" name="Google Shape;200;p2"/>
-          <p:cNvSpPr txBox="1">
-            <a:spLocks noGrp="1"/>
-          </p:cNvSpPr>
-          <p:nvPr>
-            <p:ph type="sldNum" idx="12"/>
-          </p:nvPr>
-        </p:nvSpPr>
-        <p:spPr>
-          <a:xfrm>
-            <a:off x="8610600" y="6356350"/>
-            <a:ext cx="2743200" cy="365125"/>
-          </a:xfrm>
-          <a:prstGeom prst="rect">
-            <a:avLst/>
-          </a:prstGeom>
-          <a:noFill/>
-          <a:ln>
-            <a:noFill/>
-          </a:ln>
-        </p:spPr>
-        <p:txBody>
-          <a:bodyPr spcFirstLastPara="1" wrap="square" lIns="91425" tIns="45700" rIns="91425" bIns="45700" anchor="ctr" anchorCtr="0">
-            <a:noAutofit/>
-          </a:bodyPr>
-          <a:lstStyle/>
-          <a:p>
-            <a:pPr marL="0" lvl="0" indent="0" algn="r" rtl="0">
-              <a:spcBef>
-                <a:spcPts val="0"/>
-              </a:spcBef>
-              <a:spcAft>
-                <a:spcPts val="0"/>
-              </a:spcAft>
-              <a:buNone/>
-            </a:pPr>
-            <a:fld id="{00000000-1234-1234-1234-123412341234}" type="slidenum">
-              <a:rPr lang="en-US">
-                <a:latin typeface="Arial" panose="020B0604020202020204"/>
-                <a:ea typeface="Arial" panose="020B0604020202020204"/>
-                <a:cs typeface="Arial" panose="020B0604020202020204"/>
-                <a:sym typeface="Arial" panose="020B0604020202020204"/>
-              </a:rPr>
-            </a:fld>
-            <a:endParaRPr>
-              <a:latin typeface="Arial" panose="020B0604020202020204"/>
-              <a:ea typeface="Arial" panose="020B0604020202020204"/>
-              <a:cs typeface="Arial" panose="020B0604020202020204"/>
-              <a:sym typeface="Arial" panose="020B0604020202020204"/>
-            </a:endParaRPr>
-          </a:p>
-        </p:txBody>
-      </p:sp>
-      <p:sp>
-        <p:nvSpPr>
-          <p:cNvPr id="3" name="Rectangle 1"/>
-          <p:cNvSpPr>
-            <a:spLocks noGrp="1" noChangeArrowheads="1"/>
-          </p:cNvSpPr>
-          <p:nvPr>
-            <p:ph type="body" idx="1"/>
-          </p:nvPr>
-        </p:nvSpPr>
-        <p:spPr bwMode="auto">
-          <a:xfrm>
-            <a:off x="481263" y="1450257"/>
-            <a:ext cx="10983662" cy="4627245"/>
-          </a:xfrm>
-          <a:prstGeom prst="rect">
-            <a:avLst/>
-          </a:prstGeom>
-          <a:noFill/>
-          <a:ln>
-            <a:noFill/>
-          </a:ln>
-          <a:effectLst/>
-          <a:extLst>
-            <a:ext uri="{909E8E84-426E-40DD-AFC4-6F175D3DCCD1}">
-              <a14:hiddenFill xmlns:a14="http://schemas.microsoft.com/office/drawing/2010/main">
-                <a:solidFill>
-                  <a:schemeClr val="accent1"/>
-                </a:solidFill>
-              </a14:hiddenFill>
-            </a:ext>
-            <a:ext uri="{91240B29-F687-4F45-9708-019B960494DF}">
-              <a14:hiddenLine xmlns:a14="http://schemas.microsoft.com/office/drawing/2010/main" w="9525">
-                <a:solidFill>
-                  <a:schemeClr val="tx1"/>
-                </a:solidFill>
-                <a:miter lim="800000"/>
-                <a:headEnd/>
-                <a:tailEnd/>
-              </a14:hiddenLine>
-            </a:ext>
-            <a:ext uri="{AF507438-7753-43E0-B8FC-AC1667EBCBE1}">
-              <a14:hiddenEffects xmlns:a14="http://schemas.microsoft.com/office/drawing/2010/main">
-                <a:effectLst>
-                  <a:outerShdw dist="35921" dir="2700000" algn="ctr" rotWithShape="0">
-                    <a:schemeClr val="bg2"/>
-                  </a:outerShdw>
-                </a:effectLst>
-              </a14:hiddenEffects>
-            </a:ext>
-          </a:extLst>
-        </p:spPr>
-        <p:txBody>
-          <a:bodyPr vert="horz" wrap="square" lIns="91440" tIns="45720" rIns="91440" bIns="45720" numCol="1" anchor="ctr" anchorCtr="0" compatLnSpc="1">
-            <a:spAutoFit/>
-          </a:bodyPr>
-          <a:lstStyle/>
-          <a:p>
-            <a:pPr marR="0" lvl="0" indent="-457200" algn="l" defTabSz="914400" rtl="0" eaLnBrk="0" fontAlgn="base" latinLnBrk="0" hangingPunct="0">
-              <a:lnSpc>
-                <a:spcPct val="130000"/>
-              </a:lnSpc>
-              <a:spcBef>
-                <a:spcPct val="0"/>
-              </a:spcBef>
-              <a:spcAft>
-                <a:spcPct val="0"/>
-              </a:spcAft>
-              <a:buClrTx/>
-              <a:buSzTx/>
-              <a:buFont typeface="Arial" panose="020B0604020202020204" pitchFamily="34" charset="0"/>
-              <a:buAutoNum type="arabicPeriod"/>
-            </a:pPr>
-            <a:r>
-              <a:rPr kumimoji="0" sz="2200" b="1" i="0" u="none" strike="noStrike" cap="none" normalizeH="0" baseline="0" dirty="0">
-                <a:latin typeface="Times New Roman Bold" panose="02020603050405020304" charset="0"/>
-                <a:cs typeface="Times New Roman Bold" panose="02020603050405020304" charset="0"/>
-              </a:rPr>
-              <a:t>Prototyping:</a:t>
-            </a:r>
-            <a:endParaRPr kumimoji="0" sz="2200" b="1" i="0" u="none" strike="noStrike" cap="none" normalizeH="0" baseline="0" dirty="0">
-              <a:latin typeface="Times New Roman Bold" panose="02020603050405020304" charset="0"/>
-              <a:cs typeface="Times New Roman Bold" panose="02020603050405020304" charset="0"/>
-            </a:endParaRPr>
-          </a:p>
-          <a:p>
-            <a:pPr marL="800100" marR="0" lvl="1" algn="l" defTabSz="914400" rtl="0" eaLnBrk="0" fontAlgn="base" latinLnBrk="0" hangingPunct="0">
-              <a:lnSpc>
-                <a:spcPct val="100000"/>
-              </a:lnSpc>
-              <a:spcBef>
-                <a:spcPct val="0"/>
-              </a:spcBef>
-              <a:spcAft>
-                <a:spcPct val="0"/>
-              </a:spcAft>
-              <a:buClrTx/>
-              <a:buSzTx/>
-            </a:pPr>
-            <a:r>
-              <a:rPr kumimoji="0" sz="2200" i="0" u="none" strike="noStrike" cap="none" normalizeH="0" baseline="0" dirty="0">
-                <a:latin typeface="Times New Roman Regular" panose="02020603050405020304" charset="0"/>
-                <a:cs typeface="Times New Roman Regular" panose="02020603050405020304" charset="0"/>
-              </a:rPr>
-              <a:t>Built prototype with HTML, CSS, JS, and Bootstrap.</a:t>
-            </a:r>
-            <a:endParaRPr kumimoji="0" sz="2200" i="0" u="none" strike="noStrike" cap="none" normalizeH="0" baseline="0" dirty="0">
-              <a:latin typeface="Times New Roman Regular" panose="02020603050405020304" charset="0"/>
-              <a:cs typeface="Times New Roman Regular" panose="02020603050405020304" charset="0"/>
-            </a:endParaRPr>
-          </a:p>
-          <a:p>
-            <a:pPr marL="800100" marR="0" lvl="1" algn="l" defTabSz="914400" rtl="0" eaLnBrk="0" fontAlgn="base" latinLnBrk="0" hangingPunct="0">
-              <a:lnSpc>
-                <a:spcPct val="100000"/>
-              </a:lnSpc>
-              <a:spcBef>
-                <a:spcPct val="0"/>
-              </a:spcBef>
-              <a:spcAft>
-                <a:spcPct val="0"/>
-              </a:spcAft>
-              <a:buClrTx/>
-              <a:buSzTx/>
-            </a:pPr>
-            <a:r>
-              <a:rPr kumimoji="0" sz="2200" i="0" u="none" strike="noStrike" cap="none" normalizeH="0" baseline="0" dirty="0">
-                <a:latin typeface="Times New Roman Regular" panose="02020603050405020304" charset="0"/>
-                <a:cs typeface="Times New Roman Regular" panose="02020603050405020304" charset="0"/>
-              </a:rPr>
-              <a:t>Integrated APIs for location and payments.</a:t>
-            </a:r>
-            <a:endParaRPr kumimoji="0" sz="2200" i="0" u="none" strike="noStrike" cap="none" normalizeH="0" baseline="0" dirty="0">
-              <a:latin typeface="Times New Roman Regular" panose="02020603050405020304" charset="0"/>
-              <a:cs typeface="Times New Roman Regular" panose="02020603050405020304" charset="0"/>
-            </a:endParaRPr>
-          </a:p>
-          <a:p>
-            <a:pPr marR="0" lvl="0" indent="-457200" algn="l" defTabSz="914400" rtl="0" eaLnBrk="0" fontAlgn="base" latinLnBrk="0" hangingPunct="0">
-              <a:lnSpc>
-                <a:spcPct val="140000"/>
-              </a:lnSpc>
-              <a:spcBef>
-                <a:spcPct val="0"/>
-              </a:spcBef>
-              <a:spcAft>
-                <a:spcPct val="0"/>
-              </a:spcAft>
-              <a:buClrTx/>
-              <a:buSzTx/>
-              <a:buFont typeface="Arial" panose="020B0604020202020204" pitchFamily="34" charset="0"/>
-              <a:buAutoNum type="arabicPeriod"/>
-            </a:pPr>
-            <a:r>
-              <a:rPr kumimoji="0" sz="2200" b="1" i="0" u="none" strike="noStrike" cap="none" normalizeH="0" baseline="0" dirty="0">
-                <a:latin typeface="Times New Roman Bold" panose="02020603050405020304" charset="0"/>
-                <a:cs typeface="Times New Roman Bold" panose="02020603050405020304" charset="0"/>
-              </a:rPr>
-              <a:t>User Testing:</a:t>
-            </a:r>
-            <a:endParaRPr kumimoji="0" sz="2200" b="1" i="0" u="none" strike="noStrike" cap="none" normalizeH="0" baseline="0" dirty="0">
-              <a:latin typeface="Times New Roman Bold" panose="02020603050405020304" charset="0"/>
-              <a:cs typeface="Times New Roman Bold" panose="02020603050405020304" charset="0"/>
-            </a:endParaRPr>
-          </a:p>
-          <a:p>
-            <a:pPr marL="800100" marR="0" lvl="1" algn="l" defTabSz="914400" rtl="0" eaLnBrk="0" fontAlgn="base" latinLnBrk="0" hangingPunct="0">
-              <a:lnSpc>
-                <a:spcPct val="100000"/>
-              </a:lnSpc>
-              <a:spcBef>
-                <a:spcPct val="0"/>
-              </a:spcBef>
-              <a:spcAft>
-                <a:spcPct val="0"/>
-              </a:spcAft>
-              <a:buClrTx/>
-              <a:buSzTx/>
-            </a:pPr>
-            <a:r>
-              <a:rPr kumimoji="0" sz="2200" i="0" u="none" strike="noStrike" cap="none" normalizeH="0" baseline="0" dirty="0">
-                <a:latin typeface="Times New Roman Regular" panose="02020603050405020304" charset="0"/>
-                <a:cs typeface="Times New Roman Regular" panose="02020603050405020304" charset="0"/>
-              </a:rPr>
-              <a:t>Tested with gamers, designers, and office users.</a:t>
-            </a:r>
-            <a:endParaRPr kumimoji="0" sz="2200" i="0" u="none" strike="noStrike" cap="none" normalizeH="0" baseline="0" dirty="0">
-              <a:latin typeface="Times New Roman Regular" panose="02020603050405020304" charset="0"/>
-              <a:cs typeface="Times New Roman Regular" panose="02020603050405020304" charset="0"/>
-            </a:endParaRPr>
-          </a:p>
-          <a:p>
-            <a:pPr marL="800100" marR="0" lvl="1" algn="l" defTabSz="914400" rtl="0" eaLnBrk="0" fontAlgn="base" latinLnBrk="0" hangingPunct="0">
-              <a:lnSpc>
-                <a:spcPct val="100000"/>
-              </a:lnSpc>
-              <a:spcBef>
-                <a:spcPct val="0"/>
-              </a:spcBef>
-              <a:spcAft>
-                <a:spcPct val="0"/>
-              </a:spcAft>
-              <a:buClrTx/>
-              <a:buSzTx/>
-            </a:pPr>
-            <a:r>
-              <a:rPr kumimoji="0" sz="2200" i="0" u="none" strike="noStrike" cap="none" normalizeH="0" baseline="0" dirty="0">
-                <a:latin typeface="Times New Roman Regular" panose="02020603050405020304" charset="0"/>
-                <a:cs typeface="Times New Roman Regular" panose="02020603050405020304" charset="0"/>
-              </a:rPr>
-              <a:t>Gathered feedback on experience and navigation.</a:t>
-            </a:r>
-            <a:endParaRPr kumimoji="0" sz="2200" i="0" u="none" strike="noStrike" cap="none" normalizeH="0" baseline="0" dirty="0">
-              <a:latin typeface="Times New Roman Regular" panose="02020603050405020304" charset="0"/>
-              <a:cs typeface="Times New Roman Regular" panose="02020603050405020304" charset="0"/>
-            </a:endParaRPr>
-          </a:p>
-          <a:p>
-            <a:pPr marR="0" lvl="0" indent="-457200" algn="l" defTabSz="914400" rtl="0" eaLnBrk="0" fontAlgn="base" latinLnBrk="0" hangingPunct="0">
-              <a:lnSpc>
-                <a:spcPct val="140000"/>
-              </a:lnSpc>
-              <a:spcBef>
-                <a:spcPct val="0"/>
-              </a:spcBef>
-              <a:spcAft>
-                <a:spcPct val="0"/>
-              </a:spcAft>
-              <a:buClrTx/>
-              <a:buSzTx/>
-              <a:buFont typeface="Arial" panose="020B0604020202020204" pitchFamily="34" charset="0"/>
-              <a:buAutoNum type="arabicPeriod"/>
-            </a:pPr>
-            <a:r>
-              <a:rPr kumimoji="0" sz="2200" b="1" i="0" u="none" strike="noStrike" cap="none" normalizeH="0" baseline="0" dirty="0">
-                <a:latin typeface="Times New Roman Bold" panose="02020603050405020304" charset="0"/>
-                <a:cs typeface="Times New Roman Bold" panose="02020603050405020304" charset="0"/>
-              </a:rPr>
-              <a:t>Design Refinement:</a:t>
-            </a:r>
-            <a:endParaRPr kumimoji="0" sz="2200" b="1" i="0" u="none" strike="noStrike" cap="none" normalizeH="0" baseline="0" dirty="0">
-              <a:latin typeface="Times New Roman Bold" panose="02020603050405020304" charset="0"/>
-              <a:cs typeface="Times New Roman Bold" panose="02020603050405020304" charset="0"/>
-            </a:endParaRPr>
-          </a:p>
-          <a:p>
-            <a:pPr marL="800100" marR="0" lvl="1" algn="l" defTabSz="914400" rtl="0" eaLnBrk="0" fontAlgn="base" latinLnBrk="0" hangingPunct="0">
-              <a:lnSpc>
-                <a:spcPct val="100000"/>
-              </a:lnSpc>
-              <a:spcBef>
-                <a:spcPct val="0"/>
-              </a:spcBef>
-              <a:spcAft>
-                <a:spcPct val="0"/>
-              </a:spcAft>
-              <a:buClrTx/>
-              <a:buSzTx/>
-            </a:pPr>
-            <a:r>
-              <a:rPr kumimoji="0" sz="2200" i="0" u="none" strike="noStrike" cap="none" normalizeH="0" baseline="0" dirty="0">
-                <a:latin typeface="Times New Roman Regular" panose="02020603050405020304" charset="0"/>
-                <a:cs typeface="Times New Roman Regular" panose="02020603050405020304" charset="0"/>
-              </a:rPr>
-              <a:t>Improved UI/UX based on feedback.</a:t>
-            </a:r>
-            <a:endParaRPr kumimoji="0" sz="2200" i="0" u="none" strike="noStrike" cap="none" normalizeH="0" baseline="0" dirty="0">
-              <a:latin typeface="Times New Roman Regular" panose="02020603050405020304" charset="0"/>
-              <a:cs typeface="Times New Roman Regular" panose="02020603050405020304" charset="0"/>
-            </a:endParaRPr>
-          </a:p>
-          <a:p>
-            <a:pPr marL="800100" marR="0" lvl="1" algn="l" defTabSz="914400" rtl="0" eaLnBrk="0" fontAlgn="base" latinLnBrk="0" hangingPunct="0">
-              <a:lnSpc>
-                <a:spcPct val="100000"/>
-              </a:lnSpc>
-              <a:spcBef>
-                <a:spcPct val="0"/>
-              </a:spcBef>
-              <a:spcAft>
-                <a:spcPct val="0"/>
-              </a:spcAft>
-              <a:buClrTx/>
-              <a:buSzTx/>
-            </a:pPr>
-            <a:r>
-              <a:rPr kumimoji="0" sz="2200" i="0" u="none" strike="noStrike" cap="none" normalizeH="0" baseline="0" dirty="0">
-                <a:latin typeface="Times New Roman Regular" panose="02020603050405020304" charset="0"/>
-                <a:cs typeface="Times New Roman Regular" panose="02020603050405020304" charset="0"/>
-              </a:rPr>
-              <a:t>Ensured responsiveness across devices.</a:t>
-            </a:r>
-            <a:endParaRPr kumimoji="0" sz="2200" i="0" u="none" strike="noStrike" cap="none" normalizeH="0" baseline="0" dirty="0">
-              <a:latin typeface="Times New Roman Regular" panose="02020603050405020304" charset="0"/>
-              <a:cs typeface="Times New Roman Regular" panose="02020603050405020304" charset="0"/>
-            </a:endParaRPr>
-          </a:p>
-          <a:p>
-            <a:pPr marR="0" lvl="0" indent="-457200" algn="l" defTabSz="914400" rtl="0" eaLnBrk="0" fontAlgn="base" latinLnBrk="0" hangingPunct="0">
-              <a:lnSpc>
-                <a:spcPct val="130000"/>
-              </a:lnSpc>
-              <a:spcBef>
-                <a:spcPct val="0"/>
-              </a:spcBef>
-              <a:spcAft>
-                <a:spcPct val="0"/>
-              </a:spcAft>
-              <a:buClrTx/>
-              <a:buSzTx/>
-              <a:buFont typeface="Arial" panose="020B0604020202020204" pitchFamily="34" charset="0"/>
-              <a:buAutoNum type="arabicPeriod"/>
-            </a:pPr>
-            <a:r>
-              <a:rPr kumimoji="0" sz="2200" b="1" i="0" u="none" strike="noStrike" cap="none" normalizeH="0" baseline="0" dirty="0">
-                <a:latin typeface="Times New Roman Bold" panose="02020603050405020304" charset="0"/>
-                <a:cs typeface="Times New Roman Bold" panose="02020603050405020304" charset="0"/>
-              </a:rPr>
-              <a:t>Performance Metrics:</a:t>
-            </a:r>
-            <a:endParaRPr kumimoji="0" sz="2200" b="1" i="0" u="none" strike="noStrike" cap="none" normalizeH="0" baseline="0" dirty="0">
-              <a:latin typeface="Times New Roman Bold" panose="02020603050405020304" charset="0"/>
-              <a:cs typeface="Times New Roman Bold" panose="02020603050405020304" charset="0"/>
-            </a:endParaRPr>
-          </a:p>
-          <a:p>
-            <a:pPr marL="800100" marR="0" lvl="1" algn="l" defTabSz="914400" rtl="0" eaLnBrk="0" fontAlgn="base" latinLnBrk="0" hangingPunct="0">
-              <a:lnSpc>
-                <a:spcPct val="100000"/>
-              </a:lnSpc>
-              <a:spcBef>
-                <a:spcPct val="0"/>
-              </a:spcBef>
-              <a:spcAft>
-                <a:spcPct val="0"/>
-              </a:spcAft>
-              <a:buClrTx/>
-              <a:buSzTx/>
-            </a:pPr>
-            <a:r>
-              <a:rPr kumimoji="0" sz="2200" i="0" u="none" strike="noStrike" cap="none" normalizeH="0" baseline="0" dirty="0">
-                <a:latin typeface="Times New Roman Regular" panose="02020603050405020304" charset="0"/>
-                <a:cs typeface="Times New Roman Regular" panose="02020603050405020304" charset="0"/>
-              </a:rPr>
-              <a:t>Tracked KPIs like load time and conversion rates.</a:t>
-            </a:r>
-            <a:endParaRPr kumimoji="0" sz="2200" i="0" u="none" strike="noStrike" cap="none" normalizeH="0" baseline="0" dirty="0">
-              <a:latin typeface="Times New Roman Regular" panose="02020603050405020304" charset="0"/>
-              <a:cs typeface="Times New Roman Regular" panose="02020603050405020304" charset="0"/>
-            </a:endParaRPr>
-          </a:p>
-          <a:p>
-            <a:pPr marL="800100" marR="0" lvl="1" algn="l" defTabSz="914400" rtl="0" eaLnBrk="0" fontAlgn="base" latinLnBrk="0" hangingPunct="0">
-              <a:lnSpc>
-                <a:spcPct val="100000"/>
-              </a:lnSpc>
-              <a:spcBef>
-                <a:spcPct val="0"/>
-              </a:spcBef>
-              <a:spcAft>
-                <a:spcPct val="0"/>
-              </a:spcAft>
-              <a:buClrTx/>
-              <a:buSzTx/>
-            </a:pPr>
-            <a:r>
-              <a:rPr kumimoji="0" sz="2200" i="0" u="none" strike="noStrike" cap="none" normalizeH="0" baseline="0" dirty="0">
-                <a:latin typeface="Times New Roman Regular" panose="02020603050405020304" charset="0"/>
-                <a:cs typeface="Times New Roman Regular" panose="02020603050405020304" charset="0"/>
-              </a:rPr>
-              <a:t>Optimized backend for better performance.</a:t>
-            </a:r>
-            <a:endParaRPr kumimoji="0" sz="2200" i="0" u="none" strike="noStrike" cap="none" normalizeH="0" baseline="0" dirty="0">
-              <a:latin typeface="Times New Roman Regular" panose="02020603050405020304" charset="0"/>
-              <a:cs typeface="Times New Roman Regular" panose="02020603050405020304" charset="0"/>
-            </a:endParaRPr>
-          </a:p>
-        </p:txBody>
-      </p:sp>
-    </p:spTree>
-  </p:cSld>
-  <p:clrMapOvr>
-    <a:masterClrMapping/>
-  </p:clrMapOvr>
-</p:sld>
-</file>
-
-<file path=ppt/slides/slide5.xml><?xml version="1.0" encoding="utf-8"?>
-<p:sld xmlns:a="http://schemas.openxmlformats.org/drawingml/2006/main" xmlns:r="http://schemas.openxmlformats.org/officeDocument/2006/relationships" xmlns:p="http://schemas.openxmlformats.org/presentationml/2006/main">
-  <p:cSld>
-    <p:spTree>
-      <p:nvGrpSpPr>
-        <p:cNvPr id="1" name="Shape 198"/>
-        <p:cNvGrpSpPr/>
-        <p:nvPr/>
-      </p:nvGrpSpPr>
-      <p:grpSpPr>
-        <a:xfrm>
-          <a:off x="0" y="0"/>
-          <a:ext cx="0" cy="0"/>
-          <a:chOff x="0" y="0"/>
-          <a:chExt cx="0" cy="0"/>
-        </a:xfrm>
-      </p:grpSpPr>
-      <p:sp>
-        <p:nvSpPr>
-          <p:cNvPr id="199" name="Google Shape;199;p2"/>
-          <p:cNvSpPr txBox="1">
-            <a:spLocks noGrp="1"/>
-          </p:cNvSpPr>
-          <p:nvPr>
-            <p:ph type="title"/>
-          </p:nvPr>
-        </p:nvSpPr>
-        <p:spPr>
-          <a:xfrm>
-            <a:off x="847725" y="136525"/>
-            <a:ext cx="8865870" cy="1279525"/>
-          </a:xfrm>
-          <a:prstGeom prst="rect">
-            <a:avLst/>
-          </a:prstGeom>
-          <a:noFill/>
-          <a:ln w="9525" cap="flat" cmpd="sng">
-            <a:solidFill>
-              <a:srgbClr val="0C0C0C"/>
-            </a:solidFill>
-            <a:prstDash val="solid"/>
-            <a:round/>
-            <a:headEnd type="none" w="sm" len="sm"/>
-            <a:tailEnd type="none" w="sm" len="sm"/>
-          </a:ln>
-        </p:spPr>
-        <p:txBody>
-          <a:bodyPr spcFirstLastPara="1" wrap="square" lIns="91425" tIns="45700" rIns="91425" bIns="45700" anchor="ctr" anchorCtr="0">
-            <a:normAutofit fontScale="90000"/>
-          </a:bodyPr>
-          <a:lstStyle/>
-          <a:p>
-            <a:pPr>
-              <a:buClr>
-                <a:srgbClr val="C00000"/>
-              </a:buClr>
-              <a:buSzPts val="4000"/>
-            </a:pPr>
-            <a:r>
-              <a:rPr lang="en-US" sz="4445" dirty="0">
-                <a:solidFill>
-                  <a:srgbClr val="C00000"/>
-                </a:solidFill>
-                <a:latin typeface="Times New Roman Regular" panose="02020603050405020304" charset="0"/>
-                <a:cs typeface="Times New Roman Regular" panose="02020603050405020304" charset="0"/>
-                <a:sym typeface="+mn-ea"/>
-              </a:rPr>
-              <a:t>List of required Equipments &amp;Software</a:t>
-            </a:r>
-            <a:endParaRPr lang="en-US" sz="4445" b="1" dirty="0">
-              <a:solidFill>
-                <a:srgbClr val="C00000"/>
-              </a:solidFill>
-              <a:latin typeface="Times New Roman Regular" panose="02020603050405020304" charset="0"/>
-              <a:ea typeface="Times New Roman" panose="02020603050405020304"/>
-              <a:cs typeface="Times New Roman Regular" panose="02020603050405020304" charset="0"/>
-              <a:sym typeface="+mn-ea"/>
-            </a:endParaRPr>
-          </a:p>
-        </p:txBody>
-      </p:sp>
-      <p:sp>
-        <p:nvSpPr>
-          <p:cNvPr id="200" name="Google Shape;200;p2"/>
-          <p:cNvSpPr txBox="1">
-            <a:spLocks noGrp="1"/>
-          </p:cNvSpPr>
-          <p:nvPr>
-            <p:ph type="sldNum" idx="12"/>
-          </p:nvPr>
-        </p:nvSpPr>
-        <p:spPr>
-          <a:xfrm>
-            <a:off x="8610600" y="6356350"/>
-            <a:ext cx="2743200" cy="365125"/>
-          </a:xfrm>
-          <a:prstGeom prst="rect">
-            <a:avLst/>
-          </a:prstGeom>
-          <a:noFill/>
-          <a:ln>
-            <a:noFill/>
-          </a:ln>
-        </p:spPr>
-        <p:txBody>
-          <a:bodyPr spcFirstLastPara="1" wrap="square" lIns="91425" tIns="45700" rIns="91425" bIns="45700" anchor="ctr" anchorCtr="0">
-            <a:noAutofit/>
-          </a:bodyPr>
-          <a:lstStyle/>
-          <a:p>
-            <a:pPr marL="0" lvl="0" indent="0" algn="r" rtl="0">
-              <a:spcBef>
-                <a:spcPts val="0"/>
-              </a:spcBef>
-              <a:spcAft>
-                <a:spcPts val="0"/>
-              </a:spcAft>
-              <a:buNone/>
-            </a:pPr>
-            <a:fld id="{00000000-1234-1234-1234-123412341234}" type="slidenum">
-              <a:rPr lang="en-US">
-                <a:latin typeface="Arial" panose="020B0604020202020204"/>
-                <a:ea typeface="Arial" panose="020B0604020202020204"/>
-                <a:cs typeface="Arial" panose="020B0604020202020204"/>
-                <a:sym typeface="Arial" panose="020B0604020202020204"/>
-              </a:rPr>
-            </a:fld>
-            <a:endParaRPr>
-              <a:latin typeface="Arial" panose="020B0604020202020204"/>
-              <a:ea typeface="Arial" panose="020B0604020202020204"/>
-              <a:cs typeface="Arial" panose="020B0604020202020204"/>
-              <a:sym typeface="Arial" panose="020B0604020202020204"/>
-            </a:endParaRPr>
-          </a:p>
-        </p:txBody>
-      </p:sp>
-      <p:sp>
-        <p:nvSpPr>
-          <p:cNvPr id="3" name="Rectangle 1"/>
-          <p:cNvSpPr>
-            <a:spLocks noGrp="1" noChangeArrowheads="1"/>
-          </p:cNvSpPr>
-          <p:nvPr>
-            <p:ph type="body" idx="1"/>
-          </p:nvPr>
-        </p:nvSpPr>
-        <p:spPr bwMode="auto">
-          <a:xfrm>
-            <a:off x="708556" y="1538843"/>
-            <a:ext cx="11088863" cy="5031105"/>
-          </a:xfrm>
-          <a:prstGeom prst="rect">
-            <a:avLst/>
-          </a:prstGeom>
-          <a:noFill/>
-          <a:ln>
-            <a:noFill/>
-          </a:ln>
-          <a:effectLst/>
-          <a:extLst>
-            <a:ext uri="{909E8E84-426E-40DD-AFC4-6F175D3DCCD1}">
-              <a14:hiddenFill xmlns:a14="http://schemas.microsoft.com/office/drawing/2010/main">
-                <a:solidFill>
-                  <a:schemeClr val="accent1"/>
-                </a:solidFill>
-              </a14:hiddenFill>
-            </a:ext>
-            <a:ext uri="{91240B29-F687-4F45-9708-019B960494DF}">
-              <a14:hiddenLine xmlns:a14="http://schemas.microsoft.com/office/drawing/2010/main" w="9525">
-                <a:solidFill>
-                  <a:schemeClr val="tx1"/>
-                </a:solidFill>
-                <a:miter lim="800000"/>
-                <a:headEnd/>
-                <a:tailEnd/>
-              </a14:hiddenLine>
-            </a:ext>
-            <a:ext uri="{AF507438-7753-43E0-B8FC-AC1667EBCBE1}">
-              <a14:hiddenEffects xmlns:a14="http://schemas.microsoft.com/office/drawing/2010/main">
-                <a:effectLst>
-                  <a:outerShdw dist="35921" dir="2700000" algn="ctr" rotWithShape="0">
-                    <a:schemeClr val="bg2"/>
-                  </a:outerShdw>
-                </a:effectLst>
-              </a14:hiddenEffects>
-            </a:ext>
-          </a:extLst>
-        </p:spPr>
-        <p:txBody>
-          <a:bodyPr vert="horz" wrap="square" lIns="91440" tIns="45720" rIns="91440" bIns="45720" numCol="1" anchor="ctr" anchorCtr="0" compatLnSpc="1">
-            <a:spAutoFit/>
-          </a:bodyPr>
-          <a:lstStyle/>
-          <a:p>
-            <a:pPr marR="0" lvl="0" indent="-457200" algn="l" defTabSz="914400" rtl="0" eaLnBrk="0" fontAlgn="base" latinLnBrk="0" hangingPunct="0">
-              <a:lnSpc>
-                <a:spcPct val="130000"/>
-              </a:lnSpc>
-              <a:spcBef>
-                <a:spcPct val="0"/>
-              </a:spcBef>
-              <a:spcAft>
-                <a:spcPct val="0"/>
-              </a:spcAft>
-              <a:buClrTx/>
-              <a:buSzTx/>
-              <a:buAutoNum type="arabicPeriod"/>
-            </a:pPr>
-            <a:r>
-              <a:rPr kumimoji="0" lang="en-GB" sz="2200" b="1" i="0" u="none" strike="noStrike" cap="none" normalizeH="0" baseline="0" dirty="0">
-                <a:latin typeface="Times New Roman Bold" panose="02020603050405020304" charset="0"/>
-                <a:cs typeface="Times New Roman Bold" panose="02020603050405020304" charset="0"/>
-              </a:rPr>
-              <a:t>Hardware:</a:t>
-            </a:r>
-            <a:endParaRPr kumimoji="0" lang="en-GB" sz="2200" b="1" i="0" u="none" strike="noStrike" cap="none" normalizeH="0" baseline="0" dirty="0">
-              <a:latin typeface="Times New Roman Bold" panose="02020603050405020304" charset="0"/>
-              <a:cs typeface="Times New Roman Bold" panose="02020603050405020304" charset="0"/>
-            </a:endParaRPr>
-          </a:p>
-          <a:p>
-            <a:pPr marL="800100" marR="0" lvl="1" algn="l" defTabSz="914400" rtl="0" eaLnBrk="0" fontAlgn="base" latinLnBrk="0" hangingPunct="0">
-              <a:lnSpc>
-                <a:spcPct val="130000"/>
-              </a:lnSpc>
-              <a:spcBef>
-                <a:spcPct val="0"/>
-              </a:spcBef>
-              <a:spcAft>
-                <a:spcPct val="0"/>
-              </a:spcAft>
-              <a:buClrTx/>
-              <a:buSzTx/>
-            </a:pPr>
-            <a:r>
-              <a:rPr kumimoji="0" lang="en-GB" sz="2200" b="1" i="0" u="none" strike="noStrike" cap="none" normalizeH="0" baseline="0" dirty="0">
-                <a:latin typeface="Times New Roman Bold" panose="02020603050405020304" charset="0"/>
-                <a:cs typeface="Times New Roman Bold" panose="02020603050405020304" charset="0"/>
-              </a:rPr>
-              <a:t>Workstations:</a:t>
-            </a:r>
-            <a:r>
-              <a:rPr kumimoji="0" lang="en-GB" sz="2200" i="0" u="none" strike="noStrike" cap="none" normalizeH="0" baseline="0" dirty="0">
-                <a:latin typeface="Times New Roman Regular" panose="02020603050405020304" charset="0"/>
-                <a:cs typeface="Times New Roman Regular" panose="02020603050405020304" charset="0"/>
-              </a:rPr>
-              <a:t> High-performance PCs.</a:t>
-            </a:r>
-            <a:endParaRPr kumimoji="0" lang="en-GB" sz="2200" i="0" u="none" strike="noStrike" cap="none" normalizeH="0" baseline="0" dirty="0">
-              <a:latin typeface="Times New Roman Regular" panose="02020603050405020304" charset="0"/>
-              <a:cs typeface="Times New Roman Regular" panose="02020603050405020304" charset="0"/>
-            </a:endParaRPr>
-          </a:p>
-          <a:p>
-            <a:pPr marL="800100" marR="0" lvl="1" algn="l" defTabSz="914400" rtl="0" eaLnBrk="0" fontAlgn="base" latinLnBrk="0" hangingPunct="0">
-              <a:lnSpc>
-                <a:spcPct val="130000"/>
-              </a:lnSpc>
-              <a:spcBef>
-                <a:spcPct val="0"/>
-              </a:spcBef>
-              <a:spcAft>
-                <a:spcPct val="0"/>
-              </a:spcAft>
-              <a:buClrTx/>
-              <a:buSzTx/>
-            </a:pPr>
-            <a:r>
-              <a:rPr kumimoji="0" lang="en-GB" sz="2200" b="1" i="0" u="none" strike="noStrike" cap="none" normalizeH="0" baseline="0" dirty="0">
-                <a:latin typeface="Times New Roman Bold" panose="02020603050405020304" charset="0"/>
-                <a:cs typeface="Times New Roman Bold" panose="02020603050405020304" charset="0"/>
-              </a:rPr>
-              <a:t>Servers:</a:t>
-            </a:r>
-            <a:r>
-              <a:rPr kumimoji="0" lang="en-GB" sz="2200" i="0" u="none" strike="noStrike" cap="none" normalizeH="0" baseline="0" dirty="0">
-                <a:latin typeface="Times New Roman Regular" panose="02020603050405020304" charset="0"/>
-                <a:cs typeface="Times New Roman Regular" panose="02020603050405020304" charset="0"/>
-              </a:rPr>
-              <a:t> For website hosting.</a:t>
-            </a:r>
-            <a:endParaRPr kumimoji="0" lang="en-GB" sz="2200" i="0" u="none" strike="noStrike" cap="none" normalizeH="0" baseline="0" dirty="0">
-              <a:latin typeface="Times New Roman Regular" panose="02020603050405020304" charset="0"/>
-              <a:cs typeface="Times New Roman Regular" panose="02020603050405020304" charset="0"/>
-            </a:endParaRPr>
-          </a:p>
-          <a:p>
-            <a:pPr marL="800100" marR="0" lvl="1" algn="l" defTabSz="914400" rtl="0" eaLnBrk="0" fontAlgn="base" latinLnBrk="0" hangingPunct="0">
-              <a:lnSpc>
-                <a:spcPct val="130000"/>
-              </a:lnSpc>
-              <a:spcBef>
-                <a:spcPct val="0"/>
-              </a:spcBef>
-              <a:spcAft>
-                <a:spcPct val="0"/>
-              </a:spcAft>
-              <a:buClrTx/>
-              <a:buSzTx/>
-            </a:pPr>
-            <a:r>
-              <a:rPr kumimoji="0" lang="en-GB" sz="2200" b="1" i="0" u="none" strike="noStrike" cap="none" normalizeH="0" baseline="0" dirty="0">
-                <a:latin typeface="Times New Roman Bold" panose="02020603050405020304" charset="0"/>
-                <a:cs typeface="Times New Roman Bold" panose="02020603050405020304" charset="0"/>
-              </a:rPr>
-              <a:t>Testing Devices:</a:t>
-            </a:r>
-            <a:r>
-              <a:rPr kumimoji="0" lang="en-GB" sz="2200" i="0" u="none" strike="noStrike" cap="none" normalizeH="0" baseline="0" dirty="0">
-                <a:latin typeface="Times New Roman Regular" panose="02020603050405020304" charset="0"/>
-                <a:cs typeface="Times New Roman Regular" panose="02020603050405020304" charset="0"/>
-              </a:rPr>
-              <a:t> PCs, tablets, smartphones.</a:t>
-            </a:r>
-            <a:endParaRPr kumimoji="0" lang="en-GB" sz="2200" i="0" u="none" strike="noStrike" cap="none" normalizeH="0" baseline="0" dirty="0">
-              <a:latin typeface="Times New Roman Regular" panose="02020603050405020304" charset="0"/>
-              <a:cs typeface="Times New Roman Regular" panose="02020603050405020304" charset="0"/>
-            </a:endParaRPr>
-          </a:p>
-          <a:p>
-            <a:pPr marR="0" lvl="0" indent="-457200" algn="l" defTabSz="914400" rtl="0" eaLnBrk="0" fontAlgn="base" latinLnBrk="0" hangingPunct="0">
-              <a:lnSpc>
-                <a:spcPct val="160000"/>
-              </a:lnSpc>
-              <a:spcBef>
-                <a:spcPct val="0"/>
-              </a:spcBef>
-              <a:spcAft>
-                <a:spcPct val="0"/>
-              </a:spcAft>
-              <a:buClrTx/>
-              <a:buSzTx/>
-              <a:buAutoNum type="arabicPeriod"/>
-            </a:pPr>
-            <a:r>
-              <a:rPr kumimoji="0" lang="en-GB" sz="2200" b="1" i="0" u="none" strike="noStrike" cap="none" normalizeH="0" baseline="0" dirty="0">
-                <a:latin typeface="Times New Roman Bold" panose="02020603050405020304" charset="0"/>
-                <a:cs typeface="Times New Roman Bold" panose="02020603050405020304" charset="0"/>
-              </a:rPr>
-              <a:t>Software:</a:t>
-            </a:r>
-            <a:endParaRPr kumimoji="0" lang="en-GB" sz="2200" b="1" i="0" u="none" strike="noStrike" cap="none" normalizeH="0" baseline="0" dirty="0">
-              <a:latin typeface="Times New Roman Bold" panose="02020603050405020304" charset="0"/>
-              <a:cs typeface="Times New Roman Bold" panose="02020603050405020304" charset="0"/>
-            </a:endParaRPr>
-          </a:p>
-          <a:p>
-            <a:pPr marL="800100" marR="0" lvl="1" algn="l" defTabSz="914400" rtl="0" eaLnBrk="0" fontAlgn="base" latinLnBrk="0" hangingPunct="0">
-              <a:lnSpc>
-                <a:spcPct val="130000"/>
-              </a:lnSpc>
-              <a:spcBef>
-                <a:spcPct val="0"/>
-              </a:spcBef>
-              <a:spcAft>
-                <a:spcPct val="0"/>
-              </a:spcAft>
-              <a:buClrTx/>
-              <a:buSzTx/>
-            </a:pPr>
-            <a:r>
-              <a:rPr kumimoji="0" lang="en-GB" sz="2200" b="1" i="0" u="none" strike="noStrike" cap="none" normalizeH="0" baseline="0" dirty="0">
-                <a:latin typeface="Times New Roman Bold" panose="02020603050405020304" charset="0"/>
-                <a:cs typeface="Times New Roman Bold" panose="02020603050405020304" charset="0"/>
-              </a:rPr>
-              <a:t>Development:</a:t>
-            </a:r>
-            <a:r>
-              <a:rPr kumimoji="0" lang="en-GB" sz="2200" i="0" u="none" strike="noStrike" cap="none" normalizeH="0" baseline="0" dirty="0">
-                <a:latin typeface="Times New Roman Regular" panose="02020603050405020304" charset="0"/>
-                <a:cs typeface="Times New Roman Regular" panose="02020603050405020304" charset="0"/>
-              </a:rPr>
-              <a:t> VS Code, Git/GitHub.</a:t>
-            </a:r>
-            <a:endParaRPr kumimoji="0" lang="en-GB" sz="2200" i="0" u="none" strike="noStrike" cap="none" normalizeH="0" baseline="0" dirty="0">
-              <a:latin typeface="Times New Roman Regular" panose="02020603050405020304" charset="0"/>
-              <a:cs typeface="Times New Roman Regular" panose="02020603050405020304" charset="0"/>
-            </a:endParaRPr>
-          </a:p>
-          <a:p>
-            <a:pPr marL="800100" marR="0" lvl="1" algn="l" defTabSz="914400" rtl="0" eaLnBrk="0" fontAlgn="base" latinLnBrk="0" hangingPunct="0">
-              <a:lnSpc>
-                <a:spcPct val="130000"/>
-              </a:lnSpc>
-              <a:spcBef>
-                <a:spcPct val="0"/>
-              </a:spcBef>
-              <a:spcAft>
-                <a:spcPct val="0"/>
-              </a:spcAft>
-              <a:buClrTx/>
-              <a:buSzTx/>
-            </a:pPr>
-            <a:r>
-              <a:rPr kumimoji="0" lang="en-GB" sz="2200" b="1" i="0" u="none" strike="noStrike" cap="none" normalizeH="0" baseline="0" dirty="0">
-                <a:latin typeface="Times New Roman Bold" panose="02020603050405020304" charset="0"/>
-                <a:cs typeface="Times New Roman Bold" panose="02020603050405020304" charset="0"/>
-              </a:rPr>
-              <a:t>Design:</a:t>
-            </a:r>
-            <a:r>
-              <a:rPr kumimoji="0" lang="en-GB" sz="2200" i="0" u="none" strike="noStrike" cap="none" normalizeH="0" baseline="0" dirty="0">
-                <a:latin typeface="Times New Roman Regular" panose="02020603050405020304" charset="0"/>
-                <a:cs typeface="Times New Roman Regular" panose="02020603050405020304" charset="0"/>
-              </a:rPr>
-              <a:t> Adobe XD/Figma, Photoshop.</a:t>
-            </a:r>
-            <a:endParaRPr kumimoji="0" lang="en-GB" sz="2200" i="0" u="none" strike="noStrike" cap="none" normalizeH="0" baseline="0" dirty="0">
-              <a:latin typeface="Times New Roman Regular" panose="02020603050405020304" charset="0"/>
-              <a:cs typeface="Times New Roman Regular" panose="02020603050405020304" charset="0"/>
-            </a:endParaRPr>
-          </a:p>
-          <a:p>
-            <a:pPr marL="800100" marR="0" lvl="1" algn="l" defTabSz="914400" rtl="0" eaLnBrk="0" fontAlgn="base" latinLnBrk="0" hangingPunct="0">
-              <a:lnSpc>
-                <a:spcPct val="130000"/>
-              </a:lnSpc>
-              <a:spcBef>
-                <a:spcPct val="0"/>
-              </a:spcBef>
-              <a:spcAft>
-                <a:spcPct val="0"/>
-              </a:spcAft>
-              <a:buClrTx/>
-              <a:buSzTx/>
-            </a:pPr>
-            <a:r>
-              <a:rPr kumimoji="0" lang="en-GB" sz="2200" b="1" i="0" u="none" strike="noStrike" cap="none" normalizeH="0" baseline="0" dirty="0">
-                <a:latin typeface="Times New Roman Bold" panose="02020603050405020304" charset="0"/>
-                <a:cs typeface="Times New Roman Bold" panose="02020603050405020304" charset="0"/>
-              </a:rPr>
-              <a:t>Frameworks:</a:t>
-            </a:r>
-            <a:r>
-              <a:rPr kumimoji="0" lang="en-GB" sz="2200" i="0" u="none" strike="noStrike" cap="none" normalizeH="0" baseline="0" dirty="0">
-                <a:latin typeface="Times New Roman Regular" panose="02020603050405020304" charset="0"/>
-                <a:cs typeface="Times New Roman Regular" panose="02020603050405020304" charset="0"/>
-              </a:rPr>
-              <a:t> Bootstrap, SwiperJS.</a:t>
-            </a:r>
-            <a:endParaRPr kumimoji="0" lang="en-GB" sz="2200" i="0" u="none" strike="noStrike" cap="none" normalizeH="0" baseline="0" dirty="0">
-              <a:latin typeface="Times New Roman Regular" panose="02020603050405020304" charset="0"/>
-              <a:cs typeface="Times New Roman Regular" panose="02020603050405020304" charset="0"/>
-            </a:endParaRPr>
-          </a:p>
-          <a:p>
-            <a:pPr marL="800100" marR="0" lvl="1" algn="l" defTabSz="914400" rtl="0" eaLnBrk="0" fontAlgn="base" latinLnBrk="0" hangingPunct="0">
-              <a:lnSpc>
-                <a:spcPct val="130000"/>
-              </a:lnSpc>
-              <a:spcBef>
-                <a:spcPct val="0"/>
-              </a:spcBef>
-              <a:spcAft>
-                <a:spcPct val="0"/>
-              </a:spcAft>
-              <a:buClrTx/>
-              <a:buSzTx/>
-            </a:pPr>
-            <a:r>
-              <a:rPr kumimoji="0" lang="en-GB" sz="2200" b="1" i="0" u="none" strike="noStrike" cap="none" normalizeH="0" baseline="0" dirty="0">
-                <a:latin typeface="Times New Roman Bold" panose="02020603050405020304" charset="0"/>
-                <a:cs typeface="Times New Roman Bold" panose="02020603050405020304" charset="0"/>
-              </a:rPr>
-              <a:t>Database:</a:t>
-            </a:r>
-            <a:r>
-              <a:rPr kumimoji="0" lang="en-GB" sz="2200" i="0" u="none" strike="noStrike" cap="none" normalizeH="0" baseline="0" dirty="0">
-                <a:latin typeface="Times New Roman Regular" panose="02020603050405020304" charset="0"/>
-                <a:cs typeface="Times New Roman Regular" panose="02020603050405020304" charset="0"/>
-              </a:rPr>
-              <a:t> MySQL.</a:t>
-            </a:r>
-            <a:endParaRPr kumimoji="0" lang="en-GB" sz="2200" i="0" u="none" strike="noStrike" cap="none" normalizeH="0" baseline="0" dirty="0">
-              <a:latin typeface="Times New Roman Regular" panose="02020603050405020304" charset="0"/>
-              <a:cs typeface="Times New Roman Regular" panose="02020603050405020304" charset="0"/>
-            </a:endParaRPr>
-          </a:p>
-          <a:p>
-            <a:pPr marL="800100" marR="0" lvl="1" algn="l" defTabSz="914400" rtl="0" eaLnBrk="0" fontAlgn="base" latinLnBrk="0" hangingPunct="0">
-              <a:lnSpc>
-                <a:spcPct val="130000"/>
-              </a:lnSpc>
-              <a:spcBef>
-                <a:spcPct val="0"/>
-              </a:spcBef>
-              <a:spcAft>
-                <a:spcPct val="0"/>
-              </a:spcAft>
-              <a:buClrTx/>
-              <a:buSzTx/>
-            </a:pPr>
-            <a:r>
-              <a:rPr kumimoji="0" lang="en-GB" sz="2200" b="1" i="0" u="none" strike="noStrike" cap="none" normalizeH="0" baseline="0" dirty="0">
-                <a:latin typeface="Times New Roman Bold" panose="02020603050405020304" charset="0"/>
-                <a:cs typeface="Times New Roman Bold" panose="02020603050405020304" charset="0"/>
-              </a:rPr>
-              <a:t>APIs:</a:t>
-            </a:r>
-            <a:r>
-              <a:rPr kumimoji="0" lang="en-GB" sz="2200" i="0" u="none" strike="noStrike" cap="none" normalizeH="0" baseline="0" dirty="0">
-                <a:latin typeface="Times New Roman Regular" panose="02020603050405020304" charset="0"/>
-                <a:cs typeface="Times New Roman Regular" panose="02020603050405020304" charset="0"/>
-              </a:rPr>
-              <a:t> Google Maps, Payment Gateway.</a:t>
-            </a:r>
-            <a:endParaRPr kumimoji="0" lang="en-GB" sz="2200" i="0" u="none" strike="noStrike" cap="none" normalizeH="0" baseline="0" dirty="0">
-              <a:latin typeface="Times New Roman Regular" panose="02020603050405020304" charset="0"/>
-              <a:cs typeface="Times New Roman Regular" panose="02020603050405020304" charset="0"/>
-            </a:endParaRPr>
-          </a:p>
-          <a:p>
-            <a:pPr marL="342900" marR="0" lvl="0" algn="l" defTabSz="914400" rtl="0" eaLnBrk="0" fontAlgn="base" latinLnBrk="0" hangingPunct="0">
-              <a:lnSpc>
-                <a:spcPct val="130000"/>
-              </a:lnSpc>
-              <a:spcBef>
-                <a:spcPct val="0"/>
-              </a:spcBef>
-              <a:spcAft>
-                <a:spcPct val="0"/>
-              </a:spcAft>
-              <a:buClrTx/>
-              <a:buSzTx/>
-              <a:buNone/>
-            </a:pPr>
-            <a:endParaRPr kumimoji="0" lang="en-GB" sz="2200" i="0" u="none" strike="noStrike" cap="none" normalizeH="0" baseline="0" dirty="0">
-              <a:latin typeface="Times New Roman Regular" panose="02020603050405020304" charset="0"/>
-              <a:cs typeface="Times New Roman Regular" panose="02020603050405020304" charset="0"/>
-            </a:endParaRPr>
-          </a:p>
-        </p:txBody>
-      </p:sp>
-    </p:spTree>
-  </p:cSld>
-  <p:clrMapOvr>
-    <a:masterClrMapping/>
-  </p:clrMapOvr>
-</p:sld>
-</file>
-
-<file path=ppt/slides/slide6.xml><?xml version="1.0" encoding="utf-8"?>
-<p:sld xmlns:a="http://schemas.openxmlformats.org/drawingml/2006/main" xmlns:r="http://schemas.openxmlformats.org/officeDocument/2006/relationships" xmlns:p="http://schemas.openxmlformats.org/presentationml/2006/main">
-  <p:cSld>
-    <p:spTree>
-      <p:nvGrpSpPr>
-        <p:cNvPr id="1" name="Shape 198"/>
-        <p:cNvGrpSpPr/>
-        <p:nvPr/>
-      </p:nvGrpSpPr>
-      <p:grpSpPr>
-        <a:xfrm>
-          <a:off x="0" y="0"/>
-          <a:ext cx="0" cy="0"/>
-          <a:chOff x="0" y="0"/>
-          <a:chExt cx="0" cy="0"/>
-        </a:xfrm>
-      </p:grpSpPr>
-      <p:sp>
-        <p:nvSpPr>
-          <p:cNvPr id="199" name="Google Shape;199;p2"/>
-          <p:cNvSpPr txBox="1">
-            <a:spLocks noGrp="1"/>
-          </p:cNvSpPr>
-          <p:nvPr>
-            <p:ph type="title"/>
-          </p:nvPr>
-        </p:nvSpPr>
-        <p:spPr>
-          <a:xfrm>
-            <a:off x="847725" y="136525"/>
-            <a:ext cx="8865870" cy="1279525"/>
-          </a:xfrm>
-          <a:prstGeom prst="rect">
-            <a:avLst/>
-          </a:prstGeom>
-          <a:noFill/>
-          <a:ln w="9525" cap="flat" cmpd="sng">
-            <a:solidFill>
-              <a:srgbClr val="0C0C0C"/>
-            </a:solidFill>
-            <a:prstDash val="solid"/>
-            <a:round/>
-            <a:headEnd type="none" w="sm" len="sm"/>
-            <a:tailEnd type="none" w="sm" len="sm"/>
-          </a:ln>
-        </p:spPr>
-        <p:txBody>
-          <a:bodyPr spcFirstLastPara="1" wrap="square" lIns="91425" tIns="45700" rIns="91425" bIns="45700" anchor="ctr" anchorCtr="0">
-            <a:normAutofit fontScale="90000"/>
-          </a:bodyPr>
-          <a:lstStyle/>
-          <a:p>
-            <a:pPr>
-              <a:buClr>
-                <a:srgbClr val="C00000"/>
-              </a:buClr>
-              <a:buSzPts val="4000"/>
-            </a:pPr>
-            <a:r>
-              <a:rPr lang="en-US" sz="4445" dirty="0">
-                <a:solidFill>
-                  <a:srgbClr val="C00000"/>
-                </a:solidFill>
-                <a:latin typeface="Times New Roman Regular" panose="02020603050405020304" charset="0"/>
-                <a:cs typeface="Times New Roman Regular" panose="02020603050405020304" charset="0"/>
-                <a:sym typeface="+mn-ea"/>
-              </a:rPr>
-              <a:t>List of required Equipments &amp;Software</a:t>
-            </a:r>
-            <a:endParaRPr lang="en-US" sz="4445" b="1" dirty="0">
-              <a:solidFill>
-                <a:srgbClr val="C00000"/>
-              </a:solidFill>
-              <a:latin typeface="Times New Roman Regular" panose="02020603050405020304" charset="0"/>
-              <a:ea typeface="Times New Roman" panose="02020603050405020304"/>
-              <a:cs typeface="Times New Roman Regular" panose="02020603050405020304" charset="0"/>
-              <a:sym typeface="+mn-ea"/>
-            </a:endParaRPr>
-          </a:p>
-        </p:txBody>
-      </p:sp>
-      <p:sp>
-        <p:nvSpPr>
-          <p:cNvPr id="200" name="Google Shape;200;p2"/>
-          <p:cNvSpPr txBox="1">
-            <a:spLocks noGrp="1"/>
-          </p:cNvSpPr>
-          <p:nvPr>
-            <p:ph type="sldNum" idx="12"/>
-          </p:nvPr>
-        </p:nvSpPr>
-        <p:spPr>
-          <a:xfrm>
-            <a:off x="8610600" y="6356350"/>
-            <a:ext cx="2743200" cy="365125"/>
-          </a:xfrm>
-          <a:prstGeom prst="rect">
-            <a:avLst/>
-          </a:prstGeom>
-          <a:noFill/>
-          <a:ln>
-            <a:noFill/>
-          </a:ln>
-        </p:spPr>
-        <p:txBody>
-          <a:bodyPr spcFirstLastPara="1" wrap="square" lIns="91425" tIns="45700" rIns="91425" bIns="45700" anchor="ctr" anchorCtr="0">
-            <a:noAutofit/>
-          </a:bodyPr>
-          <a:lstStyle/>
-          <a:p>
-            <a:pPr marL="0" lvl="0" indent="0" algn="r" rtl="0">
-              <a:spcBef>
-                <a:spcPts val="0"/>
-              </a:spcBef>
-              <a:spcAft>
-                <a:spcPts val="0"/>
-              </a:spcAft>
-              <a:buNone/>
-            </a:pPr>
-            <a:fld id="{00000000-1234-1234-1234-123412341234}" type="slidenum">
-              <a:rPr lang="en-US">
-                <a:latin typeface="Arial" panose="020B0604020202020204"/>
-                <a:ea typeface="Arial" panose="020B0604020202020204"/>
-                <a:cs typeface="Arial" panose="020B0604020202020204"/>
-                <a:sym typeface="Arial" panose="020B0604020202020204"/>
-              </a:rPr>
-            </a:fld>
-            <a:endParaRPr>
-              <a:latin typeface="Arial" panose="020B0604020202020204"/>
-              <a:ea typeface="Arial" panose="020B0604020202020204"/>
-              <a:cs typeface="Arial" panose="020B0604020202020204"/>
-              <a:sym typeface="Arial" panose="020B0604020202020204"/>
-            </a:endParaRPr>
-          </a:p>
-        </p:txBody>
-      </p:sp>
-      <p:sp>
-        <p:nvSpPr>
-          <p:cNvPr id="3" name="Rectangle 1"/>
-          <p:cNvSpPr>
-            <a:spLocks noGrp="1" noChangeArrowheads="1"/>
-          </p:cNvSpPr>
-          <p:nvPr>
-            <p:ph type="body" idx="1"/>
-          </p:nvPr>
-        </p:nvSpPr>
-        <p:spPr bwMode="auto">
-          <a:xfrm>
-            <a:off x="718716" y="1649651"/>
-            <a:ext cx="11088863" cy="1410970"/>
-          </a:xfrm>
-          <a:prstGeom prst="rect">
-            <a:avLst/>
-          </a:prstGeom>
-          <a:noFill/>
-          <a:ln>
-            <a:noFill/>
-          </a:ln>
-          <a:effectLst/>
-          <a:extLst>
-            <a:ext uri="{909E8E84-426E-40DD-AFC4-6F175D3DCCD1}">
-              <a14:hiddenFill xmlns:a14="http://schemas.microsoft.com/office/drawing/2010/main">
-                <a:solidFill>
-                  <a:schemeClr val="accent1"/>
-                </a:solidFill>
-              </a14:hiddenFill>
-            </a:ext>
-            <a:ext uri="{91240B29-F687-4F45-9708-019B960494DF}">
-              <a14:hiddenLine xmlns:a14="http://schemas.microsoft.com/office/drawing/2010/main" w="9525">
-                <a:solidFill>
-                  <a:schemeClr val="tx1"/>
-                </a:solidFill>
-                <a:miter lim="800000"/>
-                <a:headEnd/>
-                <a:tailEnd/>
-              </a14:hiddenLine>
-            </a:ext>
-            <a:ext uri="{AF507438-7753-43E0-B8FC-AC1667EBCBE1}">
-              <a14:hiddenEffects xmlns:a14="http://schemas.microsoft.com/office/drawing/2010/main">
-                <a:effectLst>
-                  <a:outerShdw dist="35921" dir="2700000" algn="ctr" rotWithShape="0">
-                    <a:schemeClr val="bg2"/>
-                  </a:outerShdw>
-                </a:effectLst>
-              </a14:hiddenEffects>
-            </a:ext>
-          </a:extLst>
-        </p:spPr>
-        <p:txBody>
-          <a:bodyPr vert="horz" wrap="square" lIns="91440" tIns="45720" rIns="91440" bIns="45720" numCol="1" anchor="ctr" anchorCtr="0" compatLnSpc="1">
-            <a:spAutoFit/>
-          </a:bodyPr>
-          <a:lstStyle/>
-          <a:p>
-            <a:pPr marL="0" marR="0" lvl="0" indent="0" algn="l" defTabSz="914400" rtl="0" eaLnBrk="0" fontAlgn="base" latinLnBrk="0" hangingPunct="0">
-              <a:lnSpc>
-                <a:spcPct val="130000"/>
-              </a:lnSpc>
-              <a:spcBef>
-                <a:spcPct val="0"/>
-              </a:spcBef>
-              <a:spcAft>
-                <a:spcPct val="0"/>
-              </a:spcAft>
-              <a:buClrTx/>
-              <a:buSzTx/>
-              <a:buNone/>
-            </a:pPr>
-            <a:r>
-              <a:rPr kumimoji="0" lang="en-US" altLang="en-GB" sz="2200" b="1" i="0" u="none" strike="noStrike" cap="none" normalizeH="0" baseline="0" dirty="0">
-                <a:latin typeface="Times New Roman Bold" panose="02020603050405020304" charset="0"/>
-                <a:cs typeface="Times New Roman Bold" panose="02020603050405020304" charset="0"/>
-              </a:rPr>
-              <a:t>3.  </a:t>
-            </a:r>
-            <a:r>
-              <a:rPr kumimoji="0" lang="en-GB" sz="2200" b="1" i="0" u="none" strike="noStrike" cap="none" normalizeH="0" baseline="0" dirty="0">
-                <a:latin typeface="Times New Roman Bold" panose="02020603050405020304" charset="0"/>
-                <a:cs typeface="Times New Roman Bold" panose="02020603050405020304" charset="0"/>
-              </a:rPr>
-              <a:t>Testing &amp; Analytics:</a:t>
-            </a:r>
-            <a:endParaRPr kumimoji="0" lang="en-GB" sz="2200" b="1" i="0" u="none" strike="noStrike" cap="none" normalizeH="0" baseline="0" dirty="0">
-              <a:latin typeface="Times New Roman Bold" panose="02020603050405020304" charset="0"/>
-              <a:cs typeface="Times New Roman Bold" panose="02020603050405020304" charset="0"/>
-            </a:endParaRPr>
-          </a:p>
-          <a:p>
-            <a:pPr marL="800100" marR="0" lvl="1" algn="l" defTabSz="914400" rtl="0" eaLnBrk="0" fontAlgn="base" latinLnBrk="0" hangingPunct="0">
-              <a:lnSpc>
-                <a:spcPct val="130000"/>
-              </a:lnSpc>
-              <a:spcBef>
-                <a:spcPct val="0"/>
-              </a:spcBef>
-              <a:spcAft>
-                <a:spcPct val="0"/>
-              </a:spcAft>
-              <a:buClrTx/>
-              <a:buSzTx/>
-            </a:pPr>
-            <a:r>
-              <a:rPr kumimoji="0" lang="en-GB" sz="2200" b="1" i="0" u="none" strike="noStrike" cap="none" normalizeH="0" baseline="0" dirty="0">
-                <a:latin typeface="Times New Roman Bold" panose="02020603050405020304" charset="0"/>
-                <a:cs typeface="Times New Roman Bold" panose="02020603050405020304" charset="0"/>
-              </a:rPr>
-              <a:t>Analytics:</a:t>
-            </a:r>
-            <a:r>
-              <a:rPr kumimoji="0" lang="en-GB" sz="2200" i="0" u="none" strike="noStrike" cap="none" normalizeH="0" baseline="0" dirty="0">
-                <a:latin typeface="Times New Roman Regular" panose="02020603050405020304" charset="0"/>
-                <a:cs typeface="Times New Roman Regular" panose="02020603050405020304" charset="0"/>
-              </a:rPr>
-              <a:t> Google Analytics.</a:t>
-            </a:r>
-            <a:endParaRPr kumimoji="0" lang="en-GB" sz="2200" i="0" u="none" strike="noStrike" cap="none" normalizeH="0" baseline="0" dirty="0">
-              <a:latin typeface="Times New Roman Regular" panose="02020603050405020304" charset="0"/>
-              <a:cs typeface="Times New Roman Regular" panose="02020603050405020304" charset="0"/>
-            </a:endParaRPr>
-          </a:p>
-          <a:p>
-            <a:pPr marL="800100" marR="0" lvl="1" algn="l" defTabSz="914400" rtl="0" eaLnBrk="0" fontAlgn="base" latinLnBrk="0" hangingPunct="0">
-              <a:lnSpc>
-                <a:spcPct val="130000"/>
-              </a:lnSpc>
-              <a:spcBef>
-                <a:spcPct val="0"/>
-              </a:spcBef>
-              <a:spcAft>
-                <a:spcPct val="0"/>
-              </a:spcAft>
-              <a:buClrTx/>
-              <a:buSzTx/>
-            </a:pPr>
-            <a:r>
-              <a:rPr kumimoji="0" lang="en-GB" sz="2200" b="1" i="0" u="none" strike="noStrike" cap="none" normalizeH="0" baseline="0" dirty="0">
-                <a:latin typeface="Times New Roman Bold" panose="02020603050405020304" charset="0"/>
-                <a:cs typeface="Times New Roman Bold" panose="02020603050405020304" charset="0"/>
-              </a:rPr>
-              <a:t>Project Management:</a:t>
-            </a:r>
-            <a:r>
-              <a:rPr kumimoji="0" lang="en-GB" sz="2200" i="0" u="none" strike="noStrike" cap="none" normalizeH="0" baseline="0" dirty="0">
-                <a:latin typeface="Times New Roman Regular" panose="02020603050405020304" charset="0"/>
-                <a:cs typeface="Times New Roman Regular" panose="02020603050405020304" charset="0"/>
-              </a:rPr>
-              <a:t> JIRA/Trello.</a:t>
-            </a:r>
-            <a:endParaRPr kumimoji="0" lang="en-GB" sz="2200" i="0" u="none" strike="noStrike" cap="none" normalizeH="0" baseline="0" dirty="0">
-              <a:latin typeface="Times New Roman Regular" panose="02020603050405020304" charset="0"/>
-              <a:cs typeface="Times New Roman Regular" panose="02020603050405020304" charset="0"/>
-            </a:endParaRPr>
-          </a:p>
-        </p:txBody>
-      </p:sp>
-    </p:spTree>
-  </p:cSld>
-  <p:clrMapOvr>
-    <a:masterClrMapping/>
-  </p:clrMapOvr>
-</p:sld>
-</file>
-
-<file path=ppt/slides/slide7.xml><?xml version="1.0" encoding="utf-8"?>
-<p:sld xmlns:a="http://schemas.openxmlformats.org/drawingml/2006/main" xmlns:r="http://schemas.openxmlformats.org/officeDocument/2006/relationships" xmlns:p="http://schemas.openxmlformats.org/presentationml/2006/main">
-  <p:cSld>
-    <p:spTree>
-      <p:nvGrpSpPr>
-        <p:cNvPr id="1" name="Shape 198"/>
-        <p:cNvGrpSpPr/>
-        <p:nvPr/>
-      </p:nvGrpSpPr>
-      <p:grpSpPr>
-        <a:xfrm>
-          <a:off x="0" y="0"/>
-          <a:ext cx="0" cy="0"/>
-          <a:chOff x="0" y="0"/>
-          <a:chExt cx="0" cy="0"/>
-        </a:xfrm>
-      </p:grpSpPr>
-      <p:sp>
-        <p:nvSpPr>
-          <p:cNvPr id="199" name="Google Shape;199;p2"/>
-          <p:cNvSpPr txBox="1">
-            <a:spLocks noGrp="1"/>
-          </p:cNvSpPr>
-          <p:nvPr>
-            <p:ph type="title"/>
-          </p:nvPr>
-        </p:nvSpPr>
-        <p:spPr>
-          <a:xfrm>
-            <a:off x="847531" y="136525"/>
-            <a:ext cx="8646459" cy="1279527"/>
-          </a:xfrm>
-          <a:prstGeom prst="rect">
-            <a:avLst/>
-          </a:prstGeom>
-          <a:noFill/>
-          <a:ln w="9525" cap="flat" cmpd="sng">
-            <a:solidFill>
-              <a:srgbClr val="0C0C0C"/>
-            </a:solidFill>
-            <a:prstDash val="solid"/>
-            <a:round/>
-            <a:headEnd type="none" w="sm" len="sm"/>
-            <a:tailEnd type="none" w="sm" len="sm"/>
-          </a:ln>
-        </p:spPr>
-        <p:txBody>
-          <a:bodyPr spcFirstLastPara="1" wrap="square" lIns="91425" tIns="45700" rIns="91425" bIns="45700" anchor="ctr" anchorCtr="0">
-            <a:normAutofit/>
-          </a:bodyPr>
-          <a:lstStyle/>
-          <a:p>
-            <a:pPr>
-              <a:buClr>
-                <a:srgbClr val="C00000"/>
-              </a:buClr>
-              <a:buSzPts val="4000"/>
-            </a:pPr>
-            <a:r>
-              <a:rPr lang="en-US" sz="4000" dirty="0">
-                <a:solidFill>
-                  <a:srgbClr val="C00000"/>
-                </a:solidFill>
-                <a:latin typeface="Times New Roman Regular" panose="02020603050405020304" charset="0"/>
-                <a:cs typeface="Times New Roman Regular" panose="02020603050405020304" charset="0"/>
-                <a:sym typeface="+mn-ea"/>
-              </a:rPr>
-              <a:t>Research Methodology</a:t>
-            </a:r>
-            <a:endParaRPr lang="en-US" sz="4000" b="1" dirty="0">
-              <a:solidFill>
-                <a:srgbClr val="C00000"/>
-              </a:solidFill>
-              <a:latin typeface="Times New Roman Regular" panose="02020603050405020304" charset="0"/>
-              <a:ea typeface="Times New Roman" panose="02020603050405020304"/>
-              <a:cs typeface="Times New Roman Regular" panose="02020603050405020304" charset="0"/>
-              <a:sym typeface="+mn-ea"/>
-            </a:endParaRPr>
-          </a:p>
-        </p:txBody>
-      </p:sp>
-      <p:sp>
-        <p:nvSpPr>
-          <p:cNvPr id="200" name="Google Shape;200;p2"/>
-          <p:cNvSpPr txBox="1">
-            <a:spLocks noGrp="1"/>
-          </p:cNvSpPr>
-          <p:nvPr>
-            <p:ph type="sldNum" idx="12"/>
-          </p:nvPr>
-        </p:nvSpPr>
-        <p:spPr>
-          <a:xfrm>
-            <a:off x="8610600" y="6356350"/>
-            <a:ext cx="2743200" cy="365125"/>
-          </a:xfrm>
-          <a:prstGeom prst="rect">
-            <a:avLst/>
-          </a:prstGeom>
-          <a:noFill/>
-          <a:ln>
-            <a:noFill/>
-          </a:ln>
-        </p:spPr>
-        <p:txBody>
-          <a:bodyPr spcFirstLastPara="1" wrap="square" lIns="91425" tIns="45700" rIns="91425" bIns="45700" anchor="ctr" anchorCtr="0">
-            <a:noAutofit/>
-          </a:bodyPr>
-          <a:lstStyle/>
-          <a:p>
-            <a:pPr marL="0" lvl="0" indent="0" algn="r" rtl="0">
-              <a:spcBef>
-                <a:spcPts val="0"/>
-              </a:spcBef>
-              <a:spcAft>
-                <a:spcPts val="0"/>
-              </a:spcAft>
-              <a:buNone/>
-            </a:pPr>
-            <a:fld id="{00000000-1234-1234-1234-123412341234}" type="slidenum">
-              <a:rPr lang="en-US">
-                <a:latin typeface="Arial" panose="020B0604020202020204"/>
-                <a:ea typeface="Arial" panose="020B0604020202020204"/>
-                <a:cs typeface="Arial" panose="020B0604020202020204"/>
-                <a:sym typeface="Arial" panose="020B0604020202020204"/>
-              </a:rPr>
-            </a:fld>
-            <a:endParaRPr>
-              <a:latin typeface="Arial" panose="020B0604020202020204"/>
-              <a:ea typeface="Arial" panose="020B0604020202020204"/>
-              <a:cs typeface="Arial" panose="020B0604020202020204"/>
-              <a:sym typeface="Arial" panose="020B0604020202020204"/>
-            </a:endParaRPr>
-          </a:p>
-        </p:txBody>
-      </p:sp>
-      <p:sp>
-        <p:nvSpPr>
-          <p:cNvPr id="3" name="Rectangle 1"/>
-          <p:cNvSpPr>
-            <a:spLocks noGrp="1" noChangeArrowheads="1"/>
-          </p:cNvSpPr>
-          <p:nvPr>
-            <p:ph type="body" idx="1"/>
-          </p:nvPr>
-        </p:nvSpPr>
-        <p:spPr bwMode="auto">
-          <a:xfrm>
-            <a:off x="580523" y="1607543"/>
-            <a:ext cx="10488529" cy="4356100"/>
-          </a:xfrm>
-          <a:prstGeom prst="rect">
-            <a:avLst/>
-          </a:prstGeom>
-          <a:noFill/>
-          <a:ln>
-            <a:noFill/>
-          </a:ln>
-          <a:effectLst/>
-          <a:extLst>
-            <a:ext uri="{909E8E84-426E-40DD-AFC4-6F175D3DCCD1}">
-              <a14:hiddenFill xmlns:a14="http://schemas.microsoft.com/office/drawing/2010/main">
-                <a:solidFill>
-                  <a:schemeClr val="accent1"/>
-                </a:solidFill>
-              </a14:hiddenFill>
-            </a:ext>
-            <a:ext uri="{91240B29-F687-4F45-9708-019B960494DF}">
-              <a14:hiddenLine xmlns:a14="http://schemas.microsoft.com/office/drawing/2010/main" w="9525">
-                <a:solidFill>
-                  <a:schemeClr val="tx1"/>
-                </a:solidFill>
-                <a:miter lim="800000"/>
-                <a:headEnd/>
-                <a:tailEnd/>
-              </a14:hiddenLine>
-            </a:ext>
-            <a:ext uri="{AF507438-7753-43E0-B8FC-AC1667EBCBE1}">
-              <a14:hiddenEffects xmlns:a14="http://schemas.microsoft.com/office/drawing/2010/main">
-                <a:effectLst>
-                  <a:outerShdw dist="35921" dir="2700000" algn="ctr" rotWithShape="0">
-                    <a:schemeClr val="bg2"/>
-                  </a:outerShdw>
-                </a:effectLst>
-              </a14:hiddenEffects>
-            </a:ext>
-          </a:extLst>
-        </p:spPr>
-        <p:txBody>
-          <a:bodyPr vert="horz" wrap="square" lIns="91440" tIns="45720" rIns="91440" bIns="45720" numCol="1" anchor="ctr" anchorCtr="0" compatLnSpc="1">
-            <a:spAutoFit/>
-          </a:bodyPr>
-          <a:lstStyle/>
-          <a:p>
-            <a:pPr marR="0" lvl="0" indent="-457200" algn="l" defTabSz="914400" rtl="0" eaLnBrk="0" fontAlgn="base" latinLnBrk="0" hangingPunct="0">
-              <a:lnSpc>
-                <a:spcPct val="140000"/>
-              </a:lnSpc>
-              <a:spcBef>
-                <a:spcPct val="0"/>
-              </a:spcBef>
-              <a:spcAft>
-                <a:spcPct val="0"/>
-              </a:spcAft>
-              <a:buClrTx/>
-              <a:buSzTx/>
-              <a:buAutoNum type="arabicPeriod"/>
-            </a:pPr>
-            <a:r>
-              <a:rPr lang="en-GB" sz="2200" b="1" dirty="0">
-                <a:latin typeface="Times New Roman Bold" panose="02020603050405020304" charset="0"/>
-                <a:cs typeface="Times New Roman Bold" panose="02020603050405020304" charset="0"/>
-              </a:rPr>
-              <a:t>Literature Review:</a:t>
-            </a:r>
-            <a:endParaRPr lang="en-GB" sz="2200" b="1" dirty="0">
-              <a:latin typeface="Times New Roman Bold" panose="02020603050405020304" charset="0"/>
-              <a:cs typeface="Times New Roman Bold" panose="02020603050405020304" charset="0"/>
-            </a:endParaRPr>
-          </a:p>
-          <a:p>
-            <a:pPr marR="0" lvl="1" indent="-457200" algn="l" defTabSz="914400" rtl="0" eaLnBrk="0" fontAlgn="base" latinLnBrk="0" hangingPunct="0">
-              <a:lnSpc>
-                <a:spcPct val="140000"/>
-              </a:lnSpc>
-              <a:spcBef>
-                <a:spcPct val="0"/>
-              </a:spcBef>
-              <a:spcAft>
-                <a:spcPct val="0"/>
-              </a:spcAft>
-              <a:buClrTx/>
-              <a:buSzTx/>
-            </a:pPr>
-            <a:r>
-              <a:rPr lang="en-GB" sz="2200" dirty="0">
-                <a:latin typeface="Times New Roman Regular" panose="02020603050405020304" charset="0"/>
-                <a:cs typeface="Times New Roman Regular" panose="02020603050405020304" charset="0"/>
-              </a:rPr>
-              <a:t>Analyzed existing studies on niche e-commerce, user preferences, and market trends.</a:t>
-            </a:r>
-            <a:endParaRPr lang="en-GB" sz="2200" dirty="0">
-              <a:latin typeface="Times New Roman Regular" panose="02020603050405020304" charset="0"/>
-              <a:cs typeface="Times New Roman Regular" panose="02020603050405020304" charset="0"/>
-            </a:endParaRPr>
-          </a:p>
-          <a:p>
-            <a:pPr marR="0" lvl="0" indent="-457200" algn="l" defTabSz="914400" rtl="0" eaLnBrk="0" fontAlgn="base" latinLnBrk="0" hangingPunct="0">
-              <a:lnSpc>
-                <a:spcPct val="140000"/>
-              </a:lnSpc>
-              <a:spcBef>
-                <a:spcPct val="0"/>
-              </a:spcBef>
-              <a:spcAft>
-                <a:spcPct val="0"/>
-              </a:spcAft>
-              <a:buClrTx/>
-              <a:buSzTx/>
-              <a:buAutoNum type="arabicPeriod"/>
-            </a:pPr>
-            <a:r>
-              <a:rPr lang="en-GB" sz="2200" b="1" dirty="0">
-                <a:latin typeface="Times New Roman Bold" panose="02020603050405020304" charset="0"/>
-                <a:cs typeface="Times New Roman Bold" panose="02020603050405020304" charset="0"/>
-              </a:rPr>
-              <a:t>Market Analysis:</a:t>
-            </a:r>
-            <a:endParaRPr lang="en-GB" sz="2200" b="1" dirty="0">
-              <a:latin typeface="Times New Roman Bold" panose="02020603050405020304" charset="0"/>
-              <a:cs typeface="Times New Roman Bold" panose="02020603050405020304" charset="0"/>
-            </a:endParaRPr>
-          </a:p>
-          <a:p>
-            <a:pPr marL="800100" marR="0" lvl="1" algn="l" defTabSz="914400" rtl="0" eaLnBrk="0" fontAlgn="base" latinLnBrk="0" hangingPunct="0">
-              <a:lnSpc>
-                <a:spcPct val="140000"/>
-              </a:lnSpc>
-              <a:spcBef>
-                <a:spcPct val="0"/>
-              </a:spcBef>
-              <a:spcAft>
-                <a:spcPct val="0"/>
-              </a:spcAft>
-              <a:buClrTx/>
-              <a:buSzTx/>
-            </a:pPr>
-            <a:r>
-              <a:rPr lang="en-GB" sz="2200" dirty="0">
-                <a:latin typeface="Times New Roman Regular" panose="02020603050405020304" charset="0"/>
-                <a:cs typeface="Times New Roman Regular" panose="02020603050405020304" charset="0"/>
-              </a:rPr>
-              <a:t>Conducted surveys and focus groups to understand target audience needs (gamers, designers, office users).</a:t>
-            </a:r>
-            <a:endParaRPr lang="en-GB" sz="2200" dirty="0">
-              <a:latin typeface="Times New Roman Regular" panose="02020603050405020304" charset="0"/>
-              <a:cs typeface="Times New Roman Regular" panose="02020603050405020304" charset="0"/>
-            </a:endParaRPr>
-          </a:p>
-          <a:p>
-            <a:pPr marR="0" lvl="0" indent="-457200" algn="l" defTabSz="914400" rtl="0" eaLnBrk="0" fontAlgn="base" latinLnBrk="0" hangingPunct="0">
-              <a:lnSpc>
-                <a:spcPct val="140000"/>
-              </a:lnSpc>
-              <a:spcBef>
-                <a:spcPct val="0"/>
-              </a:spcBef>
-              <a:spcAft>
-                <a:spcPct val="0"/>
-              </a:spcAft>
-              <a:buClrTx/>
-              <a:buSzTx/>
-              <a:buAutoNum type="arabicPeriod"/>
-            </a:pPr>
-            <a:r>
-              <a:rPr lang="en-GB" sz="2200" b="1" dirty="0">
-                <a:latin typeface="Times New Roman Bold" panose="02020603050405020304" charset="0"/>
-                <a:cs typeface="Times New Roman Bold" panose="02020603050405020304" charset="0"/>
-              </a:rPr>
-              <a:t>Prototype Development:</a:t>
-            </a:r>
-            <a:endParaRPr lang="en-GB" sz="2200" b="1" dirty="0">
-              <a:latin typeface="Times New Roman Bold" panose="02020603050405020304" charset="0"/>
-              <a:cs typeface="Times New Roman Bold" panose="02020603050405020304" charset="0"/>
-            </a:endParaRPr>
-          </a:p>
-          <a:p>
-            <a:pPr marR="0" lvl="1" indent="-457200" algn="l" defTabSz="914400" rtl="0" eaLnBrk="0" fontAlgn="base" latinLnBrk="0" hangingPunct="0">
-              <a:lnSpc>
-                <a:spcPct val="140000"/>
-              </a:lnSpc>
-              <a:spcBef>
-                <a:spcPct val="0"/>
-              </a:spcBef>
-              <a:spcAft>
-                <a:spcPct val="0"/>
-              </a:spcAft>
-              <a:buClrTx/>
-              <a:buSzTx/>
-            </a:pPr>
-            <a:r>
-              <a:rPr lang="en-GB" sz="2200" dirty="0">
-                <a:latin typeface="Times New Roman Regular" panose="02020603050405020304" charset="0"/>
-                <a:cs typeface="Times New Roman Regular" panose="02020603050405020304" charset="0"/>
-              </a:rPr>
-              <a:t>Created a functional prototype for user testing.</a:t>
-            </a:r>
-            <a:endParaRPr lang="en-GB" sz="2200" dirty="0">
-              <a:latin typeface="Times New Roman Regular" panose="02020603050405020304" charset="0"/>
-              <a:cs typeface="Times New Roman Regular" panose="02020603050405020304" charset="0"/>
-            </a:endParaRPr>
-          </a:p>
-          <a:p>
-            <a:pPr marL="342900" marR="0" lvl="0" algn="l" defTabSz="914400" rtl="0" eaLnBrk="0" fontAlgn="base" latinLnBrk="0" hangingPunct="0">
-              <a:lnSpc>
-                <a:spcPct val="140000"/>
-              </a:lnSpc>
-              <a:spcBef>
-                <a:spcPct val="0"/>
-              </a:spcBef>
-              <a:spcAft>
-                <a:spcPct val="0"/>
-              </a:spcAft>
-              <a:buClrTx/>
-              <a:buSzTx/>
-              <a:buNone/>
-            </a:pPr>
-            <a:endParaRPr lang="en-GB" sz="2200" dirty="0">
-              <a:latin typeface="Times New Roman Regular" panose="02020603050405020304" charset="0"/>
-              <a:cs typeface="Times New Roman Regular" panose="02020603050405020304" charset="0"/>
-            </a:endParaRPr>
-          </a:p>
-        </p:txBody>
-      </p:sp>
-    </p:spTree>
-  </p:cSld>
-  <p:clrMapOvr>
-    <a:masterClrMapping/>
-  </p:clrMapOvr>
-</p:sld>
-</file>
-
-<file path=ppt/slides/slide8.xml><?xml version="1.0" encoding="utf-8"?>
-<p:sld xmlns:a="http://schemas.openxmlformats.org/drawingml/2006/main" xmlns:r="http://schemas.openxmlformats.org/officeDocument/2006/relationships" xmlns:p="http://schemas.openxmlformats.org/presentationml/2006/main">
-  <p:cSld>
-    <p:spTree>
-      <p:nvGrpSpPr>
-        <p:cNvPr id="1" name="Shape 198"/>
-        <p:cNvGrpSpPr/>
-        <p:nvPr/>
-      </p:nvGrpSpPr>
-      <p:grpSpPr>
-        <a:xfrm>
-          <a:off x="0" y="0"/>
-          <a:ext cx="0" cy="0"/>
-          <a:chOff x="0" y="0"/>
-          <a:chExt cx="0" cy="0"/>
-        </a:xfrm>
-      </p:grpSpPr>
-      <p:sp>
-        <p:nvSpPr>
-          <p:cNvPr id="199" name="Google Shape;199;p2"/>
-          <p:cNvSpPr txBox="1">
-            <a:spLocks noGrp="1"/>
-          </p:cNvSpPr>
-          <p:nvPr>
-            <p:ph type="title"/>
-          </p:nvPr>
-        </p:nvSpPr>
-        <p:spPr>
-          <a:xfrm>
-            <a:off x="847531" y="136525"/>
-            <a:ext cx="8646459" cy="1279527"/>
-          </a:xfrm>
-          <a:prstGeom prst="rect">
-            <a:avLst/>
-          </a:prstGeom>
-          <a:noFill/>
-          <a:ln w="9525" cap="flat" cmpd="sng">
-            <a:solidFill>
-              <a:srgbClr val="0C0C0C"/>
-            </a:solidFill>
-            <a:prstDash val="solid"/>
-            <a:round/>
-            <a:headEnd type="none" w="sm" len="sm"/>
-            <a:tailEnd type="none" w="sm" len="sm"/>
-          </a:ln>
-        </p:spPr>
-        <p:txBody>
-          <a:bodyPr spcFirstLastPara="1" wrap="square" lIns="91425" tIns="45700" rIns="91425" bIns="45700" anchor="ctr" anchorCtr="0">
-            <a:normAutofit/>
-          </a:bodyPr>
-          <a:lstStyle/>
-          <a:p>
-            <a:pPr>
-              <a:buClr>
-                <a:srgbClr val="C00000"/>
-              </a:buClr>
-              <a:buSzPts val="4000"/>
-            </a:pPr>
-            <a:r>
-              <a:rPr lang="en-US" sz="4000" dirty="0">
-                <a:solidFill>
-                  <a:srgbClr val="C00000"/>
-                </a:solidFill>
-                <a:latin typeface="Times New Roman Regular" panose="02020603050405020304" charset="0"/>
-                <a:cs typeface="Times New Roman Regular" panose="02020603050405020304" charset="0"/>
-                <a:sym typeface="+mn-ea"/>
-              </a:rPr>
-              <a:t>Research Methodology</a:t>
-            </a:r>
-            <a:endParaRPr lang="en-US" sz="4000" b="1" dirty="0">
-              <a:solidFill>
-                <a:srgbClr val="C00000"/>
-              </a:solidFill>
-              <a:latin typeface="Times New Roman Regular" panose="02020603050405020304" charset="0"/>
-              <a:ea typeface="Times New Roman" panose="02020603050405020304"/>
-              <a:cs typeface="Times New Roman Regular" panose="02020603050405020304" charset="0"/>
-              <a:sym typeface="+mn-ea"/>
-            </a:endParaRPr>
-          </a:p>
-        </p:txBody>
-      </p:sp>
-      <p:sp>
-        <p:nvSpPr>
-          <p:cNvPr id="200" name="Google Shape;200;p2"/>
-          <p:cNvSpPr txBox="1">
-            <a:spLocks noGrp="1"/>
-          </p:cNvSpPr>
-          <p:nvPr>
-            <p:ph type="sldNum" idx="12"/>
-          </p:nvPr>
-        </p:nvSpPr>
-        <p:spPr>
-          <a:xfrm>
-            <a:off x="8610600" y="6356350"/>
-            <a:ext cx="2743200" cy="365125"/>
-          </a:xfrm>
-          <a:prstGeom prst="rect">
-            <a:avLst/>
-          </a:prstGeom>
-          <a:noFill/>
-          <a:ln>
-            <a:noFill/>
-          </a:ln>
-        </p:spPr>
-        <p:txBody>
-          <a:bodyPr spcFirstLastPara="1" wrap="square" lIns="91425" tIns="45700" rIns="91425" bIns="45700" anchor="ctr" anchorCtr="0">
-            <a:noAutofit/>
-          </a:bodyPr>
-          <a:lstStyle/>
-          <a:p>
-            <a:pPr marL="0" lvl="0" indent="0" algn="r" rtl="0">
-              <a:spcBef>
-                <a:spcPts val="0"/>
-              </a:spcBef>
-              <a:spcAft>
-                <a:spcPts val="0"/>
-              </a:spcAft>
-              <a:buNone/>
-            </a:pPr>
-            <a:fld id="{00000000-1234-1234-1234-123412341234}" type="slidenum">
-              <a:rPr lang="en-US">
-                <a:latin typeface="Arial" panose="020B0604020202020204"/>
-                <a:ea typeface="Arial" panose="020B0604020202020204"/>
-                <a:cs typeface="Arial" panose="020B0604020202020204"/>
-                <a:sym typeface="Arial" panose="020B0604020202020204"/>
-              </a:rPr>
-            </a:fld>
-            <a:endParaRPr>
-              <a:latin typeface="Arial" panose="020B0604020202020204"/>
-              <a:ea typeface="Arial" panose="020B0604020202020204"/>
-              <a:cs typeface="Arial" panose="020B0604020202020204"/>
-              <a:sym typeface="Arial" panose="020B0604020202020204"/>
-            </a:endParaRPr>
-          </a:p>
-        </p:txBody>
-      </p:sp>
-      <p:sp>
-        <p:nvSpPr>
-          <p:cNvPr id="3" name="Rectangle 1"/>
-          <p:cNvSpPr>
-            <a:spLocks noGrp="1" noChangeArrowheads="1"/>
-          </p:cNvSpPr>
-          <p:nvPr>
-            <p:ph type="body" idx="1"/>
-          </p:nvPr>
-        </p:nvSpPr>
-        <p:spPr bwMode="auto">
-          <a:xfrm>
-            <a:off x="580523" y="1724700"/>
-            <a:ext cx="10488529" cy="3408045"/>
-          </a:xfrm>
-          <a:prstGeom prst="rect">
-            <a:avLst/>
-          </a:prstGeom>
-          <a:noFill/>
-          <a:ln>
-            <a:noFill/>
-          </a:ln>
-          <a:effectLst/>
-          <a:extLst>
-            <a:ext uri="{909E8E84-426E-40DD-AFC4-6F175D3DCCD1}">
-              <a14:hiddenFill xmlns:a14="http://schemas.microsoft.com/office/drawing/2010/main">
-                <a:solidFill>
-                  <a:schemeClr val="accent1"/>
-                </a:solidFill>
-              </a14:hiddenFill>
-            </a:ext>
-            <a:ext uri="{91240B29-F687-4F45-9708-019B960494DF}">
-              <a14:hiddenLine xmlns:a14="http://schemas.microsoft.com/office/drawing/2010/main" w="9525">
-                <a:solidFill>
-                  <a:schemeClr val="tx1"/>
-                </a:solidFill>
-                <a:miter lim="800000"/>
-                <a:headEnd/>
-                <a:tailEnd/>
-              </a14:hiddenLine>
-            </a:ext>
-            <a:ext uri="{AF507438-7753-43E0-B8FC-AC1667EBCBE1}">
-              <a14:hiddenEffects xmlns:a14="http://schemas.microsoft.com/office/drawing/2010/main">
-                <a:effectLst>
-                  <a:outerShdw dist="35921" dir="2700000" algn="ctr" rotWithShape="0">
-                    <a:schemeClr val="bg2"/>
-                  </a:outerShdw>
-                </a:effectLst>
-              </a14:hiddenEffects>
-            </a:ext>
-          </a:extLst>
-        </p:spPr>
-        <p:txBody>
-          <a:bodyPr vert="horz" wrap="square" lIns="91440" tIns="45720" rIns="91440" bIns="45720" numCol="1" anchor="ctr" anchorCtr="0" compatLnSpc="1">
-            <a:spAutoFit/>
-          </a:bodyPr>
-          <a:lstStyle/>
-          <a:p>
-            <a:pPr marL="0" marR="0" lvl="0" indent="0" algn="l" defTabSz="914400" rtl="0" eaLnBrk="0" fontAlgn="base" latinLnBrk="0" hangingPunct="0">
-              <a:lnSpc>
-                <a:spcPct val="140000"/>
-              </a:lnSpc>
-              <a:spcBef>
-                <a:spcPct val="0"/>
-              </a:spcBef>
-              <a:spcAft>
-                <a:spcPct val="0"/>
-              </a:spcAft>
-              <a:buClrTx/>
-              <a:buSzTx/>
-              <a:buNone/>
-            </a:pPr>
-            <a:r>
-              <a:rPr lang="en-US" altLang="en-GB" sz="2200" b="1" dirty="0">
-                <a:latin typeface="Times New Roman Bold" panose="02020603050405020304" charset="0"/>
-                <a:cs typeface="Times New Roman Bold" panose="02020603050405020304" charset="0"/>
-              </a:rPr>
-              <a:t>4.   </a:t>
-            </a:r>
-            <a:r>
-              <a:rPr lang="en-GB" sz="2200" b="1" dirty="0">
-                <a:latin typeface="Times New Roman Bold" panose="02020603050405020304" charset="0"/>
-                <a:cs typeface="Times New Roman Bold" panose="02020603050405020304" charset="0"/>
-              </a:rPr>
-              <a:t>User Testing:</a:t>
-            </a:r>
-            <a:endParaRPr lang="en-GB" sz="2200" b="1" dirty="0">
-              <a:latin typeface="Times New Roman Bold" panose="02020603050405020304" charset="0"/>
-              <a:cs typeface="Times New Roman Bold" panose="02020603050405020304" charset="0"/>
-            </a:endParaRPr>
-          </a:p>
-          <a:p>
-            <a:pPr marR="0" lvl="1" indent="-457200" algn="l" defTabSz="914400" rtl="0" eaLnBrk="0" fontAlgn="base" latinLnBrk="0" hangingPunct="0">
-              <a:lnSpc>
-                <a:spcPct val="140000"/>
-              </a:lnSpc>
-              <a:spcBef>
-                <a:spcPct val="0"/>
-              </a:spcBef>
-              <a:spcAft>
-                <a:spcPct val="0"/>
-              </a:spcAft>
-              <a:buClrTx/>
-              <a:buSzTx/>
-            </a:pPr>
-            <a:r>
-              <a:rPr lang="en-GB" sz="2200" dirty="0">
-                <a:latin typeface="Times New Roman Regular" panose="02020603050405020304" charset="0"/>
-                <a:cs typeface="Times New Roman Regular" panose="02020603050405020304" charset="0"/>
-              </a:rPr>
-              <a:t>Performed usability tests with target users to gather feedback on design and functionality.</a:t>
-            </a:r>
-            <a:endParaRPr lang="en-GB" sz="2200" dirty="0">
-              <a:latin typeface="Times New Roman Regular" panose="02020603050405020304" charset="0"/>
-              <a:cs typeface="Times New Roman Regular" panose="02020603050405020304" charset="0"/>
-            </a:endParaRPr>
-          </a:p>
-          <a:p>
-            <a:pPr marL="0" marR="0" lvl="0" indent="0" algn="l" defTabSz="914400" rtl="0" eaLnBrk="0" fontAlgn="base" latinLnBrk="0" hangingPunct="0">
-              <a:lnSpc>
-                <a:spcPct val="140000"/>
-              </a:lnSpc>
-              <a:spcBef>
-                <a:spcPct val="0"/>
-              </a:spcBef>
-              <a:spcAft>
-                <a:spcPct val="0"/>
-              </a:spcAft>
-              <a:buClrTx/>
-              <a:buSzTx/>
-              <a:buNone/>
-            </a:pPr>
-            <a:r>
-              <a:rPr lang="en-US" altLang="en-GB" sz="2200" b="1" dirty="0">
-                <a:latin typeface="Times New Roman Bold" panose="02020603050405020304" charset="0"/>
-                <a:cs typeface="Times New Roman Bold" panose="02020603050405020304" charset="0"/>
-              </a:rPr>
-              <a:t>5.   </a:t>
-            </a:r>
-            <a:r>
-              <a:rPr lang="en-GB" sz="2200" b="1" dirty="0">
-                <a:latin typeface="Times New Roman Bold" panose="02020603050405020304" charset="0"/>
-                <a:cs typeface="Times New Roman Bold" panose="02020603050405020304" charset="0"/>
-              </a:rPr>
-              <a:t>Data Analysis:</a:t>
-            </a:r>
-            <a:endParaRPr lang="en-GB" sz="2200" b="1" dirty="0">
-              <a:latin typeface="Times New Roman Bold" panose="02020603050405020304" charset="0"/>
-              <a:cs typeface="Times New Roman Bold" panose="02020603050405020304" charset="0"/>
-            </a:endParaRPr>
-          </a:p>
-          <a:p>
-            <a:pPr marL="800100" marR="0" lvl="1" algn="l" defTabSz="914400" rtl="0" eaLnBrk="0" fontAlgn="base" latinLnBrk="0" hangingPunct="0">
-              <a:lnSpc>
-                <a:spcPct val="140000"/>
-              </a:lnSpc>
-              <a:spcBef>
-                <a:spcPct val="0"/>
-              </a:spcBef>
-              <a:spcAft>
-                <a:spcPct val="0"/>
-              </a:spcAft>
-              <a:buClrTx/>
-              <a:buSzTx/>
-            </a:pPr>
-            <a:r>
-              <a:rPr lang="en-GB" sz="2200" dirty="0">
-                <a:latin typeface="Times New Roman Regular" panose="02020603050405020304" charset="0"/>
-                <a:cs typeface="Times New Roman Regular" panose="02020603050405020304" charset="0"/>
-              </a:rPr>
-              <a:t>Analyzed user feedback and behavioral data to refine the platform.</a:t>
-            </a:r>
-            <a:endParaRPr lang="en-GB" sz="2200" dirty="0">
-              <a:latin typeface="Times New Roman Regular" panose="02020603050405020304" charset="0"/>
-              <a:cs typeface="Times New Roman Regular" panose="02020603050405020304" charset="0"/>
-            </a:endParaRPr>
-          </a:p>
-          <a:p>
-            <a:pPr marL="0" marR="0" lvl="0" indent="0" algn="l" defTabSz="914400" rtl="0" eaLnBrk="0" fontAlgn="base" latinLnBrk="0" hangingPunct="0">
-              <a:lnSpc>
-                <a:spcPct val="140000"/>
-              </a:lnSpc>
-              <a:spcBef>
-                <a:spcPct val="0"/>
-              </a:spcBef>
-              <a:spcAft>
-                <a:spcPct val="0"/>
-              </a:spcAft>
-              <a:buClrTx/>
-              <a:buSzTx/>
-              <a:buNone/>
-            </a:pPr>
-            <a:r>
-              <a:rPr lang="en-US" altLang="en-GB" sz="2200" b="1" dirty="0">
-                <a:latin typeface="Times New Roman Bold" panose="02020603050405020304" charset="0"/>
-                <a:cs typeface="Times New Roman Bold" panose="02020603050405020304" charset="0"/>
-              </a:rPr>
-              <a:t>6.   </a:t>
-            </a:r>
-            <a:r>
-              <a:rPr lang="en-GB" sz="2200" b="1" dirty="0">
-                <a:latin typeface="Times New Roman Bold" panose="02020603050405020304" charset="0"/>
-                <a:cs typeface="Times New Roman Bold" panose="02020603050405020304" charset="0"/>
-              </a:rPr>
-              <a:t>Iterative Design:</a:t>
-            </a:r>
-            <a:endParaRPr lang="en-GB" sz="2200" b="1" dirty="0">
-              <a:latin typeface="Times New Roman Bold" panose="02020603050405020304" charset="0"/>
-              <a:cs typeface="Times New Roman Bold" panose="02020603050405020304" charset="0"/>
-            </a:endParaRPr>
-          </a:p>
-          <a:p>
-            <a:pPr marL="1257300" marR="0" lvl="1" algn="l" defTabSz="914400" rtl="0" eaLnBrk="0" fontAlgn="base" latinLnBrk="0" hangingPunct="0">
-              <a:lnSpc>
-                <a:spcPct val="140000"/>
-              </a:lnSpc>
-              <a:spcBef>
-                <a:spcPct val="0"/>
-              </a:spcBef>
-              <a:spcAft>
-                <a:spcPct val="0"/>
-              </a:spcAft>
-              <a:buClrTx/>
-              <a:buSzTx/>
-            </a:pPr>
-            <a:r>
-              <a:rPr lang="en-GB" sz="2200" dirty="0">
-                <a:latin typeface="Times New Roman Regular" panose="02020603050405020304" charset="0"/>
-                <a:cs typeface="Times New Roman Regular" panose="02020603050405020304" charset="0"/>
-              </a:rPr>
-              <a:t>Made continuous improvements based on testing outcomes and data insights.</a:t>
-            </a:r>
-            <a:endParaRPr lang="en-GB" sz="2200" dirty="0">
-              <a:latin typeface="Times New Roman Regular" panose="02020603050405020304" charset="0"/>
-              <a:cs typeface="Times New Roman Regular" panose="02020603050405020304" charset="0"/>
-            </a:endParaRPr>
-          </a:p>
-        </p:txBody>
-      </p:sp>
-    </p:spTree>
-  </p:cSld>
-  <p:clrMapOvr>
-    <a:masterClrMapping/>
-  </p:clrMapOvr>
-</p:sld>
-</file>
-
-<file path=ppt/slides/slide9.xml><?xml version="1.0" encoding="utf-8"?>
-<p:sld xmlns:a="http://schemas.openxmlformats.org/drawingml/2006/main" xmlns:r="http://schemas.openxmlformats.org/officeDocument/2006/relationships" xmlns:p="http://schemas.openxmlformats.org/presentationml/2006/main">
-  <p:cSld>
-    <p:spTree>
-      <p:nvGrpSpPr>
-        <p:cNvPr id="1" name="Shape 198"/>
-        <p:cNvGrpSpPr/>
-        <p:nvPr/>
-      </p:nvGrpSpPr>
-      <p:grpSpPr>
-        <a:xfrm>
-          <a:off x="0" y="0"/>
-          <a:ext cx="0" cy="0"/>
-          <a:chOff x="0" y="0"/>
-          <a:chExt cx="0" cy="0"/>
-        </a:xfrm>
-      </p:grpSpPr>
-      <p:sp>
-        <p:nvSpPr>
-          <p:cNvPr id="199" name="Google Shape;199;p2"/>
-          <p:cNvSpPr txBox="1">
-            <a:spLocks noGrp="1"/>
-          </p:cNvSpPr>
-          <p:nvPr>
-            <p:ph type="title"/>
-          </p:nvPr>
-        </p:nvSpPr>
-        <p:spPr>
-          <a:xfrm>
-            <a:off x="847531" y="136525"/>
-            <a:ext cx="8646459" cy="1279527"/>
-          </a:xfrm>
-          <a:prstGeom prst="rect">
-            <a:avLst/>
-          </a:prstGeom>
-          <a:noFill/>
-          <a:ln w="9525" cap="flat" cmpd="sng">
-            <a:solidFill>
-              <a:srgbClr val="0C0C0C"/>
-            </a:solidFill>
-            <a:prstDash val="solid"/>
-            <a:round/>
-            <a:headEnd type="none" w="sm" len="sm"/>
-            <a:tailEnd type="none" w="sm" len="sm"/>
-          </a:ln>
-        </p:spPr>
-        <p:txBody>
-          <a:bodyPr spcFirstLastPara="1" wrap="square" lIns="91425" tIns="45700" rIns="91425" bIns="45700" anchor="ctr" anchorCtr="0">
-            <a:normAutofit/>
-          </a:bodyPr>
-          <a:lstStyle/>
-          <a:p>
-            <a:pPr>
-              <a:buClr>
-                <a:srgbClr val="C00000"/>
-              </a:buClr>
-              <a:buSzPts val="4000"/>
-            </a:pPr>
-            <a:r>
-              <a:rPr lang="en-GB" sz="4000" b="1" dirty="0">
-                <a:solidFill>
-                  <a:srgbClr val="C00000"/>
-                </a:solidFill>
-                <a:latin typeface="Times New Roman" panose="02020603050405020304"/>
-                <a:ea typeface="Times New Roman" panose="02020603050405020304"/>
-                <a:cs typeface="Times New Roman" panose="02020603050405020304"/>
-                <a:sym typeface="Times New Roman" panose="02020603050405020304"/>
-              </a:rPr>
-              <a:t>Objective of project</a:t>
-            </a:r>
-            <a:endParaRPr sz="4000" b="1" dirty="0">
-              <a:solidFill>
-                <a:srgbClr val="C00000"/>
-              </a:solidFill>
-              <a:latin typeface="Times New Roman" panose="02020603050405020304"/>
-              <a:ea typeface="Times New Roman" panose="02020603050405020304"/>
-              <a:cs typeface="Times New Roman" panose="02020603050405020304"/>
-              <a:sym typeface="Times New Roman" panose="02020603050405020304"/>
-            </a:endParaRPr>
-          </a:p>
-        </p:txBody>
-      </p:sp>
-      <p:sp>
-        <p:nvSpPr>
-          <p:cNvPr id="200" name="Google Shape;200;p2"/>
-          <p:cNvSpPr txBox="1">
-            <a:spLocks noGrp="1"/>
-          </p:cNvSpPr>
-          <p:nvPr>
-            <p:ph type="sldNum" idx="12"/>
-          </p:nvPr>
-        </p:nvSpPr>
-        <p:spPr>
-          <a:xfrm>
-            <a:off x="8610600" y="6356350"/>
-            <a:ext cx="2743200" cy="365125"/>
-          </a:xfrm>
-          <a:prstGeom prst="rect">
-            <a:avLst/>
-          </a:prstGeom>
-          <a:noFill/>
-          <a:ln>
-            <a:noFill/>
-          </a:ln>
-        </p:spPr>
-        <p:txBody>
-          <a:bodyPr spcFirstLastPara="1" wrap="square" lIns="91425" tIns="45700" rIns="91425" bIns="45700" anchor="ctr" anchorCtr="0">
-            <a:noAutofit/>
-          </a:bodyPr>
-          <a:lstStyle/>
-          <a:p>
-            <a:pPr marL="0" lvl="0" indent="0" algn="r" rtl="0">
-              <a:spcBef>
-                <a:spcPts val="0"/>
-              </a:spcBef>
-              <a:spcAft>
-                <a:spcPts val="0"/>
-              </a:spcAft>
-              <a:buNone/>
-            </a:pPr>
-            <a:fld id="{00000000-1234-1234-1234-123412341234}" type="slidenum">
-              <a:rPr lang="en-US">
-                <a:latin typeface="Arial" panose="020B0604020202020204"/>
-                <a:ea typeface="Arial" panose="020B0604020202020204"/>
-                <a:cs typeface="Arial" panose="020B0604020202020204"/>
-                <a:sym typeface="Arial" panose="020B0604020202020204"/>
-              </a:rPr>
-            </a:fld>
-            <a:endParaRPr>
-              <a:latin typeface="Arial" panose="020B0604020202020204"/>
-              <a:ea typeface="Arial" panose="020B0604020202020204"/>
-              <a:cs typeface="Arial" panose="020B0604020202020204"/>
-              <a:sym typeface="Arial" panose="020B0604020202020204"/>
-            </a:endParaRPr>
-          </a:p>
-        </p:txBody>
-      </p:sp>
-      <p:sp>
-        <p:nvSpPr>
-          <p:cNvPr id="3" name="Rectangle 1"/>
-          <p:cNvSpPr>
-            <a:spLocks noGrp="1" noChangeArrowheads="1"/>
-          </p:cNvSpPr>
-          <p:nvPr>
-            <p:ph type="body" idx="1"/>
-          </p:nvPr>
-        </p:nvSpPr>
-        <p:spPr bwMode="auto">
-          <a:xfrm>
-            <a:off x="251234" y="1500467"/>
-            <a:ext cx="11688261" cy="3856355"/>
-          </a:xfrm>
-          <a:prstGeom prst="rect">
-            <a:avLst/>
-          </a:prstGeom>
-          <a:noFill/>
-          <a:ln>
-            <a:noFill/>
-          </a:ln>
-          <a:effectLst/>
-          <a:extLst>
-            <a:ext uri="{909E8E84-426E-40DD-AFC4-6F175D3DCCD1}">
-              <a14:hiddenFill xmlns:a14="http://schemas.microsoft.com/office/drawing/2010/main">
-                <a:solidFill>
-                  <a:schemeClr val="accent1"/>
-                </a:solidFill>
-              </a14:hiddenFill>
-            </a:ext>
-            <a:ext uri="{91240B29-F687-4F45-9708-019B960494DF}">
-              <a14:hiddenLine xmlns:a14="http://schemas.microsoft.com/office/drawing/2010/main" w="9525">
-                <a:solidFill>
-                  <a:schemeClr val="tx1"/>
-                </a:solidFill>
-                <a:miter lim="800000"/>
-                <a:headEnd/>
-                <a:tailEnd/>
-              </a14:hiddenLine>
-            </a:ext>
-            <a:ext uri="{AF507438-7753-43E0-B8FC-AC1667EBCBE1}">
-              <a14:hiddenEffects xmlns:a14="http://schemas.microsoft.com/office/drawing/2010/main">
-                <a:effectLst>
-                  <a:outerShdw dist="35921" dir="2700000" algn="ctr" rotWithShape="0">
-                    <a:schemeClr val="bg2"/>
-                  </a:outerShdw>
-                </a:effectLst>
-              </a14:hiddenEffects>
-            </a:ext>
-          </a:extLst>
-        </p:spPr>
-        <p:txBody>
-          <a:bodyPr vert="horz" wrap="square" lIns="91440" tIns="45720" rIns="91440" bIns="45720" numCol="1" anchor="ctr" anchorCtr="0" compatLnSpc="1">
-            <a:spAutoFit/>
-          </a:bodyPr>
-          <a:lstStyle/>
-          <a:p>
-            <a:pPr marR="0" lvl="0" indent="-457200" algn="l" defTabSz="914400" rtl="0" eaLnBrk="0" fontAlgn="base" latinLnBrk="0" hangingPunct="0">
-              <a:lnSpc>
-                <a:spcPct val="130000"/>
-              </a:lnSpc>
-              <a:spcBef>
-                <a:spcPct val="0"/>
-              </a:spcBef>
-              <a:spcAft>
-                <a:spcPct val="0"/>
-              </a:spcAft>
-              <a:buClrTx/>
-              <a:buSzTx/>
-              <a:buAutoNum type="arabicPeriod"/>
-            </a:pPr>
-            <a:r>
-              <a:rPr lang="en-GB" b="1" dirty="0">
-                <a:latin typeface="Times New Roman Bold" panose="02020603050405020304" charset="0"/>
-                <a:cs typeface="Times New Roman Bold" panose="02020603050405020304" charset="0"/>
-              </a:rPr>
-              <a:t>Streamline Shopping:</a:t>
-            </a:r>
-            <a:endParaRPr lang="en-GB" b="1" dirty="0">
-              <a:latin typeface="Times New Roman Bold" panose="02020603050405020304" charset="0"/>
-              <a:cs typeface="Times New Roman Bold" panose="02020603050405020304" charset="0"/>
-            </a:endParaRPr>
-          </a:p>
-          <a:p>
-            <a:pPr marL="800100" marR="0" lvl="1" algn="l" defTabSz="914400" rtl="0" eaLnBrk="0" fontAlgn="base" latinLnBrk="0" hangingPunct="0">
-              <a:lnSpc>
-                <a:spcPct val="100000"/>
-              </a:lnSpc>
-              <a:spcBef>
-                <a:spcPct val="0"/>
-              </a:spcBef>
-              <a:spcAft>
-                <a:spcPct val="0"/>
-              </a:spcAft>
-              <a:buClrTx/>
-              <a:buSzTx/>
-            </a:pPr>
-            <a:r>
-              <a:rPr lang="en-GB" dirty="0">
-                <a:latin typeface="Times New Roman Regular" panose="02020603050405020304" charset="0"/>
-                <a:cs typeface="Times New Roman Regular" panose="02020603050405020304" charset="0"/>
-              </a:rPr>
-              <a:t>Provide a unified platform for purchasing setup-related products and PC parts.</a:t>
-            </a:r>
-            <a:endParaRPr lang="en-GB" dirty="0">
-              <a:latin typeface="Times New Roman Regular" panose="02020603050405020304" charset="0"/>
-              <a:cs typeface="Times New Roman Regular" panose="02020603050405020304" charset="0"/>
-            </a:endParaRPr>
-          </a:p>
-          <a:p>
-            <a:pPr marR="0" lvl="0" indent="-457200" algn="l" defTabSz="914400" rtl="0" eaLnBrk="0" fontAlgn="base" latinLnBrk="0" hangingPunct="0">
-              <a:lnSpc>
-                <a:spcPct val="130000"/>
-              </a:lnSpc>
-              <a:spcBef>
-                <a:spcPct val="0"/>
-              </a:spcBef>
-              <a:spcAft>
-                <a:spcPct val="0"/>
-              </a:spcAft>
-              <a:buClrTx/>
-              <a:buSzTx/>
-              <a:buAutoNum type="arabicPeriod"/>
-            </a:pPr>
-            <a:r>
-              <a:rPr lang="en-GB" b="1" dirty="0">
-                <a:latin typeface="Times New Roman Bold" panose="02020603050405020304" charset="0"/>
-                <a:cs typeface="Times New Roman Bold" panose="02020603050405020304" charset="0"/>
-              </a:rPr>
-              <a:t>Enhance User Experience:</a:t>
-            </a:r>
-            <a:endParaRPr lang="en-GB" b="1" dirty="0">
-              <a:latin typeface="Times New Roman Bold" panose="02020603050405020304" charset="0"/>
-              <a:cs typeface="Times New Roman Bold" panose="02020603050405020304" charset="0"/>
-            </a:endParaRPr>
-          </a:p>
-          <a:p>
-            <a:pPr marL="800100" marR="0" lvl="1" algn="l" defTabSz="914400" rtl="0" eaLnBrk="0" fontAlgn="base" latinLnBrk="0" hangingPunct="0">
-              <a:lnSpc>
-                <a:spcPct val="100000"/>
-              </a:lnSpc>
-              <a:spcBef>
-                <a:spcPct val="0"/>
-              </a:spcBef>
-              <a:spcAft>
-                <a:spcPct val="0"/>
-              </a:spcAft>
-              <a:buClrTx/>
-              <a:buSzTx/>
-            </a:pPr>
-            <a:r>
-              <a:rPr lang="en-GB" dirty="0">
-                <a:latin typeface="Times New Roman Regular" panose="02020603050405020304" charset="0"/>
-                <a:cs typeface="Times New Roman Regular" panose="02020603050405020304" charset="0"/>
-              </a:rPr>
-              <a:t>Offer tailored recommendations and easy navigation for specific needs (gaming, design, office).</a:t>
-            </a:r>
-            <a:endParaRPr lang="en-GB" dirty="0">
-              <a:latin typeface="Times New Roman Regular" panose="02020603050405020304" charset="0"/>
-              <a:cs typeface="Times New Roman Regular" panose="02020603050405020304" charset="0"/>
-            </a:endParaRPr>
-          </a:p>
-          <a:p>
-            <a:pPr marR="0" lvl="0" indent="-457200" algn="l" defTabSz="914400" rtl="0" eaLnBrk="0" fontAlgn="base" latinLnBrk="0" hangingPunct="0">
-              <a:lnSpc>
-                <a:spcPct val="130000"/>
-              </a:lnSpc>
-              <a:spcBef>
-                <a:spcPct val="0"/>
-              </a:spcBef>
-              <a:spcAft>
-                <a:spcPct val="0"/>
-              </a:spcAft>
-              <a:buClrTx/>
-              <a:buSzTx/>
-              <a:buAutoNum type="arabicPeriod"/>
-            </a:pPr>
-            <a:r>
-              <a:rPr lang="en-GB" b="1" dirty="0">
-                <a:latin typeface="Times New Roman Bold" panose="02020603050405020304" charset="0"/>
-                <a:cs typeface="Times New Roman Bold" panose="02020603050405020304" charset="0"/>
-              </a:rPr>
-              <a:t>Ensure Quality:</a:t>
-            </a:r>
-            <a:endParaRPr lang="en-GB" b="1" dirty="0">
-              <a:latin typeface="Times New Roman Bold" panose="02020603050405020304" charset="0"/>
-              <a:cs typeface="Times New Roman Bold" panose="02020603050405020304" charset="0"/>
-            </a:endParaRPr>
-          </a:p>
-          <a:p>
-            <a:pPr marL="800100" marR="0" lvl="1" algn="l" defTabSz="914400" rtl="0" eaLnBrk="0" fontAlgn="base" latinLnBrk="0" hangingPunct="0">
-              <a:lnSpc>
-                <a:spcPct val="100000"/>
-              </a:lnSpc>
-              <a:spcBef>
-                <a:spcPct val="0"/>
-              </a:spcBef>
-              <a:spcAft>
-                <a:spcPct val="0"/>
-              </a:spcAft>
-              <a:buClrTx/>
-              <a:buSzTx/>
-            </a:pPr>
-            <a:r>
-              <a:rPr lang="en-GB" dirty="0">
-                <a:latin typeface="Times New Roman Regular" panose="02020603050405020304" charset="0"/>
-                <a:cs typeface="Times New Roman Regular" panose="02020603050405020304" charset="0"/>
-              </a:rPr>
-              <a:t>Curate high-quality products to ensure compatibility and reliability.</a:t>
-            </a:r>
-            <a:endParaRPr lang="en-GB" dirty="0">
-              <a:latin typeface="Times New Roman Regular" panose="02020603050405020304" charset="0"/>
-              <a:cs typeface="Times New Roman Regular" panose="02020603050405020304" charset="0"/>
-            </a:endParaRPr>
-          </a:p>
-          <a:p>
-            <a:pPr marR="0" lvl="0" indent="-457200" algn="l" defTabSz="914400" rtl="0" eaLnBrk="0" fontAlgn="base" latinLnBrk="0" hangingPunct="0">
-              <a:lnSpc>
-                <a:spcPct val="130000"/>
-              </a:lnSpc>
-              <a:spcBef>
-                <a:spcPct val="0"/>
-              </a:spcBef>
-              <a:spcAft>
-                <a:spcPct val="0"/>
-              </a:spcAft>
-              <a:buClrTx/>
-              <a:buSzTx/>
-              <a:buAutoNum type="arabicPeriod"/>
-            </a:pPr>
-            <a:r>
-              <a:rPr lang="en-GB" b="1" dirty="0">
-                <a:latin typeface="Times New Roman Bold" panose="02020603050405020304" charset="0"/>
-                <a:cs typeface="Times New Roman Bold" panose="02020603050405020304" charset="0"/>
-              </a:rPr>
-              <a:t>Simplify Decision-Making:</a:t>
-            </a:r>
-            <a:endParaRPr lang="en-GB" b="1" dirty="0">
-              <a:latin typeface="Times New Roman Bold" panose="02020603050405020304" charset="0"/>
-              <a:cs typeface="Times New Roman Bold" panose="02020603050405020304" charset="0"/>
-            </a:endParaRPr>
-          </a:p>
-          <a:p>
-            <a:pPr marL="800100" marR="0" lvl="1" algn="l" defTabSz="914400" rtl="0" eaLnBrk="0" fontAlgn="base" latinLnBrk="0" hangingPunct="0">
-              <a:lnSpc>
-                <a:spcPct val="100000"/>
-              </a:lnSpc>
-              <a:spcBef>
-                <a:spcPct val="0"/>
-              </a:spcBef>
-              <a:spcAft>
-                <a:spcPct val="0"/>
-              </a:spcAft>
-              <a:buClrTx/>
-              <a:buSzTx/>
-            </a:pPr>
-            <a:r>
-              <a:rPr lang="en-GB" dirty="0">
-                <a:latin typeface="Times New Roman Regular" panose="02020603050405020304" charset="0"/>
-                <a:cs typeface="Times New Roman Regular" panose="02020603050405020304" charset="0"/>
-              </a:rPr>
-              <a:t>Help users make informed choices with expert guidance and curated selections.</a:t>
-            </a:r>
-            <a:endParaRPr lang="en-GB" dirty="0">
-              <a:latin typeface="Times New Roman Regular" panose="02020603050405020304" charset="0"/>
-              <a:cs typeface="Times New Roman Regular" panose="02020603050405020304" charset="0"/>
             </a:endParaRPr>
           </a:p>
         </p:txBody>
